--- a/Project6_Group3_Descriptive, predictive analysis and visualization in Tableau.pptx
+++ b/Project6_Group3_Descriptive, predictive analysis and visualization in Tableau.pptx
@@ -13,10 +13,10 @@
     <p:sldId id="285" r:id="rId4"/>
     <p:sldId id="283" r:id="rId5"/>
     <p:sldId id="290" r:id="rId6"/>
-    <p:sldId id="289" r:id="rId7"/>
+    <p:sldId id="291" r:id="rId7"/>
     <p:sldId id="268" r:id="rId8"/>
   </p:sldIdLst>
-  <p:sldSz cx="12188825" cy="6858000"/>
+  <p:sldSz cx="12192000" cy="6858000"/>
   <p:notesSz cx="6858000" cy="9144000"/>
   <p:defaultTextStyle>
     <a:defPPr>
@@ -116,12 +116,12 @@
   <p:extLst>
     <p:ext uri="{EFAFB233-063F-42B5-8137-9DF3F51BA10A}">
       <p15:sldGuideLst xmlns:p15="http://schemas.microsoft.com/office/powerpoint/2012/main">
-        <p15:guide id="1" orient="horz" pos="2160">
+        <p15:guide id="1" orient="horz" pos="2160" userDrawn="1">
           <p15:clr>
             <a:srgbClr val="A4A3A4"/>
           </p15:clr>
         </p15:guide>
-        <p15:guide id="2" pos="3839">
+        <p15:guide id="2" pos="3840" userDrawn="1">
           <p15:clr>
             <a:srgbClr val="A4A3A4"/>
           </p15:clr>
@@ -215,7 +215,7 @@
             <a:fld id="{7AB488F7-1FAC-40D2-BB7E-BA3CE28D8950}" type="datetimeFigureOut">
               <a:rPr lang="en-US" smtClean="0"/>
               <a:pPr/>
-              <a:t>1/23/22</a:t>
+              <a:t>1/24/2022</a:t>
             </a:fld>
             <a:endParaRPr lang="en-US"/>
           </a:p>
@@ -597,8 +597,8 @@
         </p:nvSpPr>
         <p:spPr>
           <a:xfrm>
-            <a:off x="382588" y="685800"/>
-            <a:ext cx="6092825" cy="3429000"/>
+            <a:off x="381000" y="685800"/>
+            <a:ext cx="6096000" cy="3429000"/>
           </a:xfrm>
         </p:spPr>
       </p:sp>
@@ -714,8 +714,8 @@
         </p:nvSpPr>
         <p:spPr>
           <a:xfrm>
-            <a:off x="627448" y="3043730"/>
-            <a:ext cx="5471438" cy="2137870"/>
+            <a:off x="627612" y="3043730"/>
+            <a:ext cx="5472863" cy="2137870"/>
           </a:xfrm>
         </p:spPr>
         <p:txBody>
@@ -724,7 +724,7 @@
           </a:bodyPr>
           <a:lstStyle>
             <a:lvl1pPr algn="l">
-              <a:defRPr lang="en-US" sz="4000" b="0" kern="1200" smtClean="0">
+              <a:defRPr lang="en-US" sz="4001" b="0" kern="1200" smtClean="0">
                 <a:solidFill>
                   <a:schemeClr val="tx1">
                     <a:lumMod val="75000"/>
@@ -763,7 +763,7 @@
             <a:fld id="{9578D6DB-6798-42D2-B9AD-FC6F1C72FC30}" type="datetimeFigureOut">
               <a:rPr lang="en-US" smtClean="0"/>
               <a:pPr/>
-              <a:t>1/23/22</a:t>
+              <a:t>1/24/2022</a:t>
             </a:fld>
             <a:endParaRPr lang="en-US"/>
           </a:p>
@@ -824,8 +824,8 @@
         </p:nvSpPr>
         <p:spPr>
           <a:xfrm>
-            <a:off x="614137" y="5357596"/>
-            <a:ext cx="5480275" cy="738404"/>
+            <a:off x="614297" y="5357596"/>
+            <a:ext cx="5481703" cy="738404"/>
           </a:xfrm>
         </p:spPr>
         <p:txBody>
@@ -836,7 +836,7 @@
             <a:lvl1pPr marL="0" indent="0">
               <a:buFontTx/>
               <a:buNone/>
-              <a:defRPr sz="1800">
+              <a:defRPr sz="1801">
                 <a:latin typeface="Arial" panose="020B0604020202020204" pitchFamily="34" charset="0"/>
                 <a:cs typeface="Arial" panose="020B0604020202020204" pitchFamily="34" charset="0"/>
               </a:defRPr>
@@ -955,7 +955,7 @@
             <a:fld id="{425404F2-BE9A-4460-8815-8F645183555F}" type="datetimeFigureOut">
               <a:rPr lang="en-US" smtClean="0"/>
               <a:pPr/>
-              <a:t>1/23/22</a:t>
+              <a:t>1/24/2022</a:t>
             </a:fld>
             <a:endParaRPr lang="en-US"/>
           </a:p>
@@ -1079,8 +1079,8 @@
         </p:nvSpPr>
         <p:spPr>
           <a:xfrm>
-            <a:off x="609441" y="1600201"/>
-            <a:ext cx="5383398" cy="4525963"/>
+            <a:off x="609600" y="1600202"/>
+            <a:ext cx="5384800" cy="4525963"/>
           </a:xfrm>
         </p:spPr>
         <p:txBody>
@@ -1089,7 +1089,7 @@
           </a:bodyPr>
           <a:lstStyle>
             <a:lvl1pPr>
-              <a:defRPr sz="1800">
+              <a:defRPr sz="1801">
                 <a:solidFill>
                   <a:schemeClr val="tx1">
                     <a:lumMod val="75000"/>
@@ -1099,28 +1099,28 @@
               </a:defRPr>
             </a:lvl1pPr>
             <a:lvl2pPr>
-              <a:defRPr sz="2800"/>
+              <a:defRPr sz="2801"/>
             </a:lvl2pPr>
             <a:lvl3pPr>
-              <a:defRPr sz="2400"/>
+              <a:defRPr sz="2401"/>
             </a:lvl3pPr>
             <a:lvl4pPr>
-              <a:defRPr sz="2000"/>
+              <a:defRPr sz="2001"/>
             </a:lvl4pPr>
             <a:lvl5pPr>
-              <a:defRPr sz="2000"/>
+              <a:defRPr sz="2001"/>
             </a:lvl5pPr>
             <a:lvl6pPr>
-              <a:defRPr sz="2400"/>
+              <a:defRPr sz="2401"/>
             </a:lvl6pPr>
             <a:lvl7pPr>
-              <a:defRPr sz="2400"/>
+              <a:defRPr sz="2401"/>
             </a:lvl7pPr>
             <a:lvl8pPr>
-              <a:defRPr sz="2400"/>
+              <a:defRPr sz="2401"/>
             </a:lvl8pPr>
             <a:lvl9pPr>
-              <a:defRPr sz="2400"/>
+              <a:defRPr sz="2401"/>
             </a:lvl9pPr>
           </a:lstStyle>
           <a:p>
@@ -1144,8 +1144,8 @@
         </p:nvSpPr>
         <p:spPr>
           <a:xfrm>
-            <a:off x="6195986" y="1600201"/>
-            <a:ext cx="5383398" cy="4525963"/>
+            <a:off x="6197600" y="1600202"/>
+            <a:ext cx="5384800" cy="4525963"/>
           </a:xfrm>
         </p:spPr>
         <p:txBody>
@@ -1154,7 +1154,7 @@
           </a:bodyPr>
           <a:lstStyle>
             <a:lvl1pPr>
-              <a:defRPr sz="1800">
+              <a:defRPr sz="1801">
                 <a:solidFill>
                   <a:schemeClr val="tx1">
                     <a:lumMod val="75000"/>
@@ -1164,28 +1164,28 @@
               </a:defRPr>
             </a:lvl1pPr>
             <a:lvl2pPr>
-              <a:defRPr sz="2800"/>
+              <a:defRPr sz="2801"/>
             </a:lvl2pPr>
             <a:lvl3pPr>
-              <a:defRPr sz="2400"/>
+              <a:defRPr sz="2401"/>
             </a:lvl3pPr>
             <a:lvl4pPr>
-              <a:defRPr sz="2000"/>
+              <a:defRPr sz="2001"/>
             </a:lvl4pPr>
             <a:lvl5pPr>
-              <a:defRPr sz="2000"/>
+              <a:defRPr sz="2001"/>
             </a:lvl5pPr>
             <a:lvl6pPr>
-              <a:defRPr sz="2400"/>
+              <a:defRPr sz="2401"/>
             </a:lvl6pPr>
             <a:lvl7pPr>
-              <a:defRPr sz="2400"/>
+              <a:defRPr sz="2401"/>
             </a:lvl7pPr>
             <a:lvl8pPr>
-              <a:defRPr sz="2400"/>
+              <a:defRPr sz="2401"/>
             </a:lvl8pPr>
             <a:lvl9pPr>
-              <a:defRPr sz="2400"/>
+              <a:defRPr sz="2401"/>
             </a:lvl9pPr>
           </a:lstStyle>
           <a:p>
@@ -1215,7 +1215,7 @@
             <a:fld id="{425404F2-BE9A-4460-8815-8F645183555F}" type="datetimeFigureOut">
               <a:rPr lang="en-US" smtClean="0"/>
               <a:pPr/>
-              <a:t>1/23/22</a:t>
+              <a:t>1/24/2022</a:t>
             </a:fld>
             <a:endParaRPr lang="en-US"/>
           </a:p>
@@ -1322,7 +1322,7 @@
           </a:bodyPr>
           <a:lstStyle>
             <a:lvl1pPr>
-              <a:defRPr sz="3600"/>
+              <a:defRPr sz="3601"/>
             </a:lvl1pPr>
           </a:lstStyle>
           <a:p>
@@ -1351,7 +1351,7 @@
             <a:fld id="{425404F2-BE9A-4460-8815-8F645183555F}" type="datetimeFigureOut">
               <a:rPr lang="en-US" smtClean="0"/>
               <a:pPr/>
-              <a:t>1/23/22</a:t>
+              <a:t>1/24/2022</a:t>
             </a:fld>
             <a:endParaRPr lang="en-US"/>
           </a:p>
@@ -1458,7 +1458,7 @@
           </a:bodyPr>
           <a:lstStyle>
             <a:lvl1pPr>
-              <a:defRPr sz="3600"/>
+              <a:defRPr sz="3601"/>
             </a:lvl1pPr>
           </a:lstStyle>
           <a:p>
@@ -1487,7 +1487,7 @@
             <a:fld id="{425404F2-BE9A-4460-8815-8F645183555F}" type="datetimeFigureOut">
               <a:rPr lang="en-US" smtClean="0"/>
               <a:pPr/>
-              <a:t>1/23/22</a:t>
+              <a:t>1/24/2022</a:t>
             </a:fld>
             <a:endParaRPr lang="en-US"/>
           </a:p>
@@ -1548,8 +1548,8 @@
         </p:nvSpPr>
         <p:spPr>
           <a:xfrm>
-            <a:off x="5713412" y="1295400"/>
-            <a:ext cx="5062152" cy="609600"/>
+            <a:off x="5714900" y="1295400"/>
+            <a:ext cx="5063471" cy="609600"/>
           </a:xfrm>
         </p:spPr>
         <p:txBody>
@@ -1558,7 +1558,7 @@
           </a:bodyPr>
           <a:lstStyle>
             <a:lvl1pPr>
-              <a:defRPr sz="2500"/>
+              <a:defRPr sz="2501"/>
             </a:lvl1pPr>
           </a:lstStyle>
           <a:p>
@@ -1582,8 +1582,8 @@
         </p:nvSpPr>
         <p:spPr>
           <a:xfrm>
-            <a:off x="5713412" y="1981200"/>
-            <a:ext cx="5062152" cy="3886200"/>
+            <a:off x="5714900" y="1981200"/>
+            <a:ext cx="5063471" cy="3886200"/>
           </a:xfrm>
         </p:spPr>
         <p:txBody>
@@ -1664,7 +1664,7 @@
             <a:fld id="{425404F2-BE9A-4460-8815-8F645183555F}" type="datetimeFigureOut">
               <a:rPr lang="en-US" smtClean="0"/>
               <a:pPr/>
-              <a:t>1/23/22</a:t>
+              <a:t>1/24/2022</a:t>
             </a:fld>
             <a:endParaRPr lang="en-US"/>
           </a:p>
@@ -1777,8 +1777,8 @@
         </p:nvSpPr>
         <p:spPr>
           <a:xfrm>
-            <a:off x="3217834" y="2870633"/>
-            <a:ext cx="5930678" cy="711081"/>
+            <a:off x="3218672" y="2870634"/>
+            <a:ext cx="5932223" cy="711081"/>
           </a:xfrm>
         </p:spPr>
         <p:txBody>
@@ -1787,7 +1787,7 @@
           </a:bodyPr>
           <a:lstStyle>
             <a:lvl1pPr algn="ctr">
-              <a:defRPr sz="3600" b="0">
+              <a:defRPr sz="3601" b="0">
                 <a:solidFill>
                   <a:schemeClr val="bg1"/>
                 </a:solidFill>
@@ -1830,7 +1830,7 @@
             <a:fld id="{425404F2-BE9A-4460-8815-8F645183555F}" type="datetimeFigureOut">
               <a:rPr lang="en-US" smtClean="0"/>
               <a:pPr/>
-              <a:t>1/23/22</a:t>
+              <a:t>1/24/2022</a:t>
             </a:fld>
             <a:endParaRPr lang="en-US"/>
           </a:p>
@@ -1932,8 +1932,8 @@
         </p:nvSpPr>
         <p:spPr>
           <a:xfrm>
-            <a:off x="609441" y="274639"/>
-            <a:ext cx="10969943" cy="711081"/>
+            <a:off x="609600" y="274640"/>
+            <a:ext cx="10972801" cy="711081"/>
           </a:xfrm>
           <a:prstGeom prst="rect">
             <a:avLst/>
@@ -1964,8 +1964,8 @@
         </p:nvSpPr>
         <p:spPr>
           <a:xfrm>
-            <a:off x="609441" y="1138425"/>
-            <a:ext cx="10969943" cy="4987739"/>
+            <a:off x="609600" y="1138426"/>
+            <a:ext cx="10972801" cy="4987739"/>
           </a:xfrm>
           <a:prstGeom prst="rect">
             <a:avLst/>
@@ -1997,8 +1997,8 @@
         </p:nvSpPr>
         <p:spPr>
           <a:xfrm>
-            <a:off x="609441" y="6356351"/>
-            <a:ext cx="2844059" cy="365125"/>
+            <a:off x="609600" y="6356352"/>
+            <a:ext cx="2844800" cy="365125"/>
           </a:xfrm>
           <a:prstGeom prst="rect">
             <a:avLst/>
@@ -2021,7 +2021,7 @@
             <a:fld id="{425404F2-BE9A-4460-8815-8F645183555F}" type="datetimeFigureOut">
               <a:rPr lang="en-US" smtClean="0"/>
               <a:pPr/>
-              <a:t>1/23/22</a:t>
+              <a:t>1/24/2022</a:t>
             </a:fld>
             <a:endParaRPr lang="en-US"/>
           </a:p>
@@ -2039,8 +2039,8 @@
         </p:nvSpPr>
         <p:spPr>
           <a:xfrm>
-            <a:off x="4164515" y="6356351"/>
-            <a:ext cx="3859795" cy="365125"/>
+            <a:off x="4165601" y="6356352"/>
+            <a:ext cx="3860800" cy="365125"/>
           </a:xfrm>
           <a:prstGeom prst="rect">
             <a:avLst/>
@@ -2076,8 +2076,8 @@
         </p:nvSpPr>
         <p:spPr>
           <a:xfrm>
-            <a:off x="8735325" y="6356351"/>
-            <a:ext cx="2844059" cy="365125"/>
+            <a:off x="8737601" y="6356352"/>
+            <a:ext cx="2844800" cy="365125"/>
           </a:xfrm>
           <a:prstGeom prst="rect">
             <a:avLst/>
@@ -2125,12 +2125,12 @@
   </p:sldLayoutIdLst>
   <p:txStyles>
     <p:titleStyle>
-      <a:lvl1pPr algn="l" defTabSz="1218987" rtl="0" eaLnBrk="1" latinLnBrk="0" hangingPunct="1">
+      <a:lvl1pPr algn="l" defTabSz="1219353" rtl="0" eaLnBrk="1" latinLnBrk="0" hangingPunct="1">
         <a:spcBef>
           <a:spcPct val="0"/>
         </a:spcBef>
         <a:buNone/>
-        <a:defRPr sz="3600" kern="1200">
+        <a:defRPr sz="3601" kern="1200">
           <a:solidFill>
             <a:schemeClr val="tx1">
               <a:lumMod val="75000"/>
@@ -2144,13 +2144,13 @@
       </a:lvl1pPr>
     </p:titleStyle>
     <p:bodyStyle>
-      <a:lvl1pPr marL="0" indent="0" algn="l" defTabSz="1218987" rtl="0" eaLnBrk="1" latinLnBrk="0" hangingPunct="1">
+      <a:lvl1pPr marL="0" indent="0" algn="l" defTabSz="1219353" rtl="0" eaLnBrk="1" latinLnBrk="0" hangingPunct="1">
         <a:spcBef>
           <a:spcPct val="20000"/>
         </a:spcBef>
         <a:buFontTx/>
         <a:buNone/>
-        <a:defRPr sz="1800" kern="1200">
+        <a:defRPr sz="1801" kern="1200">
           <a:solidFill>
             <a:schemeClr val="tx1">
               <a:lumMod val="75000"/>
@@ -2162,13 +2162,13 @@
           <a:cs typeface="Arial" panose="020B0604020202020204" pitchFamily="34" charset="0"/>
         </a:defRPr>
       </a:lvl1pPr>
-      <a:lvl2pPr marL="609494" indent="0" algn="l" defTabSz="1218987" rtl="0" eaLnBrk="1" latinLnBrk="0" hangingPunct="1">
+      <a:lvl2pPr marL="609677" indent="0" algn="l" defTabSz="1219353" rtl="0" eaLnBrk="1" latinLnBrk="0" hangingPunct="1">
         <a:spcBef>
           <a:spcPct val="20000"/>
         </a:spcBef>
         <a:buFontTx/>
         <a:buNone/>
-        <a:defRPr sz="1800" kern="1200">
+        <a:defRPr sz="1801" kern="1200">
           <a:solidFill>
             <a:schemeClr val="tx1"/>
           </a:solidFill>
@@ -2177,13 +2177,13 @@
           <a:cs typeface="Arial" panose="020B0604020202020204" pitchFamily="34" charset="0"/>
         </a:defRPr>
       </a:lvl2pPr>
-      <a:lvl3pPr marL="1218986" indent="0" algn="l" defTabSz="1218987" rtl="0" eaLnBrk="1" latinLnBrk="0" hangingPunct="1">
+      <a:lvl3pPr marL="1219352" indent="0" algn="l" defTabSz="1219353" rtl="0" eaLnBrk="1" latinLnBrk="0" hangingPunct="1">
         <a:spcBef>
           <a:spcPct val="20000"/>
         </a:spcBef>
         <a:buFontTx/>
         <a:buNone/>
-        <a:defRPr sz="1800" kern="1200">
+        <a:defRPr sz="1801" kern="1200">
           <a:solidFill>
             <a:schemeClr val="tx1"/>
           </a:solidFill>
@@ -2192,13 +2192,13 @@
           <a:cs typeface="Arial" panose="020B0604020202020204" pitchFamily="34" charset="0"/>
         </a:defRPr>
       </a:lvl3pPr>
-      <a:lvl4pPr marL="1828480" indent="0" algn="l" defTabSz="1218987" rtl="0" eaLnBrk="1" latinLnBrk="0" hangingPunct="1">
+      <a:lvl4pPr marL="1829029" indent="0" algn="l" defTabSz="1219353" rtl="0" eaLnBrk="1" latinLnBrk="0" hangingPunct="1">
         <a:spcBef>
           <a:spcPct val="20000"/>
         </a:spcBef>
         <a:buFontTx/>
         <a:buNone/>
-        <a:defRPr sz="1800" kern="1200">
+        <a:defRPr sz="1801" kern="1200">
           <a:solidFill>
             <a:schemeClr val="tx1"/>
           </a:solidFill>
@@ -2207,13 +2207,13 @@
           <a:cs typeface="Arial" panose="020B0604020202020204" pitchFamily="34" charset="0"/>
         </a:defRPr>
       </a:lvl4pPr>
-      <a:lvl5pPr marL="2437973" indent="0" algn="l" defTabSz="1218987" rtl="0" eaLnBrk="1" latinLnBrk="0" hangingPunct="1">
+      <a:lvl5pPr marL="2438704" indent="0" algn="l" defTabSz="1219353" rtl="0" eaLnBrk="1" latinLnBrk="0" hangingPunct="1">
         <a:spcBef>
           <a:spcPct val="20000"/>
         </a:spcBef>
         <a:buFontTx/>
         <a:buNone/>
-        <a:defRPr sz="1800" kern="1200">
+        <a:defRPr sz="1801" kern="1200">
           <a:solidFill>
             <a:schemeClr val="tx1"/>
           </a:solidFill>
@@ -2222,13 +2222,13 @@
           <a:cs typeface="Arial" panose="020B0604020202020204" pitchFamily="34" charset="0"/>
         </a:defRPr>
       </a:lvl5pPr>
-      <a:lvl6pPr marL="3352213" indent="-304747" algn="l" defTabSz="1218987" rtl="0" eaLnBrk="1" latinLnBrk="0" hangingPunct="1">
+      <a:lvl6pPr marL="3353219" indent="-304838" algn="l" defTabSz="1219353" rtl="0" eaLnBrk="1" latinLnBrk="0" hangingPunct="1">
         <a:spcBef>
           <a:spcPct val="20000"/>
         </a:spcBef>
         <a:buFont typeface="Arial" pitchFamily="34" charset="0"/>
         <a:buChar char="•"/>
-        <a:defRPr sz="2700" kern="1200">
+        <a:defRPr sz="2701" kern="1200">
           <a:solidFill>
             <a:schemeClr val="tx1"/>
           </a:solidFill>
@@ -2237,13 +2237,13 @@
           <a:cs typeface="+mn-cs"/>
         </a:defRPr>
       </a:lvl6pPr>
-      <a:lvl7pPr marL="3961707" indent="-304747" algn="l" defTabSz="1218987" rtl="0" eaLnBrk="1" latinLnBrk="0" hangingPunct="1">
+      <a:lvl7pPr marL="3962896" indent="-304838" algn="l" defTabSz="1219353" rtl="0" eaLnBrk="1" latinLnBrk="0" hangingPunct="1">
         <a:spcBef>
           <a:spcPct val="20000"/>
         </a:spcBef>
         <a:buFont typeface="Arial" pitchFamily="34" charset="0"/>
         <a:buChar char="•"/>
-        <a:defRPr sz="2700" kern="1200">
+        <a:defRPr sz="2701" kern="1200">
           <a:solidFill>
             <a:schemeClr val="tx1"/>
           </a:solidFill>
@@ -2252,13 +2252,13 @@
           <a:cs typeface="+mn-cs"/>
         </a:defRPr>
       </a:lvl7pPr>
-      <a:lvl8pPr marL="4571200" indent="-304747" algn="l" defTabSz="1218987" rtl="0" eaLnBrk="1" latinLnBrk="0" hangingPunct="1">
+      <a:lvl8pPr marL="4572571" indent="-304838" algn="l" defTabSz="1219353" rtl="0" eaLnBrk="1" latinLnBrk="0" hangingPunct="1">
         <a:spcBef>
           <a:spcPct val="20000"/>
         </a:spcBef>
         <a:buFont typeface="Arial" pitchFamily="34" charset="0"/>
         <a:buChar char="•"/>
-        <a:defRPr sz="2700" kern="1200">
+        <a:defRPr sz="2701" kern="1200">
           <a:solidFill>
             <a:schemeClr val="tx1"/>
           </a:solidFill>
@@ -2267,13 +2267,13 @@
           <a:cs typeface="+mn-cs"/>
         </a:defRPr>
       </a:lvl8pPr>
-      <a:lvl9pPr marL="5180693" indent="-304747" algn="l" defTabSz="1218987" rtl="0" eaLnBrk="1" latinLnBrk="0" hangingPunct="1">
+      <a:lvl9pPr marL="5182247" indent="-304838" algn="l" defTabSz="1219353" rtl="0" eaLnBrk="1" latinLnBrk="0" hangingPunct="1">
         <a:spcBef>
           <a:spcPct val="20000"/>
         </a:spcBef>
         <a:buFont typeface="Arial" pitchFamily="34" charset="0"/>
         <a:buChar char="•"/>
-        <a:defRPr sz="2700" kern="1200">
+        <a:defRPr sz="2701" kern="1200">
           <a:solidFill>
             <a:schemeClr val="tx1"/>
           </a:solidFill>
@@ -2287,8 +2287,8 @@
       <a:defPPr>
         <a:defRPr lang="en-US"/>
       </a:defPPr>
-      <a:lvl1pPr marL="0" algn="l" defTabSz="1218987" rtl="0" eaLnBrk="1" latinLnBrk="0" hangingPunct="1">
-        <a:defRPr sz="2400" kern="1200">
+      <a:lvl1pPr marL="0" algn="l" defTabSz="1219353" rtl="0" eaLnBrk="1" latinLnBrk="0" hangingPunct="1">
+        <a:defRPr sz="2401" kern="1200">
           <a:solidFill>
             <a:schemeClr val="tx1"/>
           </a:solidFill>
@@ -2297,8 +2297,8 @@
           <a:cs typeface="+mn-cs"/>
         </a:defRPr>
       </a:lvl1pPr>
-      <a:lvl2pPr marL="609493" algn="l" defTabSz="1218987" rtl="0" eaLnBrk="1" latinLnBrk="0" hangingPunct="1">
-        <a:defRPr sz="2400" kern="1200">
+      <a:lvl2pPr marL="609676" algn="l" defTabSz="1219353" rtl="0" eaLnBrk="1" latinLnBrk="0" hangingPunct="1">
+        <a:defRPr sz="2401" kern="1200">
           <a:solidFill>
             <a:schemeClr val="tx1"/>
           </a:solidFill>
@@ -2307,8 +2307,8 @@
           <a:cs typeface="+mn-cs"/>
         </a:defRPr>
       </a:lvl2pPr>
-      <a:lvl3pPr marL="1218987" algn="l" defTabSz="1218987" rtl="0" eaLnBrk="1" latinLnBrk="0" hangingPunct="1">
-        <a:defRPr sz="2400" kern="1200">
+      <a:lvl3pPr marL="1219353" algn="l" defTabSz="1219353" rtl="0" eaLnBrk="1" latinLnBrk="0" hangingPunct="1">
+        <a:defRPr sz="2401" kern="1200">
           <a:solidFill>
             <a:schemeClr val="tx1"/>
           </a:solidFill>
@@ -2317,8 +2317,8 @@
           <a:cs typeface="+mn-cs"/>
         </a:defRPr>
       </a:lvl3pPr>
-      <a:lvl4pPr marL="1828480" algn="l" defTabSz="1218987" rtl="0" eaLnBrk="1" latinLnBrk="0" hangingPunct="1">
-        <a:defRPr sz="2400" kern="1200">
+      <a:lvl4pPr marL="1829029" algn="l" defTabSz="1219353" rtl="0" eaLnBrk="1" latinLnBrk="0" hangingPunct="1">
+        <a:defRPr sz="2401" kern="1200">
           <a:solidFill>
             <a:schemeClr val="tx1"/>
           </a:solidFill>
@@ -2327,8 +2327,8 @@
           <a:cs typeface="+mn-cs"/>
         </a:defRPr>
       </a:lvl4pPr>
-      <a:lvl5pPr marL="2437973" algn="l" defTabSz="1218987" rtl="0" eaLnBrk="1" latinLnBrk="0" hangingPunct="1">
-        <a:defRPr sz="2400" kern="1200">
+      <a:lvl5pPr marL="2438704" algn="l" defTabSz="1219353" rtl="0" eaLnBrk="1" latinLnBrk="0" hangingPunct="1">
+        <a:defRPr sz="2401" kern="1200">
           <a:solidFill>
             <a:schemeClr val="tx1"/>
           </a:solidFill>
@@ -2337,8 +2337,8 @@
           <a:cs typeface="+mn-cs"/>
         </a:defRPr>
       </a:lvl5pPr>
-      <a:lvl6pPr marL="3047467" algn="l" defTabSz="1218987" rtl="0" eaLnBrk="1" latinLnBrk="0" hangingPunct="1">
-        <a:defRPr sz="2400" kern="1200">
+      <a:lvl6pPr marL="3048381" algn="l" defTabSz="1219353" rtl="0" eaLnBrk="1" latinLnBrk="0" hangingPunct="1">
+        <a:defRPr sz="2401" kern="1200">
           <a:solidFill>
             <a:schemeClr val="tx1"/>
           </a:solidFill>
@@ -2347,8 +2347,8 @@
           <a:cs typeface="+mn-cs"/>
         </a:defRPr>
       </a:lvl6pPr>
-      <a:lvl7pPr marL="3656960" algn="l" defTabSz="1218987" rtl="0" eaLnBrk="1" latinLnBrk="0" hangingPunct="1">
-        <a:defRPr sz="2400" kern="1200">
+      <a:lvl7pPr marL="3658057" algn="l" defTabSz="1219353" rtl="0" eaLnBrk="1" latinLnBrk="0" hangingPunct="1">
+        <a:defRPr sz="2401" kern="1200">
           <a:solidFill>
             <a:schemeClr val="tx1"/>
           </a:solidFill>
@@ -2357,8 +2357,8 @@
           <a:cs typeface="+mn-cs"/>
         </a:defRPr>
       </a:lvl7pPr>
-      <a:lvl8pPr marL="4266453" algn="l" defTabSz="1218987" rtl="0" eaLnBrk="1" latinLnBrk="0" hangingPunct="1">
-        <a:defRPr sz="2400" kern="1200">
+      <a:lvl8pPr marL="4267733" algn="l" defTabSz="1219353" rtl="0" eaLnBrk="1" latinLnBrk="0" hangingPunct="1">
+        <a:defRPr sz="2401" kern="1200">
           <a:solidFill>
             <a:schemeClr val="tx1"/>
           </a:solidFill>
@@ -2367,8 +2367,8 @@
           <a:cs typeface="+mn-cs"/>
         </a:defRPr>
       </a:lvl8pPr>
-      <a:lvl9pPr marL="4875947" algn="l" defTabSz="1218987" rtl="0" eaLnBrk="1" latinLnBrk="0" hangingPunct="1">
-        <a:defRPr sz="2400" kern="1200">
+      <a:lvl9pPr marL="4877410" algn="l" defTabSz="1219353" rtl="0" eaLnBrk="1" latinLnBrk="0" hangingPunct="1">
+        <a:defRPr sz="2401" kern="1200">
           <a:solidFill>
             <a:schemeClr val="tx1"/>
           </a:solidFill>
@@ -2424,8 +2424,8 @@
         </p:nvSpPr>
         <p:spPr>
           <a:xfrm>
-            <a:off x="258101" y="5554053"/>
-            <a:ext cx="1035712" cy="981745"/>
+            <a:off x="258169" y="5554607"/>
+            <a:ext cx="1035982" cy="461913"/>
           </a:xfrm>
           <a:prstGeom prst="rect">
             <a:avLst/>
@@ -2440,7 +2440,7 @@
           </a:bodyPr>
           <a:lstStyle/>
           <a:p>
-            <a:endParaRPr lang="en-FR" dirty="0"/>
+            <a:endParaRPr lang="en-FR" sz="2401" dirty="0"/>
           </a:p>
         </p:txBody>
       </p:sp>
@@ -2452,8 +2452,8 @@
         </p:nvGrpSpPr>
         <p:grpSpPr>
           <a:xfrm>
-            <a:off x="594619" y="685800"/>
-            <a:ext cx="10999587" cy="5486400"/>
+            <a:off x="594775" y="685086"/>
+            <a:ext cx="11002452" cy="5487829"/>
             <a:chOff x="836612" y="2590800"/>
             <a:chExt cx="5501278" cy="2743942"/>
           </a:xfrm>
@@ -2844,14 +2844,14 @@
               </a:ln>
             </p:spPr>
             <p:txBody>
-              <a:bodyPr vert="horz" wrap="square" lIns="91440" tIns="45720" rIns="91440" bIns="45720" numCol="1" anchor="t" anchorCtr="0" compatLnSpc="1">
+              <a:bodyPr vert="horz" wrap="square" lIns="91464" tIns="45732" rIns="91464" bIns="45732" numCol="1" anchor="t" anchorCtr="0" compatLnSpc="1">
                 <a:prstTxWarp prst="textNoShape">
                   <a:avLst/>
                 </a:prstTxWarp>
               </a:bodyPr>
               <a:lstStyle/>
               <a:p>
-                <a:endParaRPr lang="en-US" dirty="0">
+                <a:endParaRPr lang="en-US" sz="2401" dirty="0">
                   <a:solidFill>
                     <a:schemeClr val="bg1"/>
                   </a:solidFill>
@@ -4161,14 +4161,14 @@
               </a:ln>
             </p:spPr>
             <p:txBody>
-              <a:bodyPr vert="horz" wrap="square" lIns="91440" tIns="45720" rIns="91440" bIns="45720" numCol="1" anchor="t" anchorCtr="0" compatLnSpc="1">
+              <a:bodyPr vert="horz" wrap="square" lIns="91464" tIns="45732" rIns="91464" bIns="45732" numCol="1" anchor="t" anchorCtr="0" compatLnSpc="1">
                 <a:prstTxWarp prst="textNoShape">
                   <a:avLst/>
                 </a:prstTxWarp>
               </a:bodyPr>
               <a:lstStyle/>
               <a:p>
-                <a:endParaRPr lang="en-US" dirty="0"/>
+                <a:endParaRPr lang="en-US" sz="2401" dirty="0"/>
               </a:p>
             </p:txBody>
           </p:sp>
@@ -4284,14 +4284,14 @@
               </a:ln>
             </p:spPr>
             <p:txBody>
-              <a:bodyPr vert="horz" wrap="square" lIns="91440" tIns="45720" rIns="91440" bIns="45720" numCol="1" anchor="t" anchorCtr="0" compatLnSpc="1">
+              <a:bodyPr vert="horz" wrap="square" lIns="91464" tIns="45732" rIns="91464" bIns="45732" numCol="1" anchor="t" anchorCtr="0" compatLnSpc="1">
                 <a:prstTxWarp prst="textNoShape">
                   <a:avLst/>
                 </a:prstTxWarp>
               </a:bodyPr>
               <a:lstStyle/>
               <a:p>
-                <a:endParaRPr lang="en-US"/>
+                <a:endParaRPr lang="en-US" sz="2401"/>
               </a:p>
             </p:txBody>
           </p:sp>
@@ -4421,14 +4421,14 @@
               </a:ln>
             </p:spPr>
             <p:txBody>
-              <a:bodyPr vert="horz" wrap="square" lIns="91440" tIns="45720" rIns="91440" bIns="45720" numCol="1" anchor="t" anchorCtr="0" compatLnSpc="1">
+              <a:bodyPr vert="horz" wrap="square" lIns="91464" tIns="45732" rIns="91464" bIns="45732" numCol="1" anchor="t" anchorCtr="0" compatLnSpc="1">
                 <a:prstTxWarp prst="textNoShape">
                   <a:avLst/>
                 </a:prstTxWarp>
               </a:bodyPr>
               <a:lstStyle/>
               <a:p>
-                <a:endParaRPr lang="en-US"/>
+                <a:endParaRPr lang="en-US" sz="2401"/>
               </a:p>
             </p:txBody>
           </p:sp>
@@ -6241,14 +6241,14 @@
               </a:ln>
             </p:spPr>
             <p:txBody>
-              <a:bodyPr vert="horz" wrap="square" lIns="91440" tIns="45720" rIns="91440" bIns="45720" numCol="1" anchor="t" anchorCtr="0" compatLnSpc="1">
+              <a:bodyPr vert="horz" wrap="square" lIns="91464" tIns="45732" rIns="91464" bIns="45732" numCol="1" anchor="t" anchorCtr="0" compatLnSpc="1">
                 <a:prstTxWarp prst="textNoShape">
                   <a:avLst/>
                 </a:prstTxWarp>
               </a:bodyPr>
               <a:lstStyle/>
               <a:p>
-                <a:endParaRPr lang="en-US"/>
+                <a:endParaRPr lang="en-US" sz="2401"/>
               </a:p>
             </p:txBody>
           </p:sp>
@@ -6460,14 +6460,14 @@
               </a:ln>
             </p:spPr>
             <p:txBody>
-              <a:bodyPr vert="horz" wrap="square" lIns="91440" tIns="45720" rIns="91440" bIns="45720" numCol="1" anchor="t" anchorCtr="0" compatLnSpc="1">
+              <a:bodyPr vert="horz" wrap="square" lIns="91464" tIns="45732" rIns="91464" bIns="45732" numCol="1" anchor="t" anchorCtr="0" compatLnSpc="1">
                 <a:prstTxWarp prst="textNoShape">
                   <a:avLst/>
                 </a:prstTxWarp>
               </a:bodyPr>
               <a:lstStyle/>
               <a:p>
-                <a:endParaRPr lang="en-US"/>
+                <a:endParaRPr lang="en-US" sz="2401"/>
               </a:p>
             </p:txBody>
           </p:sp>
@@ -6897,14 +6897,14 @@
               </a:ln>
             </p:spPr>
             <p:txBody>
-              <a:bodyPr vert="horz" wrap="square" lIns="91440" tIns="45720" rIns="91440" bIns="45720" numCol="1" anchor="t" anchorCtr="0" compatLnSpc="1">
+              <a:bodyPr vert="horz" wrap="square" lIns="91464" tIns="45732" rIns="91464" bIns="45732" numCol="1" anchor="t" anchorCtr="0" compatLnSpc="1">
                 <a:prstTxWarp prst="textNoShape">
                   <a:avLst/>
                 </a:prstTxWarp>
               </a:bodyPr>
               <a:lstStyle/>
               <a:p>
-                <a:endParaRPr lang="en-US"/>
+                <a:endParaRPr lang="en-US" sz="2401"/>
               </a:p>
             </p:txBody>
           </p:sp>
@@ -7268,14 +7268,14 @@
               </a:ln>
             </p:spPr>
             <p:txBody>
-              <a:bodyPr vert="horz" wrap="square" lIns="91440" tIns="45720" rIns="91440" bIns="45720" numCol="1" anchor="t" anchorCtr="0" compatLnSpc="1">
+              <a:bodyPr vert="horz" wrap="square" lIns="91464" tIns="45732" rIns="91464" bIns="45732" numCol="1" anchor="t" anchorCtr="0" compatLnSpc="1">
                 <a:prstTxWarp prst="textNoShape">
                   <a:avLst/>
                 </a:prstTxWarp>
               </a:bodyPr>
               <a:lstStyle/>
               <a:p>
-                <a:endParaRPr lang="en-US"/>
+                <a:endParaRPr lang="en-US" sz="2401"/>
               </a:p>
             </p:txBody>
           </p:sp>
@@ -7369,14 +7369,14 @@
               </a:ln>
             </p:spPr>
             <p:txBody>
-              <a:bodyPr vert="horz" wrap="square" lIns="91440" tIns="45720" rIns="91440" bIns="45720" numCol="1" anchor="t" anchorCtr="0" compatLnSpc="1">
+              <a:bodyPr vert="horz" wrap="square" lIns="91464" tIns="45732" rIns="91464" bIns="45732" numCol="1" anchor="t" anchorCtr="0" compatLnSpc="1">
                 <a:prstTxWarp prst="textNoShape">
                   <a:avLst/>
                 </a:prstTxWarp>
               </a:bodyPr>
               <a:lstStyle/>
               <a:p>
-                <a:endParaRPr lang="en-US"/>
+                <a:endParaRPr lang="en-US" sz="2401"/>
               </a:p>
             </p:txBody>
           </p:sp>
@@ -7512,14 +7512,14 @@
               </a:ln>
             </p:spPr>
             <p:txBody>
-              <a:bodyPr vert="horz" wrap="square" lIns="91440" tIns="45720" rIns="91440" bIns="45720" numCol="1" anchor="t" anchorCtr="0" compatLnSpc="1">
+              <a:bodyPr vert="horz" wrap="square" lIns="91464" tIns="45732" rIns="91464" bIns="45732" numCol="1" anchor="t" anchorCtr="0" compatLnSpc="1">
                 <a:prstTxWarp prst="textNoShape">
                   <a:avLst/>
                 </a:prstTxWarp>
               </a:bodyPr>
               <a:lstStyle/>
               <a:p>
-                <a:endParaRPr lang="en-US"/>
+                <a:endParaRPr lang="en-US" sz="2401"/>
               </a:p>
             </p:txBody>
           </p:sp>
@@ -7655,14 +7655,14 @@
               </a:ln>
             </p:spPr>
             <p:txBody>
-              <a:bodyPr vert="horz" wrap="square" lIns="91440" tIns="45720" rIns="91440" bIns="45720" numCol="1" anchor="t" anchorCtr="0" compatLnSpc="1">
+              <a:bodyPr vert="horz" wrap="square" lIns="91464" tIns="45732" rIns="91464" bIns="45732" numCol="1" anchor="t" anchorCtr="0" compatLnSpc="1">
                 <a:prstTxWarp prst="textNoShape">
                   <a:avLst/>
                 </a:prstTxWarp>
               </a:bodyPr>
               <a:lstStyle/>
               <a:p>
-                <a:endParaRPr lang="en-US"/>
+                <a:endParaRPr lang="en-US" sz="2401"/>
               </a:p>
             </p:txBody>
           </p:sp>
@@ -7936,14 +7936,14 @@
               </a:ln>
             </p:spPr>
             <p:txBody>
-              <a:bodyPr vert="horz" wrap="square" lIns="91440" tIns="45720" rIns="91440" bIns="45720" numCol="1" anchor="t" anchorCtr="0" compatLnSpc="1">
+              <a:bodyPr vert="horz" wrap="square" lIns="91464" tIns="45732" rIns="91464" bIns="45732" numCol="1" anchor="t" anchorCtr="0" compatLnSpc="1">
                 <a:prstTxWarp prst="textNoShape">
                   <a:avLst/>
                 </a:prstTxWarp>
               </a:bodyPr>
               <a:lstStyle/>
               <a:p>
-                <a:endParaRPr lang="en-US"/>
+                <a:endParaRPr lang="en-US" sz="2401"/>
               </a:p>
             </p:txBody>
           </p:sp>
@@ -8043,14 +8043,14 @@
               </a:ln>
             </p:spPr>
             <p:txBody>
-              <a:bodyPr vert="horz" wrap="square" lIns="91440" tIns="45720" rIns="91440" bIns="45720" numCol="1" anchor="t" anchorCtr="0" compatLnSpc="1">
+              <a:bodyPr vert="horz" wrap="square" lIns="91464" tIns="45732" rIns="91464" bIns="45732" numCol="1" anchor="t" anchorCtr="0" compatLnSpc="1">
                 <a:prstTxWarp prst="textNoShape">
                   <a:avLst/>
                 </a:prstTxWarp>
               </a:bodyPr>
               <a:lstStyle/>
               <a:p>
-                <a:endParaRPr lang="en-US"/>
+                <a:endParaRPr lang="en-US" sz="2401"/>
               </a:p>
             </p:txBody>
           </p:sp>
@@ -8120,14 +8120,14 @@
               </a:ln>
             </p:spPr>
             <p:txBody>
-              <a:bodyPr vert="horz" wrap="square" lIns="91440" tIns="45720" rIns="91440" bIns="45720" numCol="1" anchor="t" anchorCtr="0" compatLnSpc="1">
+              <a:bodyPr vert="horz" wrap="square" lIns="91464" tIns="45732" rIns="91464" bIns="45732" numCol="1" anchor="t" anchorCtr="0" compatLnSpc="1">
                 <a:prstTxWarp prst="textNoShape">
                   <a:avLst/>
                 </a:prstTxWarp>
               </a:bodyPr>
               <a:lstStyle/>
               <a:p>
-                <a:endParaRPr lang="en-US"/>
+                <a:endParaRPr lang="en-US" sz="2401"/>
               </a:p>
             </p:txBody>
           </p:sp>
@@ -8191,14 +8191,14 @@
               </a:ln>
             </p:spPr>
             <p:txBody>
-              <a:bodyPr vert="horz" wrap="square" lIns="91440" tIns="45720" rIns="91440" bIns="45720" numCol="1" anchor="t" anchorCtr="0" compatLnSpc="1">
+              <a:bodyPr vert="horz" wrap="square" lIns="91464" tIns="45732" rIns="91464" bIns="45732" numCol="1" anchor="t" anchorCtr="0" compatLnSpc="1">
                 <a:prstTxWarp prst="textNoShape">
                   <a:avLst/>
                 </a:prstTxWarp>
               </a:bodyPr>
               <a:lstStyle/>
               <a:p>
-                <a:endParaRPr lang="en-US"/>
+                <a:endParaRPr lang="en-US" sz="2401"/>
               </a:p>
             </p:txBody>
           </p:sp>
@@ -8286,14 +8286,14 @@
               </a:ln>
             </p:spPr>
             <p:txBody>
-              <a:bodyPr vert="horz" wrap="square" lIns="91440" tIns="45720" rIns="91440" bIns="45720" numCol="1" anchor="t" anchorCtr="0" compatLnSpc="1">
+              <a:bodyPr vert="horz" wrap="square" lIns="91464" tIns="45732" rIns="91464" bIns="45732" numCol="1" anchor="t" anchorCtr="0" compatLnSpc="1">
                 <a:prstTxWarp prst="textNoShape">
                   <a:avLst/>
                 </a:prstTxWarp>
               </a:bodyPr>
               <a:lstStyle/>
               <a:p>
-                <a:endParaRPr lang="en-US"/>
+                <a:endParaRPr lang="en-US" sz="2401"/>
               </a:p>
             </p:txBody>
           </p:sp>
@@ -12524,14 +12524,14 @@
               </a:ln>
             </p:spPr>
             <p:txBody>
-              <a:bodyPr vert="horz" wrap="square" lIns="91440" tIns="45720" rIns="91440" bIns="45720" numCol="1" anchor="t" anchorCtr="0" compatLnSpc="1">
+              <a:bodyPr vert="horz" wrap="square" lIns="91464" tIns="45732" rIns="91464" bIns="45732" numCol="1" anchor="t" anchorCtr="0" compatLnSpc="1">
                 <a:prstTxWarp prst="textNoShape">
                   <a:avLst/>
                 </a:prstTxWarp>
               </a:bodyPr>
               <a:lstStyle/>
               <a:p>
-                <a:endParaRPr lang="en-US"/>
+                <a:endParaRPr lang="en-US" sz="2401"/>
               </a:p>
             </p:txBody>
           </p:sp>
@@ -12685,14 +12685,14 @@
               </a:ln>
             </p:spPr>
             <p:txBody>
-              <a:bodyPr vert="horz" wrap="square" lIns="91440" tIns="45720" rIns="91440" bIns="45720" numCol="1" anchor="t" anchorCtr="0" compatLnSpc="1">
+              <a:bodyPr vert="horz" wrap="square" lIns="91464" tIns="45732" rIns="91464" bIns="45732" numCol="1" anchor="t" anchorCtr="0" compatLnSpc="1">
                 <a:prstTxWarp prst="textNoShape">
                   <a:avLst/>
                 </a:prstTxWarp>
               </a:bodyPr>
               <a:lstStyle/>
               <a:p>
-                <a:endParaRPr lang="en-US"/>
+                <a:endParaRPr lang="en-US" sz="2401"/>
               </a:p>
             </p:txBody>
           </p:sp>
@@ -12864,14 +12864,14 @@
               </a:ln>
             </p:spPr>
             <p:txBody>
-              <a:bodyPr vert="horz" wrap="square" lIns="91440" tIns="45720" rIns="91440" bIns="45720" numCol="1" anchor="t" anchorCtr="0" compatLnSpc="1">
+              <a:bodyPr vert="horz" wrap="square" lIns="91464" tIns="45732" rIns="91464" bIns="45732" numCol="1" anchor="t" anchorCtr="0" compatLnSpc="1">
                 <a:prstTxWarp prst="textNoShape">
                   <a:avLst/>
                 </a:prstTxWarp>
               </a:bodyPr>
               <a:lstStyle/>
               <a:p>
-                <a:endParaRPr lang="en-US"/>
+                <a:endParaRPr lang="en-US" sz="2401"/>
               </a:p>
             </p:txBody>
           </p:sp>
@@ -13439,14 +13439,14 @@
               </a:ln>
             </p:spPr>
             <p:txBody>
-              <a:bodyPr vert="horz" wrap="square" lIns="91440" tIns="45720" rIns="91440" bIns="45720" numCol="1" anchor="t" anchorCtr="0" compatLnSpc="1">
+              <a:bodyPr vert="horz" wrap="square" lIns="91464" tIns="45732" rIns="91464" bIns="45732" numCol="1" anchor="t" anchorCtr="0" compatLnSpc="1">
                 <a:prstTxWarp prst="textNoShape">
                   <a:avLst/>
                 </a:prstTxWarp>
               </a:bodyPr>
               <a:lstStyle/>
               <a:p>
-                <a:endParaRPr lang="en-US"/>
+                <a:endParaRPr lang="en-US" sz="2401"/>
               </a:p>
             </p:txBody>
           </p:sp>
@@ -13810,14 +13810,14 @@
               </a:ln>
             </p:spPr>
             <p:txBody>
-              <a:bodyPr vert="horz" wrap="square" lIns="91440" tIns="45720" rIns="91440" bIns="45720" numCol="1" anchor="t" anchorCtr="0" compatLnSpc="1">
+              <a:bodyPr vert="horz" wrap="square" lIns="91464" tIns="45732" rIns="91464" bIns="45732" numCol="1" anchor="t" anchorCtr="0" compatLnSpc="1">
                 <a:prstTxWarp prst="textNoShape">
                   <a:avLst/>
                 </a:prstTxWarp>
               </a:bodyPr>
               <a:lstStyle/>
               <a:p>
-                <a:endParaRPr lang="en-US"/>
+                <a:endParaRPr lang="en-US" sz="2401"/>
               </a:p>
             </p:txBody>
           </p:sp>
@@ -14301,14 +14301,14 @@
               </a:ln>
             </p:spPr>
             <p:txBody>
-              <a:bodyPr vert="horz" wrap="square" lIns="91440" tIns="45720" rIns="91440" bIns="45720" numCol="1" anchor="t" anchorCtr="0" compatLnSpc="1">
+              <a:bodyPr vert="horz" wrap="square" lIns="91464" tIns="45732" rIns="91464" bIns="45732" numCol="1" anchor="t" anchorCtr="0" compatLnSpc="1">
                 <a:prstTxWarp prst="textNoShape">
                   <a:avLst/>
                 </a:prstTxWarp>
               </a:bodyPr>
               <a:lstStyle/>
               <a:p>
-                <a:endParaRPr lang="en-US"/>
+                <a:endParaRPr lang="en-US" sz="2401"/>
               </a:p>
             </p:txBody>
           </p:sp>
@@ -14426,14 +14426,14 @@
               </a:ln>
             </p:spPr>
             <p:txBody>
-              <a:bodyPr vert="horz" wrap="square" lIns="91440" tIns="45720" rIns="91440" bIns="45720" numCol="1" anchor="t" anchorCtr="0" compatLnSpc="1">
+              <a:bodyPr vert="horz" wrap="square" lIns="91464" tIns="45732" rIns="91464" bIns="45732" numCol="1" anchor="t" anchorCtr="0" compatLnSpc="1">
                 <a:prstTxWarp prst="textNoShape">
                   <a:avLst/>
                 </a:prstTxWarp>
               </a:bodyPr>
               <a:lstStyle/>
               <a:p>
-                <a:endParaRPr lang="en-US"/>
+                <a:endParaRPr lang="en-US" sz="2401"/>
               </a:p>
             </p:txBody>
           </p:sp>
@@ -14515,14 +14515,14 @@
               </a:ln>
             </p:spPr>
             <p:txBody>
-              <a:bodyPr vert="horz" wrap="square" lIns="91440" tIns="45720" rIns="91440" bIns="45720" numCol="1" anchor="t" anchorCtr="0" compatLnSpc="1">
+              <a:bodyPr vert="horz" wrap="square" lIns="91464" tIns="45732" rIns="91464" bIns="45732" numCol="1" anchor="t" anchorCtr="0" compatLnSpc="1">
                 <a:prstTxWarp prst="textNoShape">
                   <a:avLst/>
                 </a:prstTxWarp>
               </a:bodyPr>
               <a:lstStyle/>
               <a:p>
-                <a:endParaRPr lang="en-US"/>
+                <a:endParaRPr lang="en-US" sz="2401"/>
               </a:p>
             </p:txBody>
           </p:sp>
@@ -14862,14 +14862,14 @@
               </a:ln>
             </p:spPr>
             <p:txBody>
-              <a:bodyPr vert="horz" wrap="square" lIns="91440" tIns="45720" rIns="91440" bIns="45720" numCol="1" anchor="t" anchorCtr="0" compatLnSpc="1">
+              <a:bodyPr vert="horz" wrap="square" lIns="91464" tIns="45732" rIns="91464" bIns="45732" numCol="1" anchor="t" anchorCtr="0" compatLnSpc="1">
                 <a:prstTxWarp prst="textNoShape">
                   <a:avLst/>
                 </a:prstTxWarp>
               </a:bodyPr>
               <a:lstStyle/>
               <a:p>
-                <a:endParaRPr lang="en-US"/>
+                <a:endParaRPr lang="en-US" sz="2401"/>
               </a:p>
             </p:txBody>
           </p:sp>
@@ -15035,14 +15035,14 @@
               </a:ln>
             </p:spPr>
             <p:txBody>
-              <a:bodyPr vert="horz" wrap="square" lIns="91440" tIns="45720" rIns="91440" bIns="45720" numCol="1" anchor="t" anchorCtr="0" compatLnSpc="1">
+              <a:bodyPr vert="horz" wrap="square" lIns="91464" tIns="45732" rIns="91464" bIns="45732" numCol="1" anchor="t" anchorCtr="0" compatLnSpc="1">
                 <a:prstTxWarp prst="textNoShape">
                   <a:avLst/>
                 </a:prstTxWarp>
               </a:bodyPr>
               <a:lstStyle/>
               <a:p>
-                <a:endParaRPr lang="en-US"/>
+                <a:endParaRPr lang="en-US" sz="2401"/>
               </a:p>
             </p:txBody>
           </p:sp>
@@ -15208,14 +15208,14 @@
               </a:ln>
             </p:spPr>
             <p:txBody>
-              <a:bodyPr vert="horz" wrap="square" lIns="91440" tIns="45720" rIns="91440" bIns="45720" numCol="1" anchor="t" anchorCtr="0" compatLnSpc="1">
+              <a:bodyPr vert="horz" wrap="square" lIns="91464" tIns="45732" rIns="91464" bIns="45732" numCol="1" anchor="t" anchorCtr="0" compatLnSpc="1">
                 <a:prstTxWarp prst="textNoShape">
                   <a:avLst/>
                 </a:prstTxWarp>
               </a:bodyPr>
               <a:lstStyle/>
               <a:p>
-                <a:endParaRPr lang="en-US"/>
+                <a:endParaRPr lang="en-US" sz="2401"/>
               </a:p>
             </p:txBody>
           </p:sp>
@@ -15333,14 +15333,14 @@
               </a:ln>
             </p:spPr>
             <p:txBody>
-              <a:bodyPr vert="horz" wrap="square" lIns="91440" tIns="45720" rIns="91440" bIns="45720" numCol="1" anchor="t" anchorCtr="0" compatLnSpc="1">
+              <a:bodyPr vert="horz" wrap="square" lIns="91464" tIns="45732" rIns="91464" bIns="45732" numCol="1" anchor="t" anchorCtr="0" compatLnSpc="1">
                 <a:prstTxWarp prst="textNoShape">
                   <a:avLst/>
                 </a:prstTxWarp>
               </a:bodyPr>
               <a:lstStyle/>
               <a:p>
-                <a:endParaRPr lang="en-US"/>
+                <a:endParaRPr lang="en-US" sz="2401"/>
               </a:p>
             </p:txBody>
           </p:sp>
@@ -15728,14 +15728,14 @@
               </a:ln>
             </p:spPr>
             <p:txBody>
-              <a:bodyPr vert="horz" wrap="square" lIns="91440" tIns="45720" rIns="91440" bIns="45720" numCol="1" anchor="t" anchorCtr="0" compatLnSpc="1">
+              <a:bodyPr vert="horz" wrap="square" lIns="91464" tIns="45732" rIns="91464" bIns="45732" numCol="1" anchor="t" anchorCtr="0" compatLnSpc="1">
                 <a:prstTxWarp prst="textNoShape">
                   <a:avLst/>
                 </a:prstTxWarp>
               </a:bodyPr>
               <a:lstStyle/>
               <a:p>
-                <a:endParaRPr lang="en-US"/>
+                <a:endParaRPr lang="en-US" sz="2401"/>
               </a:p>
             </p:txBody>
           </p:sp>
@@ -16063,14 +16063,14 @@
               </a:ln>
             </p:spPr>
             <p:txBody>
-              <a:bodyPr vert="horz" wrap="square" lIns="91440" tIns="45720" rIns="91440" bIns="45720" numCol="1" anchor="t" anchorCtr="0" compatLnSpc="1">
+              <a:bodyPr vert="horz" wrap="square" lIns="91464" tIns="45732" rIns="91464" bIns="45732" numCol="1" anchor="t" anchorCtr="0" compatLnSpc="1">
                 <a:prstTxWarp prst="textNoShape">
                   <a:avLst/>
                 </a:prstTxWarp>
               </a:bodyPr>
               <a:lstStyle/>
               <a:p>
-                <a:endParaRPr lang="en-US"/>
+                <a:endParaRPr lang="en-US" sz="2401"/>
               </a:p>
             </p:txBody>
           </p:sp>
@@ -16230,14 +16230,14 @@
               </a:ln>
             </p:spPr>
             <p:txBody>
-              <a:bodyPr vert="horz" wrap="square" lIns="91440" tIns="45720" rIns="91440" bIns="45720" numCol="1" anchor="t" anchorCtr="0" compatLnSpc="1">
+              <a:bodyPr vert="horz" wrap="square" lIns="91464" tIns="45732" rIns="91464" bIns="45732" numCol="1" anchor="t" anchorCtr="0" compatLnSpc="1">
                 <a:prstTxWarp prst="textNoShape">
                   <a:avLst/>
                 </a:prstTxWarp>
               </a:bodyPr>
               <a:lstStyle/>
               <a:p>
-                <a:endParaRPr lang="en-US"/>
+                <a:endParaRPr lang="en-US" sz="2401"/>
               </a:p>
             </p:txBody>
           </p:sp>
@@ -16481,14 +16481,14 @@
               </a:ln>
             </p:spPr>
             <p:txBody>
-              <a:bodyPr vert="horz" wrap="square" lIns="91440" tIns="45720" rIns="91440" bIns="45720" numCol="1" anchor="t" anchorCtr="0" compatLnSpc="1">
+              <a:bodyPr vert="horz" wrap="square" lIns="91464" tIns="45732" rIns="91464" bIns="45732" numCol="1" anchor="t" anchorCtr="0" compatLnSpc="1">
                 <a:prstTxWarp prst="textNoShape">
                   <a:avLst/>
                 </a:prstTxWarp>
               </a:bodyPr>
               <a:lstStyle/>
               <a:p>
-                <a:endParaRPr lang="en-US"/>
+                <a:endParaRPr lang="en-US" sz="2401"/>
               </a:p>
             </p:txBody>
           </p:sp>
@@ -16618,14 +16618,14 @@
               </a:ln>
             </p:spPr>
             <p:txBody>
-              <a:bodyPr vert="horz" wrap="square" lIns="91440" tIns="45720" rIns="91440" bIns="45720" numCol="1" anchor="t" anchorCtr="0" compatLnSpc="1">
+              <a:bodyPr vert="horz" wrap="square" lIns="91464" tIns="45732" rIns="91464" bIns="45732" numCol="1" anchor="t" anchorCtr="0" compatLnSpc="1">
                 <a:prstTxWarp prst="textNoShape">
                   <a:avLst/>
                 </a:prstTxWarp>
               </a:bodyPr>
               <a:lstStyle/>
               <a:p>
-                <a:endParaRPr lang="en-US"/>
+                <a:endParaRPr lang="en-US" sz="2401"/>
               </a:p>
             </p:txBody>
           </p:sp>
@@ -16737,14 +16737,14 @@
               </a:ln>
             </p:spPr>
             <p:txBody>
-              <a:bodyPr vert="horz" wrap="square" lIns="91440" tIns="45720" rIns="91440" bIns="45720" numCol="1" anchor="t" anchorCtr="0" compatLnSpc="1">
+              <a:bodyPr vert="horz" wrap="square" lIns="91464" tIns="45732" rIns="91464" bIns="45732" numCol="1" anchor="t" anchorCtr="0" compatLnSpc="1">
                 <a:prstTxWarp prst="textNoShape">
                   <a:avLst/>
                 </a:prstTxWarp>
               </a:bodyPr>
               <a:lstStyle/>
               <a:p>
-                <a:endParaRPr lang="en-US"/>
+                <a:endParaRPr lang="en-US" sz="2401"/>
               </a:p>
             </p:txBody>
           </p:sp>
@@ -17156,14 +17156,14 @@
               </a:ln>
             </p:spPr>
             <p:txBody>
-              <a:bodyPr vert="horz" wrap="square" lIns="91440" tIns="45720" rIns="91440" bIns="45720" numCol="1" anchor="t" anchorCtr="0" compatLnSpc="1">
+              <a:bodyPr vert="horz" wrap="square" lIns="91464" tIns="45732" rIns="91464" bIns="45732" numCol="1" anchor="t" anchorCtr="0" compatLnSpc="1">
                 <a:prstTxWarp prst="textNoShape">
                   <a:avLst/>
                 </a:prstTxWarp>
               </a:bodyPr>
               <a:lstStyle/>
               <a:p>
-                <a:endParaRPr lang="en-US"/>
+                <a:endParaRPr lang="en-US" sz="2401"/>
               </a:p>
             </p:txBody>
           </p:sp>
@@ -17263,14 +17263,14 @@
               </a:ln>
             </p:spPr>
             <p:txBody>
-              <a:bodyPr vert="horz" wrap="square" lIns="91440" tIns="45720" rIns="91440" bIns="45720" numCol="1" anchor="t" anchorCtr="0" compatLnSpc="1">
+              <a:bodyPr vert="horz" wrap="square" lIns="91464" tIns="45732" rIns="91464" bIns="45732" numCol="1" anchor="t" anchorCtr="0" compatLnSpc="1">
                 <a:prstTxWarp prst="textNoShape">
                   <a:avLst/>
                 </a:prstTxWarp>
               </a:bodyPr>
               <a:lstStyle/>
               <a:p>
-                <a:endParaRPr lang="en-US"/>
+                <a:endParaRPr lang="en-US" sz="2401"/>
               </a:p>
             </p:txBody>
           </p:sp>
@@ -17700,14 +17700,14 @@
               </a:ln>
             </p:spPr>
             <p:txBody>
-              <a:bodyPr vert="horz" wrap="square" lIns="91440" tIns="45720" rIns="91440" bIns="45720" numCol="1" anchor="t" anchorCtr="0" compatLnSpc="1">
+              <a:bodyPr vert="horz" wrap="square" lIns="91464" tIns="45732" rIns="91464" bIns="45732" numCol="1" anchor="t" anchorCtr="0" compatLnSpc="1">
                 <a:prstTxWarp prst="textNoShape">
                   <a:avLst/>
                 </a:prstTxWarp>
               </a:bodyPr>
               <a:lstStyle/>
               <a:p>
-                <a:endParaRPr lang="en-US"/>
+                <a:endParaRPr lang="en-US" sz="2401"/>
               </a:p>
             </p:txBody>
           </p:sp>
@@ -17885,14 +17885,14 @@
               </a:ln>
             </p:spPr>
             <p:txBody>
-              <a:bodyPr vert="horz" wrap="square" lIns="91440" tIns="45720" rIns="91440" bIns="45720" numCol="1" anchor="t" anchorCtr="0" compatLnSpc="1">
+              <a:bodyPr vert="horz" wrap="square" lIns="91464" tIns="45732" rIns="91464" bIns="45732" numCol="1" anchor="t" anchorCtr="0" compatLnSpc="1">
                 <a:prstTxWarp prst="textNoShape">
                   <a:avLst/>
                 </a:prstTxWarp>
               </a:bodyPr>
               <a:lstStyle/>
               <a:p>
-                <a:endParaRPr lang="en-US"/>
+                <a:endParaRPr lang="en-US" sz="2401"/>
               </a:p>
             </p:txBody>
           </p:sp>
@@ -18004,14 +18004,14 @@
               </a:ln>
             </p:spPr>
             <p:txBody>
-              <a:bodyPr vert="horz" wrap="square" lIns="91440" tIns="45720" rIns="91440" bIns="45720" numCol="1" anchor="t" anchorCtr="0" compatLnSpc="1">
+              <a:bodyPr vert="horz" wrap="square" lIns="91464" tIns="45732" rIns="91464" bIns="45732" numCol="1" anchor="t" anchorCtr="0" compatLnSpc="1">
                 <a:prstTxWarp prst="textNoShape">
                   <a:avLst/>
                 </a:prstTxWarp>
               </a:bodyPr>
               <a:lstStyle/>
               <a:p>
-                <a:endParaRPr lang="en-US"/>
+                <a:endParaRPr lang="en-US" sz="2401"/>
               </a:p>
             </p:txBody>
           </p:sp>
@@ -18231,14 +18231,14 @@
               </a:ln>
             </p:spPr>
             <p:txBody>
-              <a:bodyPr vert="horz" wrap="square" lIns="91440" tIns="45720" rIns="91440" bIns="45720" numCol="1" anchor="t" anchorCtr="0" compatLnSpc="1">
+              <a:bodyPr vert="horz" wrap="square" lIns="91464" tIns="45732" rIns="91464" bIns="45732" numCol="1" anchor="t" anchorCtr="0" compatLnSpc="1">
                 <a:prstTxWarp prst="textNoShape">
                   <a:avLst/>
                 </a:prstTxWarp>
               </a:bodyPr>
               <a:lstStyle/>
               <a:p>
-                <a:endParaRPr lang="en-US"/>
+                <a:endParaRPr lang="en-US" sz="2401"/>
               </a:p>
             </p:txBody>
           </p:sp>
@@ -18326,14 +18326,14 @@
               </a:ln>
             </p:spPr>
             <p:txBody>
-              <a:bodyPr vert="horz" wrap="square" lIns="91440" tIns="45720" rIns="91440" bIns="45720" numCol="1" anchor="t" anchorCtr="0" compatLnSpc="1">
+              <a:bodyPr vert="horz" wrap="square" lIns="91464" tIns="45732" rIns="91464" bIns="45732" numCol="1" anchor="t" anchorCtr="0" compatLnSpc="1">
                 <a:prstTxWarp prst="textNoShape">
                   <a:avLst/>
                 </a:prstTxWarp>
               </a:bodyPr>
               <a:lstStyle/>
               <a:p>
-                <a:endParaRPr lang="en-US"/>
+                <a:endParaRPr lang="en-US" sz="2401"/>
               </a:p>
             </p:txBody>
           </p:sp>
@@ -18916,14 +18916,14 @@
               </a:ln>
             </p:spPr>
             <p:txBody>
-              <a:bodyPr vert="horz" wrap="square" lIns="91440" tIns="45720" rIns="91440" bIns="45720" numCol="1" anchor="t" anchorCtr="0" compatLnSpc="1">
+              <a:bodyPr vert="horz" wrap="square" lIns="91464" tIns="45732" rIns="91464" bIns="45732" numCol="1" anchor="t" anchorCtr="0" compatLnSpc="1">
                 <a:prstTxWarp prst="textNoShape">
                   <a:avLst/>
                 </a:prstTxWarp>
               </a:bodyPr>
               <a:lstStyle/>
               <a:p>
-                <a:endParaRPr lang="en-US"/>
+                <a:endParaRPr lang="en-US" sz="2401"/>
               </a:p>
             </p:txBody>
           </p:sp>
@@ -19275,14 +19275,14 @@
               </a:ln>
             </p:spPr>
             <p:txBody>
-              <a:bodyPr vert="horz" wrap="square" lIns="91440" tIns="45720" rIns="91440" bIns="45720" numCol="1" anchor="t" anchorCtr="0" compatLnSpc="1">
+              <a:bodyPr vert="horz" wrap="square" lIns="91464" tIns="45732" rIns="91464" bIns="45732" numCol="1" anchor="t" anchorCtr="0" compatLnSpc="1">
                 <a:prstTxWarp prst="textNoShape">
                   <a:avLst/>
                 </a:prstTxWarp>
               </a:bodyPr>
               <a:lstStyle/>
               <a:p>
-                <a:endParaRPr lang="en-US"/>
+                <a:endParaRPr lang="en-US" sz="2401"/>
               </a:p>
             </p:txBody>
           </p:sp>
@@ -19412,14 +19412,14 @@
               </a:ln>
             </p:spPr>
             <p:txBody>
-              <a:bodyPr vert="horz" wrap="square" lIns="91440" tIns="45720" rIns="91440" bIns="45720" numCol="1" anchor="t" anchorCtr="0" compatLnSpc="1">
+              <a:bodyPr vert="horz" wrap="square" lIns="91464" tIns="45732" rIns="91464" bIns="45732" numCol="1" anchor="t" anchorCtr="0" compatLnSpc="1">
                 <a:prstTxWarp prst="textNoShape">
                   <a:avLst/>
                 </a:prstTxWarp>
               </a:bodyPr>
               <a:lstStyle/>
               <a:p>
-                <a:endParaRPr lang="en-US"/>
+                <a:endParaRPr lang="en-US" sz="2401"/>
               </a:p>
             </p:txBody>
           </p:sp>
@@ -19543,14 +19543,14 @@
               </a:ln>
             </p:spPr>
             <p:txBody>
-              <a:bodyPr vert="horz" wrap="square" lIns="91440" tIns="45720" rIns="91440" bIns="45720" numCol="1" anchor="t" anchorCtr="0" compatLnSpc="1">
+              <a:bodyPr vert="horz" wrap="square" lIns="91464" tIns="45732" rIns="91464" bIns="45732" numCol="1" anchor="t" anchorCtr="0" compatLnSpc="1">
                 <a:prstTxWarp prst="textNoShape">
                   <a:avLst/>
                 </a:prstTxWarp>
               </a:bodyPr>
               <a:lstStyle/>
               <a:p>
-                <a:endParaRPr lang="en-US"/>
+                <a:endParaRPr lang="en-US" sz="2401"/>
               </a:p>
             </p:txBody>
           </p:sp>
@@ -19740,14 +19740,14 @@
               </a:ln>
             </p:spPr>
             <p:txBody>
-              <a:bodyPr vert="horz" wrap="square" lIns="91440" tIns="45720" rIns="91440" bIns="45720" numCol="1" anchor="t" anchorCtr="0" compatLnSpc="1">
+              <a:bodyPr vert="horz" wrap="square" lIns="91464" tIns="45732" rIns="91464" bIns="45732" numCol="1" anchor="t" anchorCtr="0" compatLnSpc="1">
                 <a:prstTxWarp prst="textNoShape">
                   <a:avLst/>
                 </a:prstTxWarp>
               </a:bodyPr>
               <a:lstStyle/>
               <a:p>
-                <a:endParaRPr lang="en-US"/>
+                <a:endParaRPr lang="en-US" sz="2401"/>
               </a:p>
             </p:txBody>
           </p:sp>
@@ -19865,14 +19865,14 @@
               </a:ln>
             </p:spPr>
             <p:txBody>
-              <a:bodyPr vert="horz" wrap="square" lIns="91440" tIns="45720" rIns="91440" bIns="45720" numCol="1" anchor="t" anchorCtr="0" compatLnSpc="1">
+              <a:bodyPr vert="horz" wrap="square" lIns="91464" tIns="45732" rIns="91464" bIns="45732" numCol="1" anchor="t" anchorCtr="0" compatLnSpc="1">
                 <a:prstTxWarp prst="textNoShape">
                   <a:avLst/>
                 </a:prstTxWarp>
               </a:bodyPr>
               <a:lstStyle/>
               <a:p>
-                <a:endParaRPr lang="en-US"/>
+                <a:endParaRPr lang="en-US" sz="2401"/>
               </a:p>
             </p:txBody>
           </p:sp>
@@ -19984,14 +19984,14 @@
               </a:ln>
             </p:spPr>
             <p:txBody>
-              <a:bodyPr vert="horz" wrap="square" lIns="91440" tIns="45720" rIns="91440" bIns="45720" numCol="1" anchor="t" anchorCtr="0" compatLnSpc="1">
+              <a:bodyPr vert="horz" wrap="square" lIns="91464" tIns="45732" rIns="91464" bIns="45732" numCol="1" anchor="t" anchorCtr="0" compatLnSpc="1">
                 <a:prstTxWarp prst="textNoShape">
                   <a:avLst/>
                 </a:prstTxWarp>
               </a:bodyPr>
               <a:lstStyle/>
               <a:p>
-                <a:endParaRPr lang="en-US"/>
+                <a:endParaRPr lang="en-US" sz="2401"/>
               </a:p>
             </p:txBody>
           </p:sp>
@@ -20091,14 +20091,14 @@
               </a:ln>
             </p:spPr>
             <p:txBody>
-              <a:bodyPr vert="horz" wrap="square" lIns="91440" tIns="45720" rIns="91440" bIns="45720" numCol="1" anchor="t" anchorCtr="0" compatLnSpc="1">
+              <a:bodyPr vert="horz" wrap="square" lIns="91464" tIns="45732" rIns="91464" bIns="45732" numCol="1" anchor="t" anchorCtr="0" compatLnSpc="1">
                 <a:prstTxWarp prst="textNoShape">
                   <a:avLst/>
                 </a:prstTxWarp>
               </a:bodyPr>
               <a:lstStyle/>
               <a:p>
-                <a:endParaRPr lang="en-US"/>
+                <a:endParaRPr lang="en-US" sz="2401"/>
               </a:p>
             </p:txBody>
           </p:sp>
@@ -21122,14 +21122,14 @@
               </a:ln>
             </p:spPr>
             <p:txBody>
-              <a:bodyPr vert="horz" wrap="square" lIns="91440" tIns="45720" rIns="91440" bIns="45720" numCol="1" anchor="t" anchorCtr="0" compatLnSpc="1">
+              <a:bodyPr vert="horz" wrap="square" lIns="91464" tIns="45732" rIns="91464" bIns="45732" numCol="1" anchor="t" anchorCtr="0" compatLnSpc="1">
                 <a:prstTxWarp prst="textNoShape">
                   <a:avLst/>
                 </a:prstTxWarp>
               </a:bodyPr>
               <a:lstStyle/>
               <a:p>
-                <a:endParaRPr lang="en-US"/>
+                <a:endParaRPr lang="en-US" sz="2401"/>
               </a:p>
             </p:txBody>
           </p:sp>
@@ -21217,14 +21217,14 @@
               </a:ln>
             </p:spPr>
             <p:txBody>
-              <a:bodyPr vert="horz" wrap="square" lIns="91440" tIns="45720" rIns="91440" bIns="45720" numCol="1" anchor="t" anchorCtr="0" compatLnSpc="1">
+              <a:bodyPr vert="horz" wrap="square" lIns="91464" tIns="45732" rIns="91464" bIns="45732" numCol="1" anchor="t" anchorCtr="0" compatLnSpc="1">
                 <a:prstTxWarp prst="textNoShape">
                   <a:avLst/>
                 </a:prstTxWarp>
               </a:bodyPr>
               <a:lstStyle/>
               <a:p>
-                <a:endParaRPr lang="en-US"/>
+                <a:endParaRPr lang="en-US" sz="2401"/>
               </a:p>
             </p:txBody>
           </p:sp>
@@ -21324,14 +21324,14 @@
               </a:ln>
             </p:spPr>
             <p:txBody>
-              <a:bodyPr vert="horz" wrap="square" lIns="91440" tIns="45720" rIns="91440" bIns="45720" numCol="1" anchor="t" anchorCtr="0" compatLnSpc="1">
+              <a:bodyPr vert="horz" wrap="square" lIns="91464" tIns="45732" rIns="91464" bIns="45732" numCol="1" anchor="t" anchorCtr="0" compatLnSpc="1">
                 <a:prstTxWarp prst="textNoShape">
                   <a:avLst/>
                 </a:prstTxWarp>
               </a:bodyPr>
               <a:lstStyle/>
               <a:p>
-                <a:endParaRPr lang="en-US"/>
+                <a:endParaRPr lang="en-US" sz="2401"/>
               </a:p>
             </p:txBody>
           </p:sp>
@@ -22232,14 +22232,14 @@
               </a:ln>
             </p:spPr>
             <p:txBody>
-              <a:bodyPr vert="horz" wrap="square" lIns="91440" tIns="45720" rIns="91440" bIns="45720" numCol="1" anchor="t" anchorCtr="0" compatLnSpc="1">
+              <a:bodyPr vert="horz" wrap="square" lIns="91464" tIns="45732" rIns="91464" bIns="45732" numCol="1" anchor="t" anchorCtr="0" compatLnSpc="1">
                 <a:prstTxWarp prst="textNoShape">
                   <a:avLst/>
                 </a:prstTxWarp>
               </a:bodyPr>
               <a:lstStyle/>
               <a:p>
-                <a:endParaRPr lang="en-US"/>
+                <a:endParaRPr lang="en-US" sz="2401"/>
               </a:p>
             </p:txBody>
           </p:sp>
@@ -23902,14 +23902,14 @@
               </a:ln>
             </p:spPr>
             <p:txBody>
-              <a:bodyPr vert="horz" wrap="square" lIns="91440" tIns="45720" rIns="91440" bIns="45720" numCol="1" anchor="t" anchorCtr="0" compatLnSpc="1">
+              <a:bodyPr vert="horz" wrap="square" lIns="91464" tIns="45732" rIns="91464" bIns="45732" numCol="1" anchor="t" anchorCtr="0" compatLnSpc="1">
                 <a:prstTxWarp prst="textNoShape">
                   <a:avLst/>
                 </a:prstTxWarp>
               </a:bodyPr>
               <a:lstStyle/>
               <a:p>
-                <a:endParaRPr lang="en-US"/>
+                <a:endParaRPr lang="en-US" sz="2401"/>
               </a:p>
             </p:txBody>
           </p:sp>
@@ -24051,14 +24051,14 @@
               </a:ln>
             </p:spPr>
             <p:txBody>
-              <a:bodyPr vert="horz" wrap="square" lIns="91440" tIns="45720" rIns="91440" bIns="45720" numCol="1" anchor="t" anchorCtr="0" compatLnSpc="1">
+              <a:bodyPr vert="horz" wrap="square" lIns="91464" tIns="45732" rIns="91464" bIns="45732" numCol="1" anchor="t" anchorCtr="0" compatLnSpc="1">
                 <a:prstTxWarp prst="textNoShape">
                   <a:avLst/>
                 </a:prstTxWarp>
               </a:bodyPr>
               <a:lstStyle/>
               <a:p>
-                <a:endParaRPr lang="en-US"/>
+                <a:endParaRPr lang="en-US" sz="2401"/>
               </a:p>
             </p:txBody>
           </p:sp>
@@ -24176,14 +24176,14 @@
               </a:ln>
             </p:spPr>
             <p:txBody>
-              <a:bodyPr vert="horz" wrap="square" lIns="91440" tIns="45720" rIns="91440" bIns="45720" numCol="1" anchor="t" anchorCtr="0" compatLnSpc="1">
+              <a:bodyPr vert="horz" wrap="square" lIns="91464" tIns="45732" rIns="91464" bIns="45732" numCol="1" anchor="t" anchorCtr="0" compatLnSpc="1">
                 <a:prstTxWarp prst="textNoShape">
                   <a:avLst/>
                 </a:prstTxWarp>
               </a:bodyPr>
               <a:lstStyle/>
               <a:p>
-                <a:endParaRPr lang="en-US"/>
+                <a:endParaRPr lang="en-US" sz="2401"/>
               </a:p>
             </p:txBody>
           </p:sp>
@@ -24622,14 +24622,14 @@
               </a:ln>
             </p:spPr>
             <p:txBody>
-              <a:bodyPr vert="horz" wrap="square" lIns="91440" tIns="45720" rIns="91440" bIns="45720" numCol="1" anchor="t" anchorCtr="0" compatLnSpc="1">
+              <a:bodyPr vert="horz" wrap="square" lIns="91464" tIns="45732" rIns="91464" bIns="45732" numCol="1" anchor="t" anchorCtr="0" compatLnSpc="1">
                 <a:prstTxWarp prst="textNoShape">
                   <a:avLst/>
                 </a:prstTxWarp>
               </a:bodyPr>
               <a:lstStyle/>
               <a:p>
-                <a:endParaRPr lang="en-US"/>
+                <a:endParaRPr lang="en-US" sz="2401"/>
               </a:p>
             </p:txBody>
           </p:sp>
@@ -24723,14 +24723,14 @@
               </a:ln>
             </p:spPr>
             <p:txBody>
-              <a:bodyPr vert="horz" wrap="square" lIns="91440" tIns="45720" rIns="91440" bIns="45720" numCol="1" anchor="t" anchorCtr="0" compatLnSpc="1">
+              <a:bodyPr vert="horz" wrap="square" lIns="91464" tIns="45732" rIns="91464" bIns="45732" numCol="1" anchor="t" anchorCtr="0" compatLnSpc="1">
                 <a:prstTxWarp prst="textNoShape">
                   <a:avLst/>
                 </a:prstTxWarp>
               </a:bodyPr>
               <a:lstStyle/>
               <a:p>
-                <a:endParaRPr lang="en-US"/>
+                <a:endParaRPr lang="en-US" sz="2401"/>
               </a:p>
             </p:txBody>
           </p:sp>
@@ -24920,14 +24920,14 @@
               </a:ln>
             </p:spPr>
             <p:txBody>
-              <a:bodyPr vert="horz" wrap="square" lIns="91440" tIns="45720" rIns="91440" bIns="45720" numCol="1" anchor="t" anchorCtr="0" compatLnSpc="1">
+              <a:bodyPr vert="horz" wrap="square" lIns="91464" tIns="45732" rIns="91464" bIns="45732" numCol="1" anchor="t" anchorCtr="0" compatLnSpc="1">
                 <a:prstTxWarp prst="textNoShape">
                   <a:avLst/>
                 </a:prstTxWarp>
               </a:bodyPr>
               <a:lstStyle/>
               <a:p>
-                <a:endParaRPr lang="en-US"/>
+                <a:endParaRPr lang="en-US" sz="2401"/>
               </a:p>
             </p:txBody>
           </p:sp>
@@ -25165,14 +25165,14 @@
               </a:ln>
             </p:spPr>
             <p:txBody>
-              <a:bodyPr vert="horz" wrap="square" lIns="91440" tIns="45720" rIns="91440" bIns="45720" numCol="1" anchor="t" anchorCtr="0" compatLnSpc="1">
+              <a:bodyPr vert="horz" wrap="square" lIns="91464" tIns="45732" rIns="91464" bIns="45732" numCol="1" anchor="t" anchorCtr="0" compatLnSpc="1">
                 <a:prstTxWarp prst="textNoShape">
                   <a:avLst/>
                 </a:prstTxWarp>
               </a:bodyPr>
               <a:lstStyle/>
               <a:p>
-                <a:endParaRPr lang="en-US"/>
+                <a:endParaRPr lang="en-US" sz="2401"/>
               </a:p>
             </p:txBody>
           </p:sp>
@@ -25284,14 +25284,14 @@
               </a:ln>
             </p:spPr>
             <p:txBody>
-              <a:bodyPr vert="horz" wrap="square" lIns="91440" tIns="45720" rIns="91440" bIns="45720" numCol="1" anchor="t" anchorCtr="0" compatLnSpc="1">
+              <a:bodyPr vert="horz" wrap="square" lIns="91464" tIns="45732" rIns="91464" bIns="45732" numCol="1" anchor="t" anchorCtr="0" compatLnSpc="1">
                 <a:prstTxWarp prst="textNoShape">
                   <a:avLst/>
                 </a:prstTxWarp>
               </a:bodyPr>
               <a:lstStyle/>
               <a:p>
-                <a:endParaRPr lang="en-US"/>
+                <a:endParaRPr lang="en-US" sz="2401"/>
               </a:p>
             </p:txBody>
           </p:sp>
@@ -25391,14 +25391,14 @@
               </a:ln>
             </p:spPr>
             <p:txBody>
-              <a:bodyPr vert="horz" wrap="square" lIns="91440" tIns="45720" rIns="91440" bIns="45720" numCol="1" anchor="t" anchorCtr="0" compatLnSpc="1">
+              <a:bodyPr vert="horz" wrap="square" lIns="91464" tIns="45732" rIns="91464" bIns="45732" numCol="1" anchor="t" anchorCtr="0" compatLnSpc="1">
                 <a:prstTxWarp prst="textNoShape">
                   <a:avLst/>
                 </a:prstTxWarp>
               </a:bodyPr>
               <a:lstStyle/>
               <a:p>
-                <a:endParaRPr lang="en-US"/>
+                <a:endParaRPr lang="en-US" sz="2401"/>
               </a:p>
             </p:txBody>
           </p:sp>
@@ -25522,14 +25522,14 @@
               </a:ln>
             </p:spPr>
             <p:txBody>
-              <a:bodyPr vert="horz" wrap="square" lIns="91440" tIns="45720" rIns="91440" bIns="45720" numCol="1" anchor="t" anchorCtr="0" compatLnSpc="1">
+              <a:bodyPr vert="horz" wrap="square" lIns="91464" tIns="45732" rIns="91464" bIns="45732" numCol="1" anchor="t" anchorCtr="0" compatLnSpc="1">
                 <a:prstTxWarp prst="textNoShape">
                   <a:avLst/>
                 </a:prstTxWarp>
               </a:bodyPr>
               <a:lstStyle/>
               <a:p>
-                <a:endParaRPr lang="en-US"/>
+                <a:endParaRPr lang="en-US" sz="2401"/>
               </a:p>
             </p:txBody>
           </p:sp>
@@ -25695,14 +25695,14 @@
               </a:ln>
             </p:spPr>
             <p:txBody>
-              <a:bodyPr vert="horz" wrap="square" lIns="91440" tIns="45720" rIns="91440" bIns="45720" numCol="1" anchor="t" anchorCtr="0" compatLnSpc="1">
+              <a:bodyPr vert="horz" wrap="square" lIns="91464" tIns="45732" rIns="91464" bIns="45732" numCol="1" anchor="t" anchorCtr="0" compatLnSpc="1">
                 <a:prstTxWarp prst="textNoShape">
                   <a:avLst/>
                 </a:prstTxWarp>
               </a:bodyPr>
               <a:lstStyle/>
               <a:p>
-                <a:endParaRPr lang="en-US"/>
+                <a:endParaRPr lang="en-US" sz="2401"/>
               </a:p>
             </p:txBody>
           </p:sp>
@@ -25814,14 +25814,14 @@
               </a:ln>
             </p:spPr>
             <p:txBody>
-              <a:bodyPr vert="horz" wrap="square" lIns="91440" tIns="45720" rIns="91440" bIns="45720" numCol="1" anchor="t" anchorCtr="0" compatLnSpc="1">
+              <a:bodyPr vert="horz" wrap="square" lIns="91464" tIns="45732" rIns="91464" bIns="45732" numCol="1" anchor="t" anchorCtr="0" compatLnSpc="1">
                 <a:prstTxWarp prst="textNoShape">
                   <a:avLst/>
                 </a:prstTxWarp>
               </a:bodyPr>
               <a:lstStyle/>
               <a:p>
-                <a:endParaRPr lang="en-US"/>
+                <a:endParaRPr lang="en-US" sz="2401"/>
               </a:p>
             </p:txBody>
           </p:sp>
@@ -25921,14 +25921,14 @@
               </a:ln>
             </p:spPr>
             <p:txBody>
-              <a:bodyPr vert="horz" wrap="square" lIns="91440" tIns="45720" rIns="91440" bIns="45720" numCol="1" anchor="t" anchorCtr="0" compatLnSpc="1">
+              <a:bodyPr vert="horz" wrap="square" lIns="91464" tIns="45732" rIns="91464" bIns="45732" numCol="1" anchor="t" anchorCtr="0" compatLnSpc="1">
                 <a:prstTxWarp prst="textNoShape">
                   <a:avLst/>
                 </a:prstTxWarp>
               </a:bodyPr>
               <a:lstStyle/>
               <a:p>
-                <a:endParaRPr lang="en-US"/>
+                <a:endParaRPr lang="en-US" sz="2401"/>
               </a:p>
             </p:txBody>
           </p:sp>
@@ -26004,14 +26004,14 @@
               </a:ln>
             </p:spPr>
             <p:txBody>
-              <a:bodyPr vert="horz" wrap="square" lIns="91440" tIns="45720" rIns="91440" bIns="45720" numCol="1" anchor="t" anchorCtr="0" compatLnSpc="1">
+              <a:bodyPr vert="horz" wrap="square" lIns="91464" tIns="45732" rIns="91464" bIns="45732" numCol="1" anchor="t" anchorCtr="0" compatLnSpc="1">
                 <a:prstTxWarp prst="textNoShape">
                   <a:avLst/>
                 </a:prstTxWarp>
               </a:bodyPr>
               <a:lstStyle/>
               <a:p>
-                <a:endParaRPr lang="en-US"/>
+                <a:endParaRPr lang="en-US" sz="2401"/>
               </a:p>
             </p:txBody>
           </p:sp>
@@ -26081,14 +26081,14 @@
               </a:ln>
             </p:spPr>
             <p:txBody>
-              <a:bodyPr vert="horz" wrap="square" lIns="91440" tIns="45720" rIns="91440" bIns="45720" numCol="1" anchor="t" anchorCtr="0" compatLnSpc="1">
+              <a:bodyPr vert="horz" wrap="square" lIns="91464" tIns="45732" rIns="91464" bIns="45732" numCol="1" anchor="t" anchorCtr="0" compatLnSpc="1">
                 <a:prstTxWarp prst="textNoShape">
                   <a:avLst/>
                 </a:prstTxWarp>
               </a:bodyPr>
               <a:lstStyle/>
               <a:p>
-                <a:endParaRPr lang="en-US"/>
+                <a:endParaRPr lang="en-US" sz="2401"/>
               </a:p>
             </p:txBody>
           </p:sp>
@@ -26170,14 +26170,14 @@
               </a:ln>
             </p:spPr>
             <p:txBody>
-              <a:bodyPr vert="horz" wrap="square" lIns="91440" tIns="45720" rIns="91440" bIns="45720" numCol="1" anchor="t" anchorCtr="0" compatLnSpc="1">
+              <a:bodyPr vert="horz" wrap="square" lIns="91464" tIns="45732" rIns="91464" bIns="45732" numCol="1" anchor="t" anchorCtr="0" compatLnSpc="1">
                 <a:prstTxWarp prst="textNoShape">
                   <a:avLst/>
                 </a:prstTxWarp>
               </a:bodyPr>
               <a:lstStyle/>
               <a:p>
-                <a:endParaRPr lang="en-US"/>
+                <a:endParaRPr lang="en-US" sz="2401"/>
               </a:p>
             </p:txBody>
           </p:sp>
@@ -26271,14 +26271,14 @@
               </a:ln>
             </p:spPr>
             <p:txBody>
-              <a:bodyPr vert="horz" wrap="square" lIns="91440" tIns="45720" rIns="91440" bIns="45720" numCol="1" anchor="t" anchorCtr="0" compatLnSpc="1">
+              <a:bodyPr vert="horz" wrap="square" lIns="91464" tIns="45732" rIns="91464" bIns="45732" numCol="1" anchor="t" anchorCtr="0" compatLnSpc="1">
                 <a:prstTxWarp prst="textNoShape">
                   <a:avLst/>
                 </a:prstTxWarp>
               </a:bodyPr>
               <a:lstStyle/>
               <a:p>
-                <a:endParaRPr lang="en-US"/>
+                <a:endParaRPr lang="en-US" sz="2401"/>
               </a:p>
             </p:txBody>
           </p:sp>
@@ -26442,14 +26442,14 @@
               </a:ln>
             </p:spPr>
             <p:txBody>
-              <a:bodyPr vert="horz" wrap="square" lIns="91440" tIns="45720" rIns="91440" bIns="45720" numCol="1" anchor="t" anchorCtr="0" compatLnSpc="1">
+              <a:bodyPr vert="horz" wrap="square" lIns="91464" tIns="45732" rIns="91464" bIns="45732" numCol="1" anchor="t" anchorCtr="0" compatLnSpc="1">
                 <a:prstTxWarp prst="textNoShape">
                   <a:avLst/>
                 </a:prstTxWarp>
               </a:bodyPr>
               <a:lstStyle/>
               <a:p>
-                <a:endParaRPr lang="en-US"/>
+                <a:endParaRPr lang="en-US" sz="2401"/>
               </a:p>
             </p:txBody>
           </p:sp>
@@ -26543,14 +26543,14 @@
               </a:ln>
             </p:spPr>
             <p:txBody>
-              <a:bodyPr vert="horz" wrap="square" lIns="91440" tIns="45720" rIns="91440" bIns="45720" numCol="1" anchor="t" anchorCtr="0" compatLnSpc="1">
+              <a:bodyPr vert="horz" wrap="square" lIns="91464" tIns="45732" rIns="91464" bIns="45732" numCol="1" anchor="t" anchorCtr="0" compatLnSpc="1">
                 <a:prstTxWarp prst="textNoShape">
                   <a:avLst/>
                 </a:prstTxWarp>
               </a:bodyPr>
               <a:lstStyle/>
               <a:p>
-                <a:endParaRPr lang="en-US"/>
+                <a:endParaRPr lang="en-US" sz="2401"/>
               </a:p>
             </p:txBody>
           </p:sp>
@@ -26638,14 +26638,14 @@
               </a:ln>
             </p:spPr>
             <p:txBody>
-              <a:bodyPr vert="horz" wrap="square" lIns="91440" tIns="45720" rIns="91440" bIns="45720" numCol="1" anchor="t" anchorCtr="0" compatLnSpc="1">
+              <a:bodyPr vert="horz" wrap="square" lIns="91464" tIns="45732" rIns="91464" bIns="45732" numCol="1" anchor="t" anchorCtr="0" compatLnSpc="1">
                 <a:prstTxWarp prst="textNoShape">
                   <a:avLst/>
                 </a:prstTxWarp>
               </a:bodyPr>
               <a:lstStyle/>
               <a:p>
-                <a:endParaRPr lang="en-US"/>
+                <a:endParaRPr lang="en-US" sz="2401"/>
               </a:p>
             </p:txBody>
           </p:sp>
@@ -27630,14 +27630,14 @@
               </a:ln>
             </p:spPr>
             <p:txBody>
-              <a:bodyPr vert="horz" wrap="square" lIns="91440" tIns="45720" rIns="91440" bIns="45720" numCol="1" anchor="t" anchorCtr="0" compatLnSpc="1">
+              <a:bodyPr vert="horz" wrap="square" lIns="91464" tIns="45732" rIns="91464" bIns="45732" numCol="1" anchor="t" anchorCtr="0" compatLnSpc="1">
                 <a:prstTxWarp prst="textNoShape">
                   <a:avLst/>
                 </a:prstTxWarp>
               </a:bodyPr>
               <a:lstStyle/>
               <a:p>
-                <a:endParaRPr lang="en-US"/>
+                <a:endParaRPr lang="en-US" sz="2401"/>
               </a:p>
             </p:txBody>
           </p:sp>
@@ -28049,14 +28049,14 @@
               </a:ln>
             </p:spPr>
             <p:txBody>
-              <a:bodyPr vert="horz" wrap="square" lIns="91440" tIns="45720" rIns="91440" bIns="45720" numCol="1" anchor="t" anchorCtr="0" compatLnSpc="1">
+              <a:bodyPr vert="horz" wrap="square" lIns="91464" tIns="45732" rIns="91464" bIns="45732" numCol="1" anchor="t" anchorCtr="0" compatLnSpc="1">
                 <a:prstTxWarp prst="textNoShape">
                   <a:avLst/>
                 </a:prstTxWarp>
               </a:bodyPr>
               <a:lstStyle/>
               <a:p>
-                <a:endParaRPr lang="en-US"/>
+                <a:endParaRPr lang="en-US" sz="2401"/>
               </a:p>
             </p:txBody>
           </p:sp>
@@ -28450,14 +28450,14 @@
               </a:ln>
             </p:spPr>
             <p:txBody>
-              <a:bodyPr vert="horz" wrap="square" lIns="91440" tIns="45720" rIns="91440" bIns="45720" numCol="1" anchor="t" anchorCtr="0" compatLnSpc="1">
+              <a:bodyPr vert="horz" wrap="square" lIns="91464" tIns="45732" rIns="91464" bIns="45732" numCol="1" anchor="t" anchorCtr="0" compatLnSpc="1">
                 <a:prstTxWarp prst="textNoShape">
                   <a:avLst/>
                 </a:prstTxWarp>
               </a:bodyPr>
               <a:lstStyle/>
               <a:p>
-                <a:endParaRPr lang="en-US"/>
+                <a:endParaRPr lang="en-US" sz="2401"/>
               </a:p>
             </p:txBody>
           </p:sp>
@@ -28587,14 +28587,14 @@
               </a:ln>
             </p:spPr>
             <p:txBody>
-              <a:bodyPr vert="horz" wrap="square" lIns="91440" tIns="45720" rIns="91440" bIns="45720" numCol="1" anchor="t" anchorCtr="0" compatLnSpc="1">
+              <a:bodyPr vert="horz" wrap="square" lIns="91464" tIns="45732" rIns="91464" bIns="45732" numCol="1" anchor="t" anchorCtr="0" compatLnSpc="1">
                 <a:prstTxWarp prst="textNoShape">
                   <a:avLst/>
                 </a:prstTxWarp>
               </a:bodyPr>
               <a:lstStyle/>
               <a:p>
-                <a:endParaRPr lang="en-US"/>
+                <a:endParaRPr lang="en-US" sz="2401"/>
               </a:p>
             </p:txBody>
           </p:sp>
@@ -28863,14 +28863,14 @@
               </a:ln>
             </p:spPr>
             <p:txBody>
-              <a:bodyPr vert="horz" wrap="square" lIns="91440" tIns="45720" rIns="91440" bIns="45720" numCol="1" anchor="t" anchorCtr="0" compatLnSpc="1">
+              <a:bodyPr vert="horz" wrap="square" lIns="91464" tIns="45732" rIns="91464" bIns="45732" numCol="1" anchor="t" anchorCtr="0" compatLnSpc="1">
                 <a:prstTxWarp prst="textNoShape">
                   <a:avLst/>
                 </a:prstTxWarp>
               </a:bodyPr>
               <a:lstStyle/>
               <a:p>
-                <a:endParaRPr lang="en-US"/>
+                <a:endParaRPr lang="en-US" sz="2401"/>
               </a:p>
             </p:txBody>
           </p:sp>
@@ -29600,14 +29600,14 @@
               </a:ln>
             </p:spPr>
             <p:txBody>
-              <a:bodyPr vert="horz" wrap="square" lIns="91440" tIns="45720" rIns="91440" bIns="45720" numCol="1" anchor="t" anchorCtr="0" compatLnSpc="1">
+              <a:bodyPr vert="horz" wrap="square" lIns="91464" tIns="45732" rIns="91464" bIns="45732" numCol="1" anchor="t" anchorCtr="0" compatLnSpc="1">
                 <a:prstTxWarp prst="textNoShape">
                   <a:avLst/>
                 </a:prstTxWarp>
               </a:bodyPr>
               <a:lstStyle/>
               <a:p>
-                <a:endParaRPr lang="en-US"/>
+                <a:endParaRPr lang="en-US" sz="2401"/>
               </a:p>
             </p:txBody>
           </p:sp>
@@ -29779,14 +29779,14 @@
               </a:ln>
             </p:spPr>
             <p:txBody>
-              <a:bodyPr vert="horz" wrap="square" lIns="91440" tIns="45720" rIns="91440" bIns="45720" numCol="1" anchor="t" anchorCtr="0" compatLnSpc="1">
+              <a:bodyPr vert="horz" wrap="square" lIns="91464" tIns="45732" rIns="91464" bIns="45732" numCol="1" anchor="t" anchorCtr="0" compatLnSpc="1">
                 <a:prstTxWarp prst="textNoShape">
                   <a:avLst/>
                 </a:prstTxWarp>
               </a:bodyPr>
               <a:lstStyle/>
               <a:p>
-                <a:endParaRPr lang="en-US"/>
+                <a:endParaRPr lang="en-US" sz="2401"/>
               </a:p>
             </p:txBody>
           </p:sp>
@@ -29916,14 +29916,14 @@
               </a:ln>
             </p:spPr>
             <p:txBody>
-              <a:bodyPr vert="horz" wrap="square" lIns="91440" tIns="45720" rIns="91440" bIns="45720" numCol="1" anchor="t" anchorCtr="0" compatLnSpc="1">
+              <a:bodyPr vert="horz" wrap="square" lIns="91464" tIns="45732" rIns="91464" bIns="45732" numCol="1" anchor="t" anchorCtr="0" compatLnSpc="1">
                 <a:prstTxWarp prst="textNoShape">
                   <a:avLst/>
                 </a:prstTxWarp>
               </a:bodyPr>
               <a:lstStyle/>
               <a:p>
-                <a:endParaRPr lang="en-US"/>
+                <a:endParaRPr lang="en-US" sz="2401"/>
               </a:p>
             </p:txBody>
           </p:sp>
@@ -30011,14 +30011,14 @@
               </a:ln>
             </p:spPr>
             <p:txBody>
-              <a:bodyPr vert="horz" wrap="square" lIns="91440" tIns="45720" rIns="91440" bIns="45720" numCol="1" anchor="t" anchorCtr="0" compatLnSpc="1">
+              <a:bodyPr vert="horz" wrap="square" lIns="91464" tIns="45732" rIns="91464" bIns="45732" numCol="1" anchor="t" anchorCtr="0" compatLnSpc="1">
                 <a:prstTxWarp prst="textNoShape">
                   <a:avLst/>
                 </a:prstTxWarp>
               </a:bodyPr>
               <a:lstStyle/>
               <a:p>
-                <a:endParaRPr lang="en-US"/>
+                <a:endParaRPr lang="en-US" sz="2401"/>
               </a:p>
             </p:txBody>
           </p:sp>
@@ -30112,14 +30112,14 @@
               </a:ln>
             </p:spPr>
             <p:txBody>
-              <a:bodyPr vert="horz" wrap="square" lIns="91440" tIns="45720" rIns="91440" bIns="45720" numCol="1" anchor="t" anchorCtr="0" compatLnSpc="1">
+              <a:bodyPr vert="horz" wrap="square" lIns="91464" tIns="45732" rIns="91464" bIns="45732" numCol="1" anchor="t" anchorCtr="0" compatLnSpc="1">
                 <a:prstTxWarp prst="textNoShape">
                   <a:avLst/>
                 </a:prstTxWarp>
               </a:bodyPr>
               <a:lstStyle/>
               <a:p>
-                <a:endParaRPr lang="en-US"/>
+                <a:endParaRPr lang="en-US" sz="2401"/>
               </a:p>
             </p:txBody>
           </p:sp>
@@ -30207,14 +30207,14 @@
               </a:ln>
             </p:spPr>
             <p:txBody>
-              <a:bodyPr vert="horz" wrap="square" lIns="91440" tIns="45720" rIns="91440" bIns="45720" numCol="1" anchor="t" anchorCtr="0" compatLnSpc="1">
+              <a:bodyPr vert="horz" wrap="square" lIns="91464" tIns="45732" rIns="91464" bIns="45732" numCol="1" anchor="t" anchorCtr="0" compatLnSpc="1">
                 <a:prstTxWarp prst="textNoShape">
                   <a:avLst/>
                 </a:prstTxWarp>
               </a:bodyPr>
               <a:lstStyle/>
               <a:p>
-                <a:endParaRPr lang="en-US"/>
+                <a:endParaRPr lang="en-US" sz="2401"/>
               </a:p>
             </p:txBody>
           </p:sp>
@@ -30326,14 +30326,14 @@
               </a:ln>
             </p:spPr>
             <p:txBody>
-              <a:bodyPr vert="horz" wrap="square" lIns="91440" tIns="45720" rIns="91440" bIns="45720" numCol="1" anchor="t" anchorCtr="0" compatLnSpc="1">
+              <a:bodyPr vert="horz" wrap="square" lIns="91464" tIns="45732" rIns="91464" bIns="45732" numCol="1" anchor="t" anchorCtr="0" compatLnSpc="1">
                 <a:prstTxWarp prst="textNoShape">
                   <a:avLst/>
                 </a:prstTxWarp>
               </a:bodyPr>
               <a:lstStyle/>
               <a:p>
-                <a:endParaRPr lang="en-US"/>
+                <a:endParaRPr lang="en-US" sz="2401"/>
               </a:p>
             </p:txBody>
           </p:sp>
@@ -30403,14 +30403,14 @@
               </a:ln>
             </p:spPr>
             <p:txBody>
-              <a:bodyPr vert="horz" wrap="square" lIns="91440" tIns="45720" rIns="91440" bIns="45720" numCol="1" anchor="t" anchorCtr="0" compatLnSpc="1">
+              <a:bodyPr vert="horz" wrap="square" lIns="91464" tIns="45732" rIns="91464" bIns="45732" numCol="1" anchor="t" anchorCtr="0" compatLnSpc="1">
                 <a:prstTxWarp prst="textNoShape">
                   <a:avLst/>
                 </a:prstTxWarp>
               </a:bodyPr>
               <a:lstStyle/>
               <a:p>
-                <a:endParaRPr lang="en-US"/>
+                <a:endParaRPr lang="en-US" sz="2401"/>
               </a:p>
             </p:txBody>
           </p:sp>
@@ -30493,14 +30493,14 @@
               </a:ln>
             </p:spPr>
             <p:txBody>
-              <a:bodyPr vert="horz" wrap="square" lIns="91440" tIns="45720" rIns="91440" bIns="45720" numCol="1" anchor="t" anchorCtr="0" compatLnSpc="1">
+              <a:bodyPr vert="horz" wrap="square" lIns="91464" tIns="45732" rIns="91464" bIns="45732" numCol="1" anchor="t" anchorCtr="0" compatLnSpc="1">
                 <a:prstTxWarp prst="textNoShape">
                   <a:avLst/>
                 </a:prstTxWarp>
               </a:bodyPr>
               <a:lstStyle/>
               <a:p>
-                <a:endParaRPr lang="en-US"/>
+                <a:endParaRPr lang="en-US" sz="2401"/>
               </a:p>
             </p:txBody>
           </p:sp>
@@ -30660,14 +30660,14 @@
               </a:ln>
             </p:spPr>
             <p:txBody>
-              <a:bodyPr vert="horz" wrap="square" lIns="91440" tIns="45720" rIns="91440" bIns="45720" numCol="1" anchor="t" anchorCtr="0" compatLnSpc="1">
+              <a:bodyPr vert="horz" wrap="square" lIns="91464" tIns="45732" rIns="91464" bIns="45732" numCol="1" anchor="t" anchorCtr="0" compatLnSpc="1">
                 <a:prstTxWarp prst="textNoShape">
                   <a:avLst/>
                 </a:prstTxWarp>
               </a:bodyPr>
               <a:lstStyle/>
               <a:p>
-                <a:endParaRPr lang="en-US"/>
+                <a:endParaRPr lang="en-US" sz="2401"/>
               </a:p>
             </p:txBody>
           </p:sp>
@@ -30893,14 +30893,14 @@
               </a:ln>
             </p:spPr>
             <p:txBody>
-              <a:bodyPr vert="horz" wrap="square" lIns="91440" tIns="45720" rIns="91440" bIns="45720" numCol="1" anchor="t" anchorCtr="0" compatLnSpc="1">
+              <a:bodyPr vert="horz" wrap="square" lIns="91464" tIns="45732" rIns="91464" bIns="45732" numCol="1" anchor="t" anchorCtr="0" compatLnSpc="1">
                 <a:prstTxWarp prst="textNoShape">
                   <a:avLst/>
                 </a:prstTxWarp>
               </a:bodyPr>
               <a:lstStyle/>
               <a:p>
-                <a:endParaRPr lang="en-US"/>
+                <a:endParaRPr lang="en-US" sz="2401"/>
               </a:p>
             </p:txBody>
           </p:sp>
@@ -31006,14 +31006,14 @@
               </a:ln>
             </p:spPr>
             <p:txBody>
-              <a:bodyPr vert="horz" wrap="square" lIns="91440" tIns="45720" rIns="91440" bIns="45720" numCol="1" anchor="t" anchorCtr="0" compatLnSpc="1">
+              <a:bodyPr vert="horz" wrap="square" lIns="91464" tIns="45732" rIns="91464" bIns="45732" numCol="1" anchor="t" anchorCtr="0" compatLnSpc="1">
                 <a:prstTxWarp prst="textNoShape">
                   <a:avLst/>
                 </a:prstTxWarp>
               </a:bodyPr>
               <a:lstStyle/>
               <a:p>
-                <a:endParaRPr lang="en-US"/>
+                <a:endParaRPr lang="en-US" sz="2401"/>
               </a:p>
             </p:txBody>
           </p:sp>
@@ -31177,14 +31177,14 @@
               </a:ln>
             </p:spPr>
             <p:txBody>
-              <a:bodyPr vert="horz" wrap="square" lIns="91440" tIns="45720" rIns="91440" bIns="45720" numCol="1" anchor="t" anchorCtr="0" compatLnSpc="1">
+              <a:bodyPr vert="horz" wrap="square" lIns="91464" tIns="45732" rIns="91464" bIns="45732" numCol="1" anchor="t" anchorCtr="0" compatLnSpc="1">
                 <a:prstTxWarp prst="textNoShape">
                   <a:avLst/>
                 </a:prstTxWarp>
               </a:bodyPr>
               <a:lstStyle/>
               <a:p>
-                <a:endParaRPr lang="en-US"/>
+                <a:endParaRPr lang="en-US" sz="2401"/>
               </a:p>
             </p:txBody>
           </p:sp>
@@ -31611,14 +31611,14 @@
               </a:ln>
             </p:spPr>
             <p:txBody>
-              <a:bodyPr vert="horz" wrap="square" lIns="91440" tIns="45720" rIns="91440" bIns="45720" numCol="1" anchor="t" anchorCtr="0" compatLnSpc="1">
+              <a:bodyPr vert="horz" wrap="square" lIns="91464" tIns="45732" rIns="91464" bIns="45732" numCol="1" anchor="t" anchorCtr="0" compatLnSpc="1">
                 <a:prstTxWarp prst="textNoShape">
                   <a:avLst/>
                 </a:prstTxWarp>
               </a:bodyPr>
               <a:lstStyle/>
               <a:p>
-                <a:endParaRPr lang="en-US"/>
+                <a:endParaRPr lang="en-US" sz="2401"/>
               </a:p>
             </p:txBody>
           </p:sp>
@@ -32129,14 +32129,14 @@
               </a:ln>
             </p:spPr>
             <p:txBody>
-              <a:bodyPr vert="horz" wrap="square" lIns="91440" tIns="45720" rIns="91440" bIns="45720" numCol="1" anchor="t" anchorCtr="0" compatLnSpc="1">
+              <a:bodyPr vert="horz" wrap="square" lIns="91464" tIns="45732" rIns="91464" bIns="45732" numCol="1" anchor="t" anchorCtr="0" compatLnSpc="1">
                 <a:prstTxWarp prst="textNoShape">
                   <a:avLst/>
                 </a:prstTxWarp>
               </a:bodyPr>
               <a:lstStyle/>
               <a:p>
-                <a:endParaRPr lang="en-US"/>
+                <a:endParaRPr lang="en-US" sz="2401"/>
               </a:p>
             </p:txBody>
           </p:sp>
@@ -32581,14 +32581,14 @@
               </a:ln>
             </p:spPr>
             <p:txBody>
-              <a:bodyPr vert="horz" wrap="square" lIns="91440" tIns="45720" rIns="91440" bIns="45720" numCol="1" anchor="t" anchorCtr="0" compatLnSpc="1">
+              <a:bodyPr vert="horz" wrap="square" lIns="91464" tIns="45732" rIns="91464" bIns="45732" numCol="1" anchor="t" anchorCtr="0" compatLnSpc="1">
                 <a:prstTxWarp prst="textNoShape">
                   <a:avLst/>
                 </a:prstTxWarp>
               </a:bodyPr>
               <a:lstStyle/>
               <a:p>
-                <a:endParaRPr lang="en-US"/>
+                <a:endParaRPr lang="en-US" sz="2401"/>
               </a:p>
             </p:txBody>
           </p:sp>
@@ -32994,14 +32994,14 @@
               </a:ln>
             </p:spPr>
             <p:txBody>
-              <a:bodyPr vert="horz" wrap="square" lIns="91440" tIns="45720" rIns="91440" bIns="45720" numCol="1" anchor="t" anchorCtr="0" compatLnSpc="1">
+              <a:bodyPr vert="horz" wrap="square" lIns="91464" tIns="45732" rIns="91464" bIns="45732" numCol="1" anchor="t" anchorCtr="0" compatLnSpc="1">
                 <a:prstTxWarp prst="textNoShape">
                   <a:avLst/>
                 </a:prstTxWarp>
               </a:bodyPr>
               <a:lstStyle/>
               <a:p>
-                <a:endParaRPr lang="en-US"/>
+                <a:endParaRPr lang="en-US" sz="2401"/>
               </a:p>
             </p:txBody>
           </p:sp>
@@ -33137,14 +33137,14 @@
               </a:ln>
             </p:spPr>
             <p:txBody>
-              <a:bodyPr vert="horz" wrap="square" lIns="91440" tIns="45720" rIns="91440" bIns="45720" numCol="1" anchor="t" anchorCtr="0" compatLnSpc="1">
+              <a:bodyPr vert="horz" wrap="square" lIns="91464" tIns="45732" rIns="91464" bIns="45732" numCol="1" anchor="t" anchorCtr="0" compatLnSpc="1">
                 <a:prstTxWarp prst="textNoShape">
                   <a:avLst/>
                 </a:prstTxWarp>
               </a:bodyPr>
               <a:lstStyle/>
               <a:p>
-                <a:endParaRPr lang="en-US"/>
+                <a:endParaRPr lang="en-US" sz="2401"/>
               </a:p>
             </p:txBody>
           </p:sp>
@@ -33286,14 +33286,14 @@
               </a:ln>
             </p:spPr>
             <p:txBody>
-              <a:bodyPr vert="horz" wrap="square" lIns="91440" tIns="45720" rIns="91440" bIns="45720" numCol="1" anchor="t" anchorCtr="0" compatLnSpc="1">
+              <a:bodyPr vert="horz" wrap="square" lIns="91464" tIns="45732" rIns="91464" bIns="45732" numCol="1" anchor="t" anchorCtr="0" compatLnSpc="1">
                 <a:prstTxWarp prst="textNoShape">
                   <a:avLst/>
                 </a:prstTxWarp>
               </a:bodyPr>
               <a:lstStyle/>
               <a:p>
-                <a:endParaRPr lang="en-US"/>
+                <a:endParaRPr lang="en-US" sz="2401"/>
               </a:p>
             </p:txBody>
           </p:sp>
@@ -33417,14 +33417,14 @@
               </a:ln>
             </p:spPr>
             <p:txBody>
-              <a:bodyPr vert="horz" wrap="square" lIns="91440" tIns="45720" rIns="91440" bIns="45720" numCol="1" anchor="t" anchorCtr="0" compatLnSpc="1">
+              <a:bodyPr vert="horz" wrap="square" lIns="91464" tIns="45732" rIns="91464" bIns="45732" numCol="1" anchor="t" anchorCtr="0" compatLnSpc="1">
                 <a:prstTxWarp prst="textNoShape">
                   <a:avLst/>
                 </a:prstTxWarp>
               </a:bodyPr>
               <a:lstStyle/>
               <a:p>
-                <a:endParaRPr lang="en-US"/>
+                <a:endParaRPr lang="en-US" sz="2401"/>
               </a:p>
             </p:txBody>
           </p:sp>
@@ -33524,14 +33524,14 @@
               </a:ln>
             </p:spPr>
             <p:txBody>
-              <a:bodyPr vert="horz" wrap="square" lIns="91440" tIns="45720" rIns="91440" bIns="45720" numCol="1" anchor="t" anchorCtr="0" compatLnSpc="1">
+              <a:bodyPr vert="horz" wrap="square" lIns="91464" tIns="45732" rIns="91464" bIns="45732" numCol="1" anchor="t" anchorCtr="0" compatLnSpc="1">
                 <a:prstTxWarp prst="textNoShape">
                   <a:avLst/>
                 </a:prstTxWarp>
               </a:bodyPr>
               <a:lstStyle/>
               <a:p>
-                <a:endParaRPr lang="en-US"/>
+                <a:endParaRPr lang="en-US" sz="2401"/>
               </a:p>
             </p:txBody>
           </p:sp>
@@ -33697,14 +33697,14 @@
               </a:ln>
             </p:spPr>
             <p:txBody>
-              <a:bodyPr vert="horz" wrap="square" lIns="91440" tIns="45720" rIns="91440" bIns="45720" numCol="1" anchor="t" anchorCtr="0" compatLnSpc="1">
+              <a:bodyPr vert="horz" wrap="square" lIns="91464" tIns="45732" rIns="91464" bIns="45732" numCol="1" anchor="t" anchorCtr="0" compatLnSpc="1">
                 <a:prstTxWarp prst="textNoShape">
                   <a:avLst/>
                 </a:prstTxWarp>
               </a:bodyPr>
               <a:lstStyle/>
               <a:p>
-                <a:endParaRPr lang="en-US"/>
+                <a:endParaRPr lang="en-US" sz="2401"/>
               </a:p>
             </p:txBody>
           </p:sp>
@@ -33816,14 +33816,14 @@
               </a:ln>
             </p:spPr>
             <p:txBody>
-              <a:bodyPr vert="horz" wrap="square" lIns="91440" tIns="45720" rIns="91440" bIns="45720" numCol="1" anchor="t" anchorCtr="0" compatLnSpc="1">
+              <a:bodyPr vert="horz" wrap="square" lIns="91464" tIns="45732" rIns="91464" bIns="45732" numCol="1" anchor="t" anchorCtr="0" compatLnSpc="1">
                 <a:prstTxWarp prst="textNoShape">
                   <a:avLst/>
                 </a:prstTxWarp>
               </a:bodyPr>
               <a:lstStyle/>
               <a:p>
-                <a:endParaRPr lang="en-US"/>
+                <a:endParaRPr lang="en-US" sz="2401"/>
               </a:p>
             </p:txBody>
           </p:sp>
@@ -34013,14 +34013,14 @@
               </a:ln>
             </p:spPr>
             <p:txBody>
-              <a:bodyPr vert="horz" wrap="square" lIns="91440" tIns="45720" rIns="91440" bIns="45720" numCol="1" anchor="t" anchorCtr="0" compatLnSpc="1">
+              <a:bodyPr vert="horz" wrap="square" lIns="91464" tIns="45732" rIns="91464" bIns="45732" numCol="1" anchor="t" anchorCtr="0" compatLnSpc="1">
                 <a:prstTxWarp prst="textNoShape">
                   <a:avLst/>
                 </a:prstTxWarp>
               </a:bodyPr>
               <a:lstStyle/>
               <a:p>
-                <a:endParaRPr lang="en-US"/>
+                <a:endParaRPr lang="en-US" sz="2401"/>
               </a:p>
             </p:txBody>
           </p:sp>
@@ -34114,14 +34114,14 @@
               </a:ln>
             </p:spPr>
             <p:txBody>
-              <a:bodyPr vert="horz" wrap="square" lIns="91440" tIns="45720" rIns="91440" bIns="45720" numCol="1" anchor="t" anchorCtr="0" compatLnSpc="1">
+              <a:bodyPr vert="horz" wrap="square" lIns="91464" tIns="45732" rIns="91464" bIns="45732" numCol="1" anchor="t" anchorCtr="0" compatLnSpc="1">
                 <a:prstTxWarp prst="textNoShape">
                   <a:avLst/>
                 </a:prstTxWarp>
               </a:bodyPr>
               <a:lstStyle/>
               <a:p>
-                <a:endParaRPr lang="en-US"/>
+                <a:endParaRPr lang="en-US" sz="2401"/>
               </a:p>
             </p:txBody>
           </p:sp>
@@ -34539,14 +34539,14 @@
               </a:ln>
             </p:spPr>
             <p:txBody>
-              <a:bodyPr vert="horz" wrap="square" lIns="91440" tIns="45720" rIns="91440" bIns="45720" numCol="1" anchor="t" anchorCtr="0" compatLnSpc="1">
+              <a:bodyPr vert="horz" wrap="square" lIns="91464" tIns="45732" rIns="91464" bIns="45732" numCol="1" anchor="t" anchorCtr="0" compatLnSpc="1">
                 <a:prstTxWarp prst="textNoShape">
                   <a:avLst/>
                 </a:prstTxWarp>
               </a:bodyPr>
               <a:lstStyle/>
               <a:p>
-                <a:endParaRPr lang="en-US"/>
+                <a:endParaRPr lang="en-US" sz="2401"/>
               </a:p>
             </p:txBody>
           </p:sp>
@@ -34718,14 +34718,14 @@
               </a:ln>
             </p:spPr>
             <p:txBody>
-              <a:bodyPr vert="horz" wrap="square" lIns="91440" tIns="45720" rIns="91440" bIns="45720" numCol="1" anchor="t" anchorCtr="0" compatLnSpc="1">
+              <a:bodyPr vert="horz" wrap="square" lIns="91464" tIns="45732" rIns="91464" bIns="45732" numCol="1" anchor="t" anchorCtr="0" compatLnSpc="1">
                 <a:prstTxWarp prst="textNoShape">
                   <a:avLst/>
                 </a:prstTxWarp>
               </a:bodyPr>
               <a:lstStyle/>
               <a:p>
-                <a:endParaRPr lang="en-US"/>
+                <a:endParaRPr lang="en-US" sz="2401"/>
               </a:p>
             </p:txBody>
           </p:sp>
@@ -35143,14 +35143,14 @@
               </a:ln>
             </p:spPr>
             <p:txBody>
-              <a:bodyPr vert="horz" wrap="square" lIns="91440" tIns="45720" rIns="91440" bIns="45720" numCol="1" anchor="t" anchorCtr="0" compatLnSpc="1">
+              <a:bodyPr vert="horz" wrap="square" lIns="91464" tIns="45732" rIns="91464" bIns="45732" numCol="1" anchor="t" anchorCtr="0" compatLnSpc="1">
                 <a:prstTxWarp prst="textNoShape">
                   <a:avLst/>
                 </a:prstTxWarp>
               </a:bodyPr>
               <a:lstStyle/>
               <a:p>
-                <a:endParaRPr lang="en-US"/>
+                <a:endParaRPr lang="en-US" sz="2401"/>
               </a:p>
             </p:txBody>
           </p:sp>
@@ -35274,14 +35274,14 @@
               </a:ln>
             </p:spPr>
             <p:txBody>
-              <a:bodyPr vert="horz" wrap="square" lIns="91440" tIns="45720" rIns="91440" bIns="45720" numCol="1" anchor="t" anchorCtr="0" compatLnSpc="1">
+              <a:bodyPr vert="horz" wrap="square" lIns="91464" tIns="45732" rIns="91464" bIns="45732" numCol="1" anchor="t" anchorCtr="0" compatLnSpc="1">
                 <a:prstTxWarp prst="textNoShape">
                   <a:avLst/>
                 </a:prstTxWarp>
               </a:bodyPr>
               <a:lstStyle/>
               <a:p>
-                <a:endParaRPr lang="en-US"/>
+                <a:endParaRPr lang="en-US" sz="2401"/>
               </a:p>
             </p:txBody>
           </p:sp>
@@ -35441,14 +35441,14 @@
               </a:ln>
             </p:spPr>
             <p:txBody>
-              <a:bodyPr vert="horz" wrap="square" lIns="91440" tIns="45720" rIns="91440" bIns="45720" numCol="1" anchor="t" anchorCtr="0" compatLnSpc="1">
+              <a:bodyPr vert="horz" wrap="square" lIns="91464" tIns="45732" rIns="91464" bIns="45732" numCol="1" anchor="t" anchorCtr="0" compatLnSpc="1">
                 <a:prstTxWarp prst="textNoShape">
                   <a:avLst/>
                 </a:prstTxWarp>
               </a:bodyPr>
               <a:lstStyle/>
               <a:p>
-                <a:endParaRPr lang="en-US"/>
+                <a:endParaRPr lang="en-US" sz="2401"/>
               </a:p>
             </p:txBody>
           </p:sp>
@@ -35555,14 +35555,14 @@
               </a:ln>
             </p:spPr>
             <p:txBody>
-              <a:bodyPr vert="horz" wrap="square" lIns="91440" tIns="45720" rIns="91440" bIns="45720" numCol="1" anchor="t" anchorCtr="0" compatLnSpc="1">
+              <a:bodyPr vert="horz" wrap="square" lIns="91464" tIns="45732" rIns="91464" bIns="45732" numCol="1" anchor="t" anchorCtr="0" compatLnSpc="1">
                 <a:prstTxWarp prst="textNoShape">
                   <a:avLst/>
                 </a:prstTxWarp>
               </a:bodyPr>
               <a:lstStyle/>
               <a:p>
-                <a:endParaRPr lang="en-US"/>
+                <a:endParaRPr lang="en-US" sz="2401"/>
               </a:p>
             </p:txBody>
           </p:sp>
@@ -35674,14 +35674,14 @@
               </a:ln>
             </p:spPr>
             <p:txBody>
-              <a:bodyPr vert="horz" wrap="square" lIns="91440" tIns="45720" rIns="91440" bIns="45720" numCol="1" anchor="t" anchorCtr="0" compatLnSpc="1">
+              <a:bodyPr vert="horz" wrap="square" lIns="91464" tIns="45732" rIns="91464" bIns="45732" numCol="1" anchor="t" anchorCtr="0" compatLnSpc="1">
                 <a:prstTxWarp prst="textNoShape">
                   <a:avLst/>
                 </a:prstTxWarp>
               </a:bodyPr>
               <a:lstStyle/>
               <a:p>
-                <a:endParaRPr lang="en-US"/>
+                <a:endParaRPr lang="en-US" sz="2401"/>
               </a:p>
             </p:txBody>
           </p:sp>
@@ -35811,14 +35811,14 @@
               </a:ln>
             </p:spPr>
             <p:txBody>
-              <a:bodyPr vert="horz" wrap="square" lIns="91440" tIns="45720" rIns="91440" bIns="45720" numCol="1" anchor="t" anchorCtr="0" compatLnSpc="1">
+              <a:bodyPr vert="horz" wrap="square" lIns="91464" tIns="45732" rIns="91464" bIns="45732" numCol="1" anchor="t" anchorCtr="0" compatLnSpc="1">
                 <a:prstTxWarp prst="textNoShape">
                   <a:avLst/>
                 </a:prstTxWarp>
               </a:bodyPr>
               <a:lstStyle/>
               <a:p>
-                <a:endParaRPr lang="en-US"/>
+                <a:endParaRPr lang="en-US" sz="2401"/>
               </a:p>
             </p:txBody>
           </p:sp>
@@ -35888,14 +35888,14 @@
               </a:ln>
             </p:spPr>
             <p:txBody>
-              <a:bodyPr vert="horz" wrap="square" lIns="91440" tIns="45720" rIns="91440" bIns="45720" numCol="1" anchor="t" anchorCtr="0" compatLnSpc="1">
+              <a:bodyPr vert="horz" wrap="square" lIns="91464" tIns="45732" rIns="91464" bIns="45732" numCol="1" anchor="t" anchorCtr="0" compatLnSpc="1">
                 <a:prstTxWarp prst="textNoShape">
                   <a:avLst/>
                 </a:prstTxWarp>
               </a:bodyPr>
               <a:lstStyle/>
               <a:p>
-                <a:endParaRPr lang="en-US"/>
+                <a:endParaRPr lang="en-US" sz="2401"/>
               </a:p>
             </p:txBody>
           </p:sp>
@@ -36025,14 +36025,14 @@
               </a:ln>
             </p:spPr>
             <p:txBody>
-              <a:bodyPr vert="horz" wrap="square" lIns="91440" tIns="45720" rIns="91440" bIns="45720" numCol="1" anchor="t" anchorCtr="0" compatLnSpc="1">
+              <a:bodyPr vert="horz" wrap="square" lIns="91464" tIns="45732" rIns="91464" bIns="45732" numCol="1" anchor="t" anchorCtr="0" compatLnSpc="1">
                 <a:prstTxWarp prst="textNoShape">
                   <a:avLst/>
                 </a:prstTxWarp>
               </a:bodyPr>
               <a:lstStyle/>
               <a:p>
-                <a:endParaRPr lang="en-US"/>
+                <a:endParaRPr lang="en-US" sz="2401"/>
               </a:p>
             </p:txBody>
           </p:sp>
@@ -36198,14 +36198,14 @@
               </a:ln>
             </p:spPr>
             <p:txBody>
-              <a:bodyPr vert="horz" wrap="square" lIns="91440" tIns="45720" rIns="91440" bIns="45720" numCol="1" anchor="t" anchorCtr="0" compatLnSpc="1">
+              <a:bodyPr vert="horz" wrap="square" lIns="91464" tIns="45732" rIns="91464" bIns="45732" numCol="1" anchor="t" anchorCtr="0" compatLnSpc="1">
                 <a:prstTxWarp prst="textNoShape">
                   <a:avLst/>
                 </a:prstTxWarp>
               </a:bodyPr>
               <a:lstStyle/>
               <a:p>
-                <a:endParaRPr lang="en-US"/>
+                <a:endParaRPr lang="en-US" sz="2401"/>
               </a:p>
             </p:txBody>
           </p:sp>
@@ -36365,14 +36365,14 @@
               </a:ln>
             </p:spPr>
             <p:txBody>
-              <a:bodyPr vert="horz" wrap="square" lIns="91440" tIns="45720" rIns="91440" bIns="45720" numCol="1" anchor="t" anchorCtr="0" compatLnSpc="1">
+              <a:bodyPr vert="horz" wrap="square" lIns="91464" tIns="45732" rIns="91464" bIns="45732" numCol="1" anchor="t" anchorCtr="0" compatLnSpc="1">
                 <a:prstTxWarp prst="textNoShape">
                   <a:avLst/>
                 </a:prstTxWarp>
               </a:bodyPr>
               <a:lstStyle/>
               <a:p>
-                <a:endParaRPr lang="en-US"/>
+                <a:endParaRPr lang="en-US" sz="2401"/>
               </a:p>
             </p:txBody>
           </p:sp>
@@ -36484,14 +36484,14 @@
               </a:ln>
             </p:spPr>
             <p:txBody>
-              <a:bodyPr vert="horz" wrap="square" lIns="91440" tIns="45720" rIns="91440" bIns="45720" numCol="1" anchor="t" anchorCtr="0" compatLnSpc="1">
+              <a:bodyPr vert="horz" wrap="square" lIns="91464" tIns="45732" rIns="91464" bIns="45732" numCol="1" anchor="t" anchorCtr="0" compatLnSpc="1">
                 <a:prstTxWarp prst="textNoShape">
                   <a:avLst/>
                 </a:prstTxWarp>
               </a:bodyPr>
               <a:lstStyle/>
               <a:p>
-                <a:endParaRPr lang="en-US"/>
+                <a:endParaRPr lang="en-US" sz="2401"/>
               </a:p>
             </p:txBody>
           </p:sp>
@@ -36603,14 +36603,14 @@
               </a:ln>
             </p:spPr>
             <p:txBody>
-              <a:bodyPr vert="horz" wrap="square" lIns="91440" tIns="45720" rIns="91440" bIns="45720" numCol="1" anchor="t" anchorCtr="0" compatLnSpc="1">
+              <a:bodyPr vert="horz" wrap="square" lIns="91464" tIns="45732" rIns="91464" bIns="45732" numCol="1" anchor="t" anchorCtr="0" compatLnSpc="1">
                 <a:prstTxWarp prst="textNoShape">
                   <a:avLst/>
                 </a:prstTxWarp>
               </a:bodyPr>
               <a:lstStyle/>
               <a:p>
-                <a:endParaRPr lang="en-US"/>
+                <a:endParaRPr lang="en-US" sz="2401"/>
               </a:p>
             </p:txBody>
           </p:sp>
@@ -36716,14 +36716,14 @@
               </a:ln>
             </p:spPr>
             <p:txBody>
-              <a:bodyPr vert="horz" wrap="square" lIns="91440" tIns="45720" rIns="91440" bIns="45720" numCol="1" anchor="t" anchorCtr="0" compatLnSpc="1">
+              <a:bodyPr vert="horz" wrap="square" lIns="91464" tIns="45732" rIns="91464" bIns="45732" numCol="1" anchor="t" anchorCtr="0" compatLnSpc="1">
                 <a:prstTxWarp prst="textNoShape">
                   <a:avLst/>
                 </a:prstTxWarp>
               </a:bodyPr>
               <a:lstStyle/>
               <a:p>
-                <a:endParaRPr lang="en-US"/>
+                <a:endParaRPr lang="en-US" sz="2401"/>
               </a:p>
             </p:txBody>
           </p:sp>
@@ -36967,14 +36967,14 @@
               </a:ln>
             </p:spPr>
             <p:txBody>
-              <a:bodyPr vert="horz" wrap="square" lIns="91440" tIns="45720" rIns="91440" bIns="45720" numCol="1" anchor="t" anchorCtr="0" compatLnSpc="1">
+              <a:bodyPr vert="horz" wrap="square" lIns="91464" tIns="45732" rIns="91464" bIns="45732" numCol="1" anchor="t" anchorCtr="0" compatLnSpc="1">
                 <a:prstTxWarp prst="textNoShape">
                   <a:avLst/>
                 </a:prstTxWarp>
               </a:bodyPr>
               <a:lstStyle/>
               <a:p>
-                <a:endParaRPr lang="en-US"/>
+                <a:endParaRPr lang="en-US" sz="2401"/>
               </a:p>
             </p:txBody>
           </p:sp>
@@ -37170,14 +37170,14 @@
               </a:ln>
             </p:spPr>
             <p:txBody>
-              <a:bodyPr vert="horz" wrap="square" lIns="91440" tIns="45720" rIns="91440" bIns="45720" numCol="1" anchor="t" anchorCtr="0" compatLnSpc="1">
+              <a:bodyPr vert="horz" wrap="square" lIns="91464" tIns="45732" rIns="91464" bIns="45732" numCol="1" anchor="t" anchorCtr="0" compatLnSpc="1">
                 <a:prstTxWarp prst="textNoShape">
                   <a:avLst/>
                 </a:prstTxWarp>
               </a:bodyPr>
               <a:lstStyle/>
               <a:p>
-                <a:endParaRPr lang="en-US"/>
+                <a:endParaRPr lang="en-US" sz="2401"/>
               </a:p>
             </p:txBody>
           </p:sp>
@@ -37734,14 +37734,14 @@
               </a:ln>
             </p:spPr>
             <p:txBody>
-              <a:bodyPr vert="horz" wrap="square" lIns="91440" tIns="45720" rIns="91440" bIns="45720" numCol="1" anchor="t" anchorCtr="0" compatLnSpc="1">
+              <a:bodyPr vert="horz" wrap="square" lIns="91464" tIns="45732" rIns="91464" bIns="45732" numCol="1" anchor="t" anchorCtr="0" compatLnSpc="1">
                 <a:prstTxWarp prst="textNoShape">
                   <a:avLst/>
                 </a:prstTxWarp>
               </a:bodyPr>
               <a:lstStyle/>
               <a:p>
-                <a:endParaRPr lang="en-US"/>
+                <a:endParaRPr lang="en-US" sz="2401"/>
               </a:p>
             </p:txBody>
           </p:sp>
@@ -38099,14 +38099,14 @@
               </a:ln>
             </p:spPr>
             <p:txBody>
-              <a:bodyPr vert="horz" wrap="square" lIns="91440" tIns="45720" rIns="91440" bIns="45720" numCol="1" anchor="t" anchorCtr="0" compatLnSpc="1">
+              <a:bodyPr vert="horz" wrap="square" lIns="91464" tIns="45732" rIns="91464" bIns="45732" numCol="1" anchor="t" anchorCtr="0" compatLnSpc="1">
                 <a:prstTxWarp prst="textNoShape">
                   <a:avLst/>
                 </a:prstTxWarp>
               </a:bodyPr>
               <a:lstStyle/>
               <a:p>
-                <a:endParaRPr lang="en-US"/>
+                <a:endParaRPr lang="en-US" sz="2401"/>
               </a:p>
             </p:txBody>
           </p:sp>
@@ -38206,14 +38206,14 @@
               </a:ln>
             </p:spPr>
             <p:txBody>
-              <a:bodyPr vert="horz" wrap="square" lIns="91440" tIns="45720" rIns="91440" bIns="45720" numCol="1" anchor="t" anchorCtr="0" compatLnSpc="1">
+              <a:bodyPr vert="horz" wrap="square" lIns="91464" tIns="45732" rIns="91464" bIns="45732" numCol="1" anchor="t" anchorCtr="0" compatLnSpc="1">
                 <a:prstTxWarp prst="textNoShape">
                   <a:avLst/>
                 </a:prstTxWarp>
               </a:bodyPr>
               <a:lstStyle/>
               <a:p>
-                <a:endParaRPr lang="en-US"/>
+                <a:endParaRPr lang="en-US" sz="2401"/>
               </a:p>
             </p:txBody>
           </p:sp>
@@ -38331,14 +38331,14 @@
               </a:ln>
             </p:spPr>
             <p:txBody>
-              <a:bodyPr vert="horz" wrap="square" lIns="91440" tIns="45720" rIns="91440" bIns="45720" numCol="1" anchor="t" anchorCtr="0" compatLnSpc="1">
+              <a:bodyPr vert="horz" wrap="square" lIns="91464" tIns="45732" rIns="91464" bIns="45732" numCol="1" anchor="t" anchorCtr="0" compatLnSpc="1">
                 <a:prstTxWarp prst="textNoShape">
                   <a:avLst/>
                 </a:prstTxWarp>
               </a:bodyPr>
               <a:lstStyle/>
               <a:p>
-                <a:endParaRPr lang="en-US"/>
+                <a:endParaRPr lang="en-US" sz="2401"/>
               </a:p>
             </p:txBody>
           </p:sp>
@@ -38438,14 +38438,14 @@
               </a:ln>
             </p:spPr>
             <p:txBody>
-              <a:bodyPr vert="horz" wrap="square" lIns="91440" tIns="45720" rIns="91440" bIns="45720" numCol="1" anchor="t" anchorCtr="0" compatLnSpc="1">
+              <a:bodyPr vert="horz" wrap="square" lIns="91464" tIns="45732" rIns="91464" bIns="45732" numCol="1" anchor="t" anchorCtr="0" compatLnSpc="1">
                 <a:prstTxWarp prst="textNoShape">
                   <a:avLst/>
                 </a:prstTxWarp>
               </a:bodyPr>
               <a:lstStyle/>
               <a:p>
-                <a:endParaRPr lang="en-US"/>
+                <a:endParaRPr lang="en-US" sz="2401"/>
               </a:p>
             </p:txBody>
           </p:sp>
@@ -38767,14 +38767,14 @@
               </a:ln>
             </p:spPr>
             <p:txBody>
-              <a:bodyPr vert="horz" wrap="square" lIns="91440" tIns="45720" rIns="91440" bIns="45720" numCol="1" anchor="t" anchorCtr="0" compatLnSpc="1">
+              <a:bodyPr vert="horz" wrap="square" lIns="91464" tIns="45732" rIns="91464" bIns="45732" numCol="1" anchor="t" anchorCtr="0" compatLnSpc="1">
                 <a:prstTxWarp prst="textNoShape">
                   <a:avLst/>
                 </a:prstTxWarp>
               </a:bodyPr>
               <a:lstStyle/>
               <a:p>
-                <a:endParaRPr lang="en-US"/>
+                <a:endParaRPr lang="en-US" sz="2401"/>
               </a:p>
             </p:txBody>
           </p:sp>
@@ -38904,14 +38904,14 @@
               </a:ln>
             </p:spPr>
             <p:txBody>
-              <a:bodyPr vert="horz" wrap="square" lIns="91440" tIns="45720" rIns="91440" bIns="45720" numCol="1" anchor="t" anchorCtr="0" compatLnSpc="1">
+              <a:bodyPr vert="horz" wrap="square" lIns="91464" tIns="45732" rIns="91464" bIns="45732" numCol="1" anchor="t" anchorCtr="0" compatLnSpc="1">
                 <a:prstTxWarp prst="textNoShape">
                   <a:avLst/>
                 </a:prstTxWarp>
               </a:bodyPr>
               <a:lstStyle/>
               <a:p>
-                <a:endParaRPr lang="en-US"/>
+                <a:endParaRPr lang="en-US" sz="2401"/>
               </a:p>
             </p:txBody>
           </p:sp>
@@ -39011,14 +39011,14 @@
               </a:ln>
             </p:spPr>
             <p:txBody>
-              <a:bodyPr vert="horz" wrap="square" lIns="91440" tIns="45720" rIns="91440" bIns="45720" numCol="1" anchor="t" anchorCtr="0" compatLnSpc="1">
+              <a:bodyPr vert="horz" wrap="square" lIns="91464" tIns="45732" rIns="91464" bIns="45732" numCol="1" anchor="t" anchorCtr="0" compatLnSpc="1">
                 <a:prstTxWarp prst="textNoShape">
                   <a:avLst/>
                 </a:prstTxWarp>
               </a:bodyPr>
               <a:lstStyle/>
               <a:p>
-                <a:endParaRPr lang="en-US"/>
+                <a:endParaRPr lang="en-US" sz="2401"/>
               </a:p>
             </p:txBody>
           </p:sp>
@@ -39112,14 +39112,14 @@
               </a:ln>
             </p:spPr>
             <p:txBody>
-              <a:bodyPr vert="horz" wrap="square" lIns="91440" tIns="45720" rIns="91440" bIns="45720" numCol="1" anchor="t" anchorCtr="0" compatLnSpc="1">
+              <a:bodyPr vert="horz" wrap="square" lIns="91464" tIns="45732" rIns="91464" bIns="45732" numCol="1" anchor="t" anchorCtr="0" compatLnSpc="1">
                 <a:prstTxWarp prst="textNoShape">
                   <a:avLst/>
                 </a:prstTxWarp>
               </a:bodyPr>
               <a:lstStyle/>
               <a:p>
-                <a:endParaRPr lang="en-US"/>
+                <a:endParaRPr lang="en-US" sz="2401"/>
               </a:p>
             </p:txBody>
           </p:sp>
@@ -39231,14 +39231,14 @@
               </a:ln>
             </p:spPr>
             <p:txBody>
-              <a:bodyPr vert="horz" wrap="square" lIns="91440" tIns="45720" rIns="91440" bIns="45720" numCol="1" anchor="t" anchorCtr="0" compatLnSpc="1">
+              <a:bodyPr vert="horz" wrap="square" lIns="91464" tIns="45732" rIns="91464" bIns="45732" numCol="1" anchor="t" anchorCtr="0" compatLnSpc="1">
                 <a:prstTxWarp prst="textNoShape">
                   <a:avLst/>
                 </a:prstTxWarp>
               </a:bodyPr>
               <a:lstStyle/>
               <a:p>
-                <a:endParaRPr lang="en-US"/>
+                <a:endParaRPr lang="en-US" sz="2401"/>
               </a:p>
             </p:txBody>
           </p:sp>
@@ -39470,14 +39470,14 @@
               </a:ln>
             </p:spPr>
             <p:txBody>
-              <a:bodyPr vert="horz" wrap="square" lIns="91440" tIns="45720" rIns="91440" bIns="45720" numCol="1" anchor="t" anchorCtr="0" compatLnSpc="1">
+              <a:bodyPr vert="horz" wrap="square" lIns="91464" tIns="45732" rIns="91464" bIns="45732" numCol="1" anchor="t" anchorCtr="0" compatLnSpc="1">
                 <a:prstTxWarp prst="textNoShape">
                   <a:avLst/>
                 </a:prstTxWarp>
               </a:bodyPr>
               <a:lstStyle/>
               <a:p>
-                <a:endParaRPr lang="en-US"/>
+                <a:endParaRPr lang="en-US" sz="2401"/>
               </a:p>
             </p:txBody>
           </p:sp>
@@ -39625,14 +39625,14 @@
               </a:ln>
             </p:spPr>
             <p:txBody>
-              <a:bodyPr vert="horz" wrap="square" lIns="91440" tIns="45720" rIns="91440" bIns="45720" numCol="1" anchor="t" anchorCtr="0" compatLnSpc="1">
+              <a:bodyPr vert="horz" wrap="square" lIns="91464" tIns="45732" rIns="91464" bIns="45732" numCol="1" anchor="t" anchorCtr="0" compatLnSpc="1">
                 <a:prstTxWarp prst="textNoShape">
                   <a:avLst/>
                 </a:prstTxWarp>
               </a:bodyPr>
               <a:lstStyle/>
               <a:p>
-                <a:endParaRPr lang="en-US"/>
+                <a:endParaRPr lang="en-US" sz="2401"/>
               </a:p>
             </p:txBody>
           </p:sp>
@@ -39990,14 +39990,14 @@
               </a:ln>
             </p:spPr>
             <p:txBody>
-              <a:bodyPr vert="horz" wrap="square" lIns="91440" tIns="45720" rIns="91440" bIns="45720" numCol="1" anchor="t" anchorCtr="0" compatLnSpc="1">
+              <a:bodyPr vert="horz" wrap="square" lIns="91464" tIns="45732" rIns="91464" bIns="45732" numCol="1" anchor="t" anchorCtr="0" compatLnSpc="1">
                 <a:prstTxWarp prst="textNoShape">
                   <a:avLst/>
                 </a:prstTxWarp>
               </a:bodyPr>
               <a:lstStyle/>
               <a:p>
-                <a:endParaRPr lang="en-US"/>
+                <a:endParaRPr lang="en-US" sz="2401"/>
               </a:p>
             </p:txBody>
           </p:sp>
@@ -40091,14 +40091,14 @@
               </a:ln>
             </p:spPr>
             <p:txBody>
-              <a:bodyPr vert="horz" wrap="square" lIns="91440" tIns="45720" rIns="91440" bIns="45720" numCol="1" anchor="t" anchorCtr="0" compatLnSpc="1">
+              <a:bodyPr vert="horz" wrap="square" lIns="91464" tIns="45732" rIns="91464" bIns="45732" numCol="1" anchor="t" anchorCtr="0" compatLnSpc="1">
                 <a:prstTxWarp prst="textNoShape">
                   <a:avLst/>
                 </a:prstTxWarp>
               </a:bodyPr>
               <a:lstStyle/>
               <a:p>
-                <a:endParaRPr lang="en-US"/>
+                <a:endParaRPr lang="en-US" sz="2401"/>
               </a:p>
             </p:txBody>
           </p:sp>
@@ -40174,14 +40174,14 @@
               </a:ln>
             </p:spPr>
             <p:txBody>
-              <a:bodyPr vert="horz" wrap="square" lIns="91440" tIns="45720" rIns="91440" bIns="45720" numCol="1" anchor="t" anchorCtr="0" compatLnSpc="1">
+              <a:bodyPr vert="horz" wrap="square" lIns="91464" tIns="45732" rIns="91464" bIns="45732" numCol="1" anchor="t" anchorCtr="0" compatLnSpc="1">
                 <a:prstTxWarp prst="textNoShape">
                   <a:avLst/>
                 </a:prstTxWarp>
               </a:bodyPr>
               <a:lstStyle/>
               <a:p>
-                <a:endParaRPr lang="en-US"/>
+                <a:endParaRPr lang="en-US" sz="2401"/>
               </a:p>
             </p:txBody>
           </p:sp>
@@ -40287,14 +40287,14 @@
               </a:ln>
             </p:spPr>
             <p:txBody>
-              <a:bodyPr vert="horz" wrap="square" lIns="91440" tIns="45720" rIns="91440" bIns="45720" numCol="1" anchor="t" anchorCtr="0" compatLnSpc="1">
+              <a:bodyPr vert="horz" wrap="square" lIns="91464" tIns="45732" rIns="91464" bIns="45732" numCol="1" anchor="t" anchorCtr="0" compatLnSpc="1">
                 <a:prstTxWarp prst="textNoShape">
                   <a:avLst/>
                 </a:prstTxWarp>
               </a:bodyPr>
               <a:lstStyle/>
               <a:p>
-                <a:endParaRPr lang="en-US"/>
+                <a:endParaRPr lang="en-US" sz="2401"/>
               </a:p>
             </p:txBody>
           </p:sp>
@@ -40556,14 +40556,14 @@
               </a:ln>
             </p:spPr>
             <p:txBody>
-              <a:bodyPr vert="horz" wrap="square" lIns="91440" tIns="45720" rIns="91440" bIns="45720" numCol="1" anchor="t" anchorCtr="0" compatLnSpc="1">
+              <a:bodyPr vert="horz" wrap="square" lIns="91464" tIns="45732" rIns="91464" bIns="45732" numCol="1" anchor="t" anchorCtr="0" compatLnSpc="1">
                 <a:prstTxWarp prst="textNoShape">
                   <a:avLst/>
                 </a:prstTxWarp>
               </a:bodyPr>
               <a:lstStyle/>
               <a:p>
-                <a:endParaRPr lang="en-US"/>
+                <a:endParaRPr lang="en-US" sz="2401"/>
               </a:p>
             </p:txBody>
           </p:sp>
@@ -40645,14 +40645,14 @@
               </a:ln>
             </p:spPr>
             <p:txBody>
-              <a:bodyPr vert="horz" wrap="square" lIns="91440" tIns="45720" rIns="91440" bIns="45720" numCol="1" anchor="t" anchorCtr="0" compatLnSpc="1">
+              <a:bodyPr vert="horz" wrap="square" lIns="91464" tIns="45732" rIns="91464" bIns="45732" numCol="1" anchor="t" anchorCtr="0" compatLnSpc="1">
                 <a:prstTxWarp prst="textNoShape">
                   <a:avLst/>
                 </a:prstTxWarp>
               </a:bodyPr>
               <a:lstStyle/>
               <a:p>
-                <a:endParaRPr lang="en-US"/>
+                <a:endParaRPr lang="en-US" sz="2401"/>
               </a:p>
             </p:txBody>
           </p:sp>
@@ -40776,14 +40776,14 @@
               </a:ln>
             </p:spPr>
             <p:txBody>
-              <a:bodyPr vert="horz" wrap="square" lIns="91440" tIns="45720" rIns="91440" bIns="45720" numCol="1" anchor="t" anchorCtr="0" compatLnSpc="1">
+              <a:bodyPr vert="horz" wrap="square" lIns="91464" tIns="45732" rIns="91464" bIns="45732" numCol="1" anchor="t" anchorCtr="0" compatLnSpc="1">
                 <a:prstTxWarp prst="textNoShape">
                   <a:avLst/>
                 </a:prstTxWarp>
               </a:bodyPr>
               <a:lstStyle/>
               <a:p>
-                <a:endParaRPr lang="en-US"/>
+                <a:endParaRPr lang="en-US" sz="2401"/>
               </a:p>
             </p:txBody>
           </p:sp>
@@ -40943,14 +40943,14 @@
               </a:ln>
             </p:spPr>
             <p:txBody>
-              <a:bodyPr vert="horz" wrap="square" lIns="91440" tIns="45720" rIns="91440" bIns="45720" numCol="1" anchor="t" anchorCtr="0" compatLnSpc="1">
+              <a:bodyPr vert="horz" wrap="square" lIns="91464" tIns="45732" rIns="91464" bIns="45732" numCol="1" anchor="t" anchorCtr="0" compatLnSpc="1">
                 <a:prstTxWarp prst="textNoShape">
                   <a:avLst/>
                 </a:prstTxWarp>
               </a:bodyPr>
               <a:lstStyle/>
               <a:p>
-                <a:endParaRPr lang="en-US"/>
+                <a:endParaRPr lang="en-US" sz="2401"/>
               </a:p>
             </p:txBody>
           </p:sp>
@@ -41056,14 +41056,14 @@
               </a:ln>
             </p:spPr>
             <p:txBody>
-              <a:bodyPr vert="horz" wrap="square" lIns="91440" tIns="45720" rIns="91440" bIns="45720" numCol="1" anchor="t" anchorCtr="0" compatLnSpc="1">
+              <a:bodyPr vert="horz" wrap="square" lIns="91464" tIns="45732" rIns="91464" bIns="45732" numCol="1" anchor="t" anchorCtr="0" compatLnSpc="1">
                 <a:prstTxWarp prst="textNoShape">
                   <a:avLst/>
                 </a:prstTxWarp>
               </a:bodyPr>
               <a:lstStyle/>
               <a:p>
-                <a:endParaRPr lang="en-US"/>
+                <a:endParaRPr lang="en-US" sz="2401"/>
               </a:p>
             </p:txBody>
           </p:sp>
@@ -45117,14 +45117,14 @@
               </a:ln>
             </p:spPr>
             <p:txBody>
-              <a:bodyPr vert="horz" wrap="square" lIns="91440" tIns="45720" rIns="91440" bIns="45720" numCol="1" anchor="t" anchorCtr="0" compatLnSpc="1">
+              <a:bodyPr vert="horz" wrap="square" lIns="91464" tIns="45732" rIns="91464" bIns="45732" numCol="1" anchor="t" anchorCtr="0" compatLnSpc="1">
                 <a:prstTxWarp prst="textNoShape">
                   <a:avLst/>
                 </a:prstTxWarp>
               </a:bodyPr>
               <a:lstStyle/>
               <a:p>
-                <a:endParaRPr lang="en-US"/>
+                <a:endParaRPr lang="en-US" sz="2401"/>
               </a:p>
             </p:txBody>
           </p:sp>
@@ -45438,14 +45438,14 @@
               </a:ln>
             </p:spPr>
             <p:txBody>
-              <a:bodyPr vert="horz" wrap="square" lIns="91440" tIns="45720" rIns="91440" bIns="45720" numCol="1" anchor="t" anchorCtr="0" compatLnSpc="1">
+              <a:bodyPr vert="horz" wrap="square" lIns="91464" tIns="45732" rIns="91464" bIns="45732" numCol="1" anchor="t" anchorCtr="0" compatLnSpc="1">
                 <a:prstTxWarp prst="textNoShape">
                   <a:avLst/>
                 </a:prstTxWarp>
               </a:bodyPr>
               <a:lstStyle/>
               <a:p>
-                <a:endParaRPr lang="en-US"/>
+                <a:endParaRPr lang="en-US" sz="2401"/>
               </a:p>
             </p:txBody>
           </p:sp>
@@ -45791,14 +45791,14 @@
               </a:ln>
             </p:spPr>
             <p:txBody>
-              <a:bodyPr vert="horz" wrap="square" lIns="91440" tIns="45720" rIns="91440" bIns="45720" numCol="1" anchor="t" anchorCtr="0" compatLnSpc="1">
+              <a:bodyPr vert="horz" wrap="square" lIns="91464" tIns="45732" rIns="91464" bIns="45732" numCol="1" anchor="t" anchorCtr="0" compatLnSpc="1">
                 <a:prstTxWarp prst="textNoShape">
                   <a:avLst/>
                 </a:prstTxWarp>
               </a:bodyPr>
               <a:lstStyle/>
               <a:p>
-                <a:endParaRPr lang="en-US"/>
+                <a:endParaRPr lang="en-US" sz="2401"/>
               </a:p>
             </p:txBody>
           </p:sp>
@@ -45901,14 +45901,14 @@
                 </a:ln>
               </p:spPr>
               <p:txBody>
-                <a:bodyPr vert="horz" wrap="square" lIns="91440" tIns="45720" rIns="91440" bIns="45720" numCol="1" anchor="t" anchorCtr="0" compatLnSpc="1">
+                <a:bodyPr vert="horz" wrap="square" lIns="91464" tIns="45732" rIns="91464" bIns="45732" numCol="1" anchor="t" anchorCtr="0" compatLnSpc="1">
                   <a:prstTxWarp prst="textNoShape">
                     <a:avLst/>
                   </a:prstTxWarp>
                 </a:bodyPr>
                 <a:lstStyle/>
                 <a:p>
-                  <a:endParaRPr lang="en-US"/>
+                  <a:endParaRPr lang="en-US" sz="2401"/>
                 </a:p>
               </p:txBody>
             </p:sp>
@@ -46020,14 +46020,14 @@
                 </a:ln>
               </p:spPr>
               <p:txBody>
-                <a:bodyPr vert="horz" wrap="square" lIns="91440" tIns="45720" rIns="91440" bIns="45720" numCol="1" anchor="t" anchorCtr="0" compatLnSpc="1">
+                <a:bodyPr vert="horz" wrap="square" lIns="91464" tIns="45732" rIns="91464" bIns="45732" numCol="1" anchor="t" anchorCtr="0" compatLnSpc="1">
                   <a:prstTxWarp prst="textNoShape">
                     <a:avLst/>
                   </a:prstTxWarp>
                 </a:bodyPr>
                 <a:lstStyle/>
                 <a:p>
-                  <a:endParaRPr lang="en-US"/>
+                  <a:endParaRPr lang="en-US" sz="2401"/>
                 </a:p>
               </p:txBody>
             </p:sp>
@@ -46157,14 +46157,14 @@
                 </a:ln>
               </p:spPr>
               <p:txBody>
-                <a:bodyPr vert="horz" wrap="square" lIns="91440" tIns="45720" rIns="91440" bIns="45720" numCol="1" anchor="t" anchorCtr="0" compatLnSpc="1">
+                <a:bodyPr vert="horz" wrap="square" lIns="91464" tIns="45732" rIns="91464" bIns="45732" numCol="1" anchor="t" anchorCtr="0" compatLnSpc="1">
                   <a:prstTxWarp prst="textNoShape">
                     <a:avLst/>
                   </a:prstTxWarp>
                 </a:bodyPr>
                 <a:lstStyle/>
                 <a:p>
-                  <a:endParaRPr lang="en-US"/>
+                  <a:endParaRPr lang="en-US" sz="2401"/>
                 </a:p>
               </p:txBody>
             </p:sp>
@@ -46276,14 +46276,14 @@
                 </a:ln>
               </p:spPr>
               <p:txBody>
-                <a:bodyPr vert="horz" wrap="square" lIns="91440" tIns="45720" rIns="91440" bIns="45720" numCol="1" anchor="t" anchorCtr="0" compatLnSpc="1">
+                <a:bodyPr vert="horz" wrap="square" lIns="91464" tIns="45732" rIns="91464" bIns="45732" numCol="1" anchor="t" anchorCtr="0" compatLnSpc="1">
                   <a:prstTxWarp prst="textNoShape">
                     <a:avLst/>
                   </a:prstTxWarp>
                 </a:bodyPr>
                 <a:lstStyle/>
                 <a:p>
-                  <a:endParaRPr lang="en-US"/>
+                  <a:endParaRPr lang="en-US" sz="2401"/>
                 </a:p>
               </p:txBody>
             </p:sp>
@@ -46353,14 +46353,14 @@
                 </a:ln>
               </p:spPr>
               <p:txBody>
-                <a:bodyPr vert="horz" wrap="square" lIns="91440" tIns="45720" rIns="91440" bIns="45720" numCol="1" anchor="t" anchorCtr="0" compatLnSpc="1">
+                <a:bodyPr vert="horz" wrap="square" lIns="91464" tIns="45732" rIns="91464" bIns="45732" numCol="1" anchor="t" anchorCtr="0" compatLnSpc="1">
                   <a:prstTxWarp prst="textNoShape">
                     <a:avLst/>
                   </a:prstTxWarp>
                 </a:bodyPr>
                 <a:lstStyle/>
                 <a:p>
-                  <a:endParaRPr lang="en-US"/>
+                  <a:endParaRPr lang="en-US" sz="2401"/>
                 </a:p>
               </p:txBody>
             </p:sp>
@@ -46442,14 +46442,14 @@
                 </a:ln>
               </p:spPr>
               <p:txBody>
-                <a:bodyPr vert="horz" wrap="square" lIns="91440" tIns="45720" rIns="91440" bIns="45720" numCol="1" anchor="t" anchorCtr="0" compatLnSpc="1">
+                <a:bodyPr vert="horz" wrap="square" lIns="91464" tIns="45732" rIns="91464" bIns="45732" numCol="1" anchor="t" anchorCtr="0" compatLnSpc="1">
                   <a:prstTxWarp prst="textNoShape">
                     <a:avLst/>
                   </a:prstTxWarp>
                 </a:bodyPr>
                 <a:lstStyle/>
                 <a:p>
-                  <a:endParaRPr lang="en-US"/>
+                  <a:endParaRPr lang="en-US" sz="2401"/>
                 </a:p>
               </p:txBody>
             </p:sp>
@@ -46591,14 +46591,14 @@
                 </a:ln>
               </p:spPr>
               <p:txBody>
-                <a:bodyPr vert="horz" wrap="square" lIns="91440" tIns="45720" rIns="91440" bIns="45720" numCol="1" anchor="t" anchorCtr="0" compatLnSpc="1">
+                <a:bodyPr vert="horz" wrap="square" lIns="91464" tIns="45732" rIns="91464" bIns="45732" numCol="1" anchor="t" anchorCtr="0" compatLnSpc="1">
                   <a:prstTxWarp prst="textNoShape">
                     <a:avLst/>
                   </a:prstTxWarp>
                 </a:bodyPr>
                 <a:lstStyle/>
                 <a:p>
-                  <a:endParaRPr lang="en-US"/>
+                  <a:endParaRPr lang="en-US" sz="2401"/>
                 </a:p>
               </p:txBody>
             </p:sp>
@@ -46628,14 +46628,14 @@
                 </a:ln>
               </p:spPr>
               <p:txBody>
-                <a:bodyPr vert="horz" wrap="square" lIns="91440" tIns="45720" rIns="91440" bIns="45720" numCol="1" anchor="t" anchorCtr="0" compatLnSpc="1">
+                <a:bodyPr vert="horz" wrap="square" lIns="91464" tIns="45732" rIns="91464" bIns="45732" numCol="1" anchor="t" anchorCtr="0" compatLnSpc="1">
                   <a:prstTxWarp prst="textNoShape">
                     <a:avLst/>
                   </a:prstTxWarp>
                 </a:bodyPr>
                 <a:lstStyle/>
                 <a:p>
-                  <a:endParaRPr lang="en-US"/>
+                  <a:endParaRPr lang="en-US" sz="2401"/>
                 </a:p>
               </p:txBody>
             </p:sp>
@@ -46717,14 +46717,14 @@
                 </a:ln>
               </p:spPr>
               <p:txBody>
-                <a:bodyPr vert="horz" wrap="square" lIns="91440" tIns="45720" rIns="91440" bIns="45720" numCol="1" anchor="t" anchorCtr="0" compatLnSpc="1">
+                <a:bodyPr vert="horz" wrap="square" lIns="91464" tIns="45732" rIns="91464" bIns="45732" numCol="1" anchor="t" anchorCtr="0" compatLnSpc="1">
                   <a:prstTxWarp prst="textNoShape">
                     <a:avLst/>
                   </a:prstTxWarp>
                 </a:bodyPr>
                 <a:lstStyle/>
                 <a:p>
-                  <a:endParaRPr lang="en-US"/>
+                  <a:endParaRPr lang="en-US" sz="2401"/>
                 </a:p>
               </p:txBody>
             </p:sp>
@@ -47340,14 +47340,14 @@
                 </a:ln>
               </p:spPr>
               <p:txBody>
-                <a:bodyPr vert="horz" wrap="square" lIns="91440" tIns="45720" rIns="91440" bIns="45720" numCol="1" anchor="t" anchorCtr="0" compatLnSpc="1">
+                <a:bodyPr vert="horz" wrap="square" lIns="91464" tIns="45732" rIns="91464" bIns="45732" numCol="1" anchor="t" anchorCtr="0" compatLnSpc="1">
                   <a:prstTxWarp prst="textNoShape">
                     <a:avLst/>
                   </a:prstTxWarp>
                 </a:bodyPr>
                 <a:lstStyle/>
                 <a:p>
-                  <a:endParaRPr lang="en-US"/>
+                  <a:endParaRPr lang="en-US" sz="2401"/>
                 </a:p>
               </p:txBody>
             </p:sp>
@@ -47723,14 +47723,14 @@
                 </a:ln>
               </p:spPr>
               <p:txBody>
-                <a:bodyPr vert="horz" wrap="square" lIns="91440" tIns="45720" rIns="91440" bIns="45720" numCol="1" anchor="t" anchorCtr="0" compatLnSpc="1">
+                <a:bodyPr vert="horz" wrap="square" lIns="91464" tIns="45732" rIns="91464" bIns="45732" numCol="1" anchor="t" anchorCtr="0" compatLnSpc="1">
                   <a:prstTxWarp prst="textNoShape">
                     <a:avLst/>
                   </a:prstTxWarp>
                 </a:bodyPr>
                 <a:lstStyle/>
                 <a:p>
-                  <a:endParaRPr lang="en-US"/>
+                  <a:endParaRPr lang="en-US" sz="2401"/>
                 </a:p>
               </p:txBody>
             </p:sp>
@@ -47830,14 +47830,14 @@
                 </a:ln>
               </p:spPr>
               <p:txBody>
-                <a:bodyPr vert="horz" wrap="square" lIns="91440" tIns="45720" rIns="91440" bIns="45720" numCol="1" anchor="t" anchorCtr="0" compatLnSpc="1">
+                <a:bodyPr vert="horz" wrap="square" lIns="91464" tIns="45732" rIns="91464" bIns="45732" numCol="1" anchor="t" anchorCtr="0" compatLnSpc="1">
                   <a:prstTxWarp prst="textNoShape">
                     <a:avLst/>
                   </a:prstTxWarp>
                 </a:bodyPr>
                 <a:lstStyle/>
                 <a:p>
-                  <a:endParaRPr lang="en-US"/>
+                  <a:endParaRPr lang="en-US" sz="2401"/>
                 </a:p>
               </p:txBody>
             </p:sp>
@@ -47901,14 +47901,14 @@
                 </a:ln>
               </p:spPr>
               <p:txBody>
-                <a:bodyPr vert="horz" wrap="square" lIns="91440" tIns="45720" rIns="91440" bIns="45720" numCol="1" anchor="t" anchorCtr="0" compatLnSpc="1">
+                <a:bodyPr vert="horz" wrap="square" lIns="91464" tIns="45732" rIns="91464" bIns="45732" numCol="1" anchor="t" anchorCtr="0" compatLnSpc="1">
                   <a:prstTxWarp prst="textNoShape">
                     <a:avLst/>
                   </a:prstTxWarp>
                 </a:bodyPr>
                 <a:lstStyle/>
                 <a:p>
-                  <a:endParaRPr lang="en-US"/>
+                  <a:endParaRPr lang="en-US" sz="2401"/>
                 </a:p>
               </p:txBody>
             </p:sp>
@@ -48002,14 +48002,14 @@
                 </a:ln>
               </p:spPr>
               <p:txBody>
-                <a:bodyPr vert="horz" wrap="square" lIns="91440" tIns="45720" rIns="91440" bIns="45720" numCol="1" anchor="t" anchorCtr="0" compatLnSpc="1">
+                <a:bodyPr vert="horz" wrap="square" lIns="91464" tIns="45732" rIns="91464" bIns="45732" numCol="1" anchor="t" anchorCtr="0" compatLnSpc="1">
                   <a:prstTxWarp prst="textNoShape">
                     <a:avLst/>
                   </a:prstTxWarp>
                 </a:bodyPr>
                 <a:lstStyle/>
                 <a:p>
-                  <a:endParaRPr lang="en-US"/>
+                  <a:endParaRPr lang="en-US" sz="2401"/>
                 </a:p>
               </p:txBody>
             </p:sp>
@@ -48649,14 +48649,14 @@
                 </a:ln>
               </p:spPr>
               <p:txBody>
-                <a:bodyPr vert="horz" wrap="square" lIns="91440" tIns="45720" rIns="91440" bIns="45720" numCol="1" anchor="t" anchorCtr="0" compatLnSpc="1">
+                <a:bodyPr vert="horz" wrap="square" lIns="91464" tIns="45732" rIns="91464" bIns="45732" numCol="1" anchor="t" anchorCtr="0" compatLnSpc="1">
                   <a:prstTxWarp prst="textNoShape">
                     <a:avLst/>
                   </a:prstTxWarp>
                 </a:bodyPr>
                 <a:lstStyle/>
                 <a:p>
-                  <a:endParaRPr lang="en-US"/>
+                  <a:endParaRPr lang="en-US" sz="2401"/>
                 </a:p>
               </p:txBody>
             </p:sp>
@@ -48744,14 +48744,14 @@
                 </a:ln>
               </p:spPr>
               <p:txBody>
-                <a:bodyPr vert="horz" wrap="square" lIns="91440" tIns="45720" rIns="91440" bIns="45720" numCol="1" anchor="t" anchorCtr="0" compatLnSpc="1">
+                <a:bodyPr vert="horz" wrap="square" lIns="91464" tIns="45732" rIns="91464" bIns="45732" numCol="1" anchor="t" anchorCtr="0" compatLnSpc="1">
                   <a:prstTxWarp prst="textNoShape">
                     <a:avLst/>
                   </a:prstTxWarp>
                 </a:bodyPr>
                 <a:lstStyle/>
                 <a:p>
-                  <a:endParaRPr lang="en-US"/>
+                  <a:endParaRPr lang="en-US" sz="2401"/>
                 </a:p>
               </p:txBody>
             </p:sp>
@@ -48953,14 +48953,14 @@
                 </a:ln>
               </p:spPr>
               <p:txBody>
-                <a:bodyPr vert="horz" wrap="square" lIns="91440" tIns="45720" rIns="91440" bIns="45720" numCol="1" anchor="t" anchorCtr="0" compatLnSpc="1">
+                <a:bodyPr vert="horz" wrap="square" lIns="91464" tIns="45732" rIns="91464" bIns="45732" numCol="1" anchor="t" anchorCtr="0" compatLnSpc="1">
                   <a:prstTxWarp prst="textNoShape">
                     <a:avLst/>
                   </a:prstTxWarp>
                 </a:bodyPr>
                 <a:lstStyle/>
                 <a:p>
-                  <a:endParaRPr lang="en-US"/>
+                  <a:endParaRPr lang="en-US" sz="2401"/>
                 </a:p>
               </p:txBody>
             </p:sp>
@@ -49096,14 +49096,14 @@
                 </a:ln>
               </p:spPr>
               <p:txBody>
-                <a:bodyPr vert="horz" wrap="square" lIns="91440" tIns="45720" rIns="91440" bIns="45720" numCol="1" anchor="t" anchorCtr="0" compatLnSpc="1">
+                <a:bodyPr vert="horz" wrap="square" lIns="91464" tIns="45732" rIns="91464" bIns="45732" numCol="1" anchor="t" anchorCtr="0" compatLnSpc="1">
                   <a:prstTxWarp prst="textNoShape">
                     <a:avLst/>
                   </a:prstTxWarp>
                 </a:bodyPr>
                 <a:lstStyle/>
                 <a:p>
-                  <a:endParaRPr lang="en-US"/>
+                  <a:endParaRPr lang="en-US" sz="2401"/>
                 </a:p>
               </p:txBody>
             </p:sp>
@@ -49269,14 +49269,14 @@
                 </a:ln>
               </p:spPr>
               <p:txBody>
-                <a:bodyPr vert="horz" wrap="square" lIns="91440" tIns="45720" rIns="91440" bIns="45720" numCol="1" anchor="t" anchorCtr="0" compatLnSpc="1">
+                <a:bodyPr vert="horz" wrap="square" lIns="91464" tIns="45732" rIns="91464" bIns="45732" numCol="1" anchor="t" anchorCtr="0" compatLnSpc="1">
                   <a:prstTxWarp prst="textNoShape">
                     <a:avLst/>
                   </a:prstTxWarp>
                 </a:bodyPr>
                 <a:lstStyle/>
                 <a:p>
-                  <a:endParaRPr lang="en-US"/>
+                  <a:endParaRPr lang="en-US" sz="2401"/>
                 </a:p>
               </p:txBody>
             </p:sp>
@@ -49370,14 +49370,14 @@
                 </a:ln>
               </p:spPr>
               <p:txBody>
-                <a:bodyPr vert="horz" wrap="square" lIns="91440" tIns="45720" rIns="91440" bIns="45720" numCol="1" anchor="t" anchorCtr="0" compatLnSpc="1">
+                <a:bodyPr vert="horz" wrap="square" lIns="91464" tIns="45732" rIns="91464" bIns="45732" numCol="1" anchor="t" anchorCtr="0" compatLnSpc="1">
                   <a:prstTxWarp prst="textNoShape">
                     <a:avLst/>
                   </a:prstTxWarp>
                 </a:bodyPr>
                 <a:lstStyle/>
                 <a:p>
-                  <a:endParaRPr lang="en-US"/>
+                  <a:endParaRPr lang="en-US" sz="2401"/>
                 </a:p>
               </p:txBody>
             </p:sp>
@@ -49501,14 +49501,14 @@
                 </a:ln>
               </p:spPr>
               <p:txBody>
-                <a:bodyPr vert="horz" wrap="square" lIns="91440" tIns="45720" rIns="91440" bIns="45720" numCol="1" anchor="t" anchorCtr="0" compatLnSpc="1">
+                <a:bodyPr vert="horz" wrap="square" lIns="91464" tIns="45732" rIns="91464" bIns="45732" numCol="1" anchor="t" anchorCtr="0" compatLnSpc="1">
                   <a:prstTxWarp prst="textNoShape">
                     <a:avLst/>
                   </a:prstTxWarp>
                 </a:bodyPr>
                 <a:lstStyle/>
                 <a:p>
-                  <a:endParaRPr lang="en-US"/>
+                  <a:endParaRPr lang="en-US" sz="2401"/>
                 </a:p>
               </p:txBody>
             </p:sp>
@@ -49698,14 +49698,14 @@
                 </a:ln>
               </p:spPr>
               <p:txBody>
-                <a:bodyPr vert="horz" wrap="square" lIns="91440" tIns="45720" rIns="91440" bIns="45720" numCol="1" anchor="t" anchorCtr="0" compatLnSpc="1">
+                <a:bodyPr vert="horz" wrap="square" lIns="91464" tIns="45732" rIns="91464" bIns="45732" numCol="1" anchor="t" anchorCtr="0" compatLnSpc="1">
                   <a:prstTxWarp prst="textNoShape">
                     <a:avLst/>
                   </a:prstTxWarp>
                 </a:bodyPr>
                 <a:lstStyle/>
                 <a:p>
-                  <a:endParaRPr lang="en-US"/>
+                  <a:endParaRPr lang="en-US" sz="2401"/>
                 </a:p>
               </p:txBody>
             </p:sp>
@@ -49805,14 +49805,14 @@
                 </a:ln>
               </p:spPr>
               <p:txBody>
-                <a:bodyPr vert="horz" wrap="square" lIns="91440" tIns="45720" rIns="91440" bIns="45720" numCol="1" anchor="t" anchorCtr="0" compatLnSpc="1">
+                <a:bodyPr vert="horz" wrap="square" lIns="91464" tIns="45732" rIns="91464" bIns="45732" numCol="1" anchor="t" anchorCtr="0" compatLnSpc="1">
                   <a:prstTxWarp prst="textNoShape">
                     <a:avLst/>
                   </a:prstTxWarp>
                 </a:bodyPr>
                 <a:lstStyle/>
                 <a:p>
-                  <a:endParaRPr lang="en-US"/>
+                  <a:endParaRPr lang="en-US" sz="2401"/>
                 </a:p>
               </p:txBody>
             </p:sp>
@@ -49972,14 +49972,14 @@
                 </a:ln>
               </p:spPr>
               <p:txBody>
-                <a:bodyPr vert="horz" wrap="square" lIns="91440" tIns="45720" rIns="91440" bIns="45720" numCol="1" anchor="t" anchorCtr="0" compatLnSpc="1">
+                <a:bodyPr vert="horz" wrap="square" lIns="91464" tIns="45732" rIns="91464" bIns="45732" numCol="1" anchor="t" anchorCtr="0" compatLnSpc="1">
                   <a:prstTxWarp prst="textNoShape">
                     <a:avLst/>
                   </a:prstTxWarp>
                 </a:bodyPr>
                 <a:lstStyle/>
                 <a:p>
-                  <a:endParaRPr lang="en-US"/>
+                  <a:endParaRPr lang="en-US" sz="2401"/>
                 </a:p>
               </p:txBody>
             </p:sp>
@@ -50062,14 +50062,14 @@
                 </a:ln>
               </p:spPr>
               <p:txBody>
-                <a:bodyPr vert="horz" wrap="square" lIns="91440" tIns="45720" rIns="91440" bIns="45720" numCol="1" anchor="t" anchorCtr="0" compatLnSpc="1">
+                <a:bodyPr vert="horz" wrap="square" lIns="91464" tIns="45732" rIns="91464" bIns="45732" numCol="1" anchor="t" anchorCtr="0" compatLnSpc="1">
                   <a:prstTxWarp prst="textNoShape">
                     <a:avLst/>
                   </a:prstTxWarp>
                 </a:bodyPr>
                 <a:lstStyle/>
                 <a:p>
-                  <a:endParaRPr lang="en-US"/>
+                  <a:endParaRPr lang="en-US" sz="2401"/>
                 </a:p>
               </p:txBody>
             </p:sp>
@@ -50133,14 +50133,14 @@
                 </a:ln>
               </p:spPr>
               <p:txBody>
-                <a:bodyPr vert="horz" wrap="square" lIns="91440" tIns="45720" rIns="91440" bIns="45720" numCol="1" anchor="t" anchorCtr="0" compatLnSpc="1">
+                <a:bodyPr vert="horz" wrap="square" lIns="91464" tIns="45732" rIns="91464" bIns="45732" numCol="1" anchor="t" anchorCtr="0" compatLnSpc="1">
                   <a:prstTxWarp prst="textNoShape">
                     <a:avLst/>
                   </a:prstTxWarp>
                 </a:bodyPr>
                 <a:lstStyle/>
                 <a:p>
-                  <a:endParaRPr lang="en-US"/>
+                  <a:endParaRPr lang="en-US" sz="2401"/>
                 </a:p>
               </p:txBody>
             </p:sp>
@@ -50588,14 +50588,14 @@
                 </a:ln>
               </p:spPr>
               <p:txBody>
-                <a:bodyPr vert="horz" wrap="square" lIns="91440" tIns="45720" rIns="91440" bIns="45720" numCol="1" anchor="t" anchorCtr="0" compatLnSpc="1">
+                <a:bodyPr vert="horz" wrap="square" lIns="91464" tIns="45732" rIns="91464" bIns="45732" numCol="1" anchor="t" anchorCtr="0" compatLnSpc="1">
                   <a:prstTxWarp prst="textNoShape">
                     <a:avLst/>
                   </a:prstTxWarp>
                 </a:bodyPr>
                 <a:lstStyle/>
                 <a:p>
-                  <a:endParaRPr lang="en-US"/>
+                  <a:endParaRPr lang="en-US" sz="2401"/>
                 </a:p>
               </p:txBody>
             </p:sp>
@@ -50659,14 +50659,14 @@
                 </a:ln>
               </p:spPr>
               <p:txBody>
-                <a:bodyPr vert="horz" wrap="square" lIns="91440" tIns="45720" rIns="91440" bIns="45720" numCol="1" anchor="t" anchorCtr="0" compatLnSpc="1">
+                <a:bodyPr vert="horz" wrap="square" lIns="91464" tIns="45732" rIns="91464" bIns="45732" numCol="1" anchor="t" anchorCtr="0" compatLnSpc="1">
                   <a:prstTxWarp prst="textNoShape">
                     <a:avLst/>
                   </a:prstTxWarp>
                 </a:bodyPr>
                 <a:lstStyle/>
                 <a:p>
-                  <a:endParaRPr lang="en-US"/>
+                  <a:endParaRPr lang="en-US" sz="2401"/>
                 </a:p>
               </p:txBody>
             </p:sp>
@@ -50802,14 +50802,14 @@
                 </a:ln>
               </p:spPr>
               <p:txBody>
-                <a:bodyPr vert="horz" wrap="square" lIns="91440" tIns="45720" rIns="91440" bIns="45720" numCol="1" anchor="t" anchorCtr="0" compatLnSpc="1">
+                <a:bodyPr vert="horz" wrap="square" lIns="91464" tIns="45732" rIns="91464" bIns="45732" numCol="1" anchor="t" anchorCtr="0" compatLnSpc="1">
                   <a:prstTxWarp prst="textNoShape">
                     <a:avLst/>
                   </a:prstTxWarp>
                 </a:bodyPr>
                 <a:lstStyle/>
                 <a:p>
-                  <a:endParaRPr lang="en-US"/>
+                  <a:endParaRPr lang="en-US" sz="2401"/>
                 </a:p>
               </p:txBody>
             </p:sp>
@@ -50969,14 +50969,14 @@
                 </a:ln>
               </p:spPr>
               <p:txBody>
-                <a:bodyPr vert="horz" wrap="square" lIns="91440" tIns="45720" rIns="91440" bIns="45720" numCol="1" anchor="t" anchorCtr="0" compatLnSpc="1">
+                <a:bodyPr vert="horz" wrap="square" lIns="91464" tIns="45732" rIns="91464" bIns="45732" numCol="1" anchor="t" anchorCtr="0" compatLnSpc="1">
                   <a:prstTxWarp prst="textNoShape">
                     <a:avLst/>
                   </a:prstTxWarp>
                 </a:bodyPr>
                 <a:lstStyle/>
                 <a:p>
-                  <a:endParaRPr lang="en-US"/>
+                  <a:endParaRPr lang="en-US" sz="2401"/>
                 </a:p>
               </p:txBody>
             </p:sp>
@@ -51220,14 +51220,14 @@
                 </a:ln>
               </p:spPr>
               <p:txBody>
-                <a:bodyPr vert="horz" wrap="square" lIns="91440" tIns="45720" rIns="91440" bIns="45720" numCol="1" anchor="t" anchorCtr="0" compatLnSpc="1">
+                <a:bodyPr vert="horz" wrap="square" lIns="91464" tIns="45732" rIns="91464" bIns="45732" numCol="1" anchor="t" anchorCtr="0" compatLnSpc="1">
                   <a:prstTxWarp prst="textNoShape">
                     <a:avLst/>
                   </a:prstTxWarp>
                 </a:bodyPr>
                 <a:lstStyle/>
                 <a:p>
-                  <a:endParaRPr lang="en-US"/>
+                  <a:endParaRPr lang="en-US" sz="2401"/>
                 </a:p>
               </p:txBody>
             </p:sp>
@@ -51393,14 +51393,14 @@
                 </a:ln>
               </p:spPr>
               <p:txBody>
-                <a:bodyPr vert="horz" wrap="square" lIns="91440" tIns="45720" rIns="91440" bIns="45720" numCol="1" anchor="t" anchorCtr="0" compatLnSpc="1">
+                <a:bodyPr vert="horz" wrap="square" lIns="91464" tIns="45732" rIns="91464" bIns="45732" numCol="1" anchor="t" anchorCtr="0" compatLnSpc="1">
                   <a:prstTxWarp prst="textNoShape">
                     <a:avLst/>
                   </a:prstTxWarp>
                 </a:bodyPr>
                 <a:lstStyle/>
                 <a:p>
-                  <a:endParaRPr lang="en-US"/>
+                  <a:endParaRPr lang="en-US" sz="2401"/>
                 </a:p>
               </p:txBody>
             </p:sp>
@@ -51524,14 +51524,14 @@
                 </a:ln>
               </p:spPr>
               <p:txBody>
-                <a:bodyPr vert="horz" wrap="square" lIns="91440" tIns="45720" rIns="91440" bIns="45720" numCol="1" anchor="t" anchorCtr="0" compatLnSpc="1">
+                <a:bodyPr vert="horz" wrap="square" lIns="91464" tIns="45732" rIns="91464" bIns="45732" numCol="1" anchor="t" anchorCtr="0" compatLnSpc="1">
                   <a:prstTxWarp prst="textNoShape">
                     <a:avLst/>
                   </a:prstTxWarp>
                 </a:bodyPr>
                 <a:lstStyle/>
                 <a:p>
-                  <a:endParaRPr lang="en-US"/>
+                  <a:endParaRPr lang="en-US" sz="2401"/>
                 </a:p>
               </p:txBody>
             </p:sp>
@@ -54999,14 +54999,14 @@
               </a:ln>
             </p:spPr>
             <p:txBody>
-              <a:bodyPr vert="horz" wrap="square" lIns="91440" tIns="45720" rIns="91440" bIns="45720" numCol="1" anchor="t" anchorCtr="0" compatLnSpc="1">
+              <a:bodyPr vert="horz" wrap="square" lIns="91464" tIns="45732" rIns="91464" bIns="45732" numCol="1" anchor="t" anchorCtr="0" compatLnSpc="1">
                 <a:prstTxWarp prst="textNoShape">
                   <a:avLst/>
                 </a:prstTxWarp>
               </a:bodyPr>
               <a:lstStyle/>
               <a:p>
-                <a:endParaRPr lang="en-US"/>
+                <a:endParaRPr lang="en-US" sz="2401"/>
               </a:p>
             </p:txBody>
           </p:sp>
@@ -55030,8 +55030,8 @@
         </p:nvSpPr>
         <p:spPr>
           <a:xfrm>
-            <a:off x="306237" y="3733800"/>
-            <a:ext cx="4084240" cy="1670991"/>
+            <a:off x="306317" y="3733880"/>
+            <a:ext cx="4085304" cy="1671426"/>
           </a:xfrm>
         </p:spPr>
         <p:txBody>
@@ -55041,30 +55041,30 @@
           <a:lstStyle/>
           <a:p>
             <a:r>
-              <a:rPr lang="en-GB" sz="4000" b="1" u="sng" dirty="0">
+              <a:rPr lang="en-GB" b="1" u="sng" dirty="0">
                 <a:ea typeface="Open Sans" panose="020B0606030504020204" pitchFamily="34" charset="0"/>
                 <a:cs typeface="Open Sans" panose="020B0606030504020204" pitchFamily="34" charset="0"/>
               </a:rPr>
               <a:t>PROJECT 6</a:t>
             </a:r>
             <a:r>
-              <a:rPr lang="en-GB" sz="4000" b="1" dirty="0">
+              <a:rPr lang="en-GB" b="1" dirty="0">
                 <a:ea typeface="Open Sans" panose="020B0606030504020204" pitchFamily="34" charset="0"/>
                 <a:cs typeface="Open Sans" panose="020B0606030504020204" pitchFamily="34" charset="0"/>
               </a:rPr>
               <a:t>:</a:t>
             </a:r>
             <a:br>
-              <a:rPr lang="en-GB" sz="4000" dirty="0">
+              <a:rPr lang="en-GB" dirty="0">
                 <a:ea typeface="Open Sans" panose="020B0606030504020204" pitchFamily="34" charset="0"/>
                 <a:cs typeface="Open Sans" panose="020B0606030504020204" pitchFamily="34" charset="0"/>
               </a:rPr>
             </a:br>
             <a:r>
-              <a:rPr lang="en-GB" sz="3200" dirty="0"/>
+              <a:rPr lang="en-GB" sz="3201" dirty="0"/>
               <a:t>Descriptive, predictive analysis and visualization in Tableau</a:t>
             </a:r>
-            <a:endParaRPr lang="en-IN" sz="3200" dirty="0">
+            <a:endParaRPr lang="en-IN" sz="3201" dirty="0">
               <a:solidFill>
                 <a:schemeClr val="tx1"/>
               </a:solidFill>
@@ -55086,8 +55086,8 @@
         </p:nvSpPr>
         <p:spPr>
           <a:xfrm>
-            <a:off x="8304212" y="1145781"/>
-            <a:ext cx="3816424" cy="461665"/>
+            <a:off x="8306376" y="1145187"/>
+            <a:ext cx="3817418" cy="461785"/>
           </a:xfrm>
           <a:prstGeom prst="rect">
             <a:avLst/>
@@ -55101,7 +55101,7 @@
           <a:lstStyle/>
           <a:p>
             <a:r>
-              <a:rPr lang="en-US" b="1" dirty="0">
+              <a:rPr lang="en-US" sz="2401" b="1" dirty="0">
                 <a:solidFill>
                   <a:schemeClr val="tx1">
                     <a:lumMod val="75000"/>
@@ -55110,19 +55110,7 @@
                 </a:solidFill>
                 <a:latin typeface="Segoe UI" panose="020B0502040204020203" pitchFamily="34" charset="0"/>
               </a:rPr>
-              <a:t>Payments</a:t>
-            </a:r>
-            <a:r>
-              <a:rPr lang="en-US" sz="2400" b="1" dirty="0">
-                <a:solidFill>
-                  <a:schemeClr val="tx1">
-                    <a:lumMod val="75000"/>
-                    <a:lumOff val="25000"/>
-                  </a:schemeClr>
-                </a:solidFill>
-                <a:latin typeface="Segoe UI" panose="020B0502040204020203" pitchFamily="34" charset="0"/>
-              </a:rPr>
-              <a:t> Data</a:t>
+              <a:t>Payments Data</a:t>
             </a:r>
           </a:p>
         </p:txBody>
@@ -55141,8 +55129,8 @@
         </p:nvSpPr>
         <p:spPr>
           <a:xfrm>
-            <a:off x="8304212" y="684116"/>
-            <a:ext cx="4381899" cy="461665"/>
+            <a:off x="8306376" y="683402"/>
+            <a:ext cx="4383040" cy="461785"/>
           </a:xfrm>
           <a:prstGeom prst="rect">
             <a:avLst/>
@@ -55156,7 +55144,7 @@
           <a:lstStyle/>
           <a:p>
             <a:r>
-              <a:rPr lang="en-US" sz="2400" b="1" dirty="0">
+              <a:rPr lang="en-US" sz="2401" b="1" dirty="0">
                 <a:solidFill>
                   <a:schemeClr val="bg1"/>
                 </a:solidFill>
@@ -55196,8 +55184,8 @@
         </p:blipFill>
         <p:spPr bwMode="auto">
           <a:xfrm>
-            <a:off x="258101" y="5562600"/>
-            <a:ext cx="1035712" cy="973198"/>
+            <a:off x="258169" y="5563156"/>
+            <a:ext cx="1035982" cy="973452"/>
           </a:xfrm>
           <a:prstGeom prst="rect">
             <a:avLst/>
@@ -55230,8 +55218,8 @@
         </p:nvSpPr>
         <p:spPr>
           <a:xfrm>
-            <a:off x="10495161" y="5428854"/>
-            <a:ext cx="1683453" cy="1334559"/>
+            <a:off x="10497896" y="5429375"/>
+            <a:ext cx="1683892" cy="1334907"/>
           </a:xfrm>
           <a:prstGeom prst="rect">
             <a:avLst/>
@@ -55423,7 +55411,7 @@
           </a:lstStyle>
           <a:p>
             <a:r>
-              <a:rPr lang="en-GB" sz="2000" b="1" u="sng" kern="0" dirty="0">
+              <a:rPr lang="en-GB" sz="2001" b="1" u="sng" kern="0" dirty="0">
                 <a:solidFill>
                   <a:schemeClr val="tx1">
                     <a:lumMod val="65000"/>
@@ -55434,7 +55422,7 @@
               <a:t>Presented by</a:t>
             </a:r>
             <a:r>
-              <a:rPr lang="en-GB" sz="2000" b="1" kern="0" dirty="0">
+              <a:rPr lang="en-GB" sz="2001" b="1" kern="0" dirty="0">
                 <a:solidFill>
                   <a:schemeClr val="tx1">
                     <a:lumMod val="65000"/>
@@ -55447,7 +55435,7 @@
           </a:p>
           <a:p>
             <a:r>
-              <a:rPr lang="en-GB" sz="2000" b="1" kern="0" dirty="0">
+              <a:rPr lang="en-GB" sz="2001" b="1" kern="0" dirty="0">
                 <a:solidFill>
                   <a:schemeClr val="tx1">
                     <a:lumMod val="65000"/>
@@ -55460,7 +55448,7 @@
           </a:p>
           <a:p>
             <a:r>
-              <a:rPr lang="en-GB" sz="2000" b="1" kern="0" dirty="0">
+              <a:rPr lang="en-GB" sz="2001" b="1" kern="0" dirty="0">
                 <a:solidFill>
                   <a:schemeClr val="tx1">
                     <a:lumMod val="65000"/>
@@ -55473,7 +55461,7 @@
           </a:p>
           <a:p>
             <a:r>
-              <a:rPr lang="en-GB" sz="2000" b="1" kern="0" dirty="0">
+              <a:rPr lang="en-GB" sz="2001" b="1" kern="0" dirty="0">
                 <a:solidFill>
                   <a:schemeClr val="tx1">
                     <a:lumMod val="65000"/>
@@ -55502,15 +55490,15 @@
         </p:nvSpPr>
         <p:spPr>
           <a:xfrm>
-            <a:off x="8372143" y="152400"/>
-            <a:ext cx="3825322" cy="475955"/>
+            <a:off x="8374325" y="151547"/>
+            <a:ext cx="3826318" cy="476079"/>
           </a:xfrm>
           <a:prstGeom prst="rect">
             <a:avLst/>
           </a:prstGeom>
         </p:spPr>
         <p:txBody>
-          <a:bodyPr vert="horz" lIns="0" tIns="60949" rIns="0" bIns="60949" rtlCol="0" anchor="t">
+          <a:bodyPr vert="horz" lIns="0" tIns="60965" rIns="0" bIns="60965" rtlCol="0" anchor="t">
             <a:noAutofit/>
           </a:bodyPr>
           <a:lstStyle>
@@ -55668,7 +55656,7 @@
           </a:lstStyle>
           <a:p>
             <a:r>
-              <a:rPr lang="en-IN" sz="2400" u="sng" dirty="0">
+              <a:rPr lang="en-IN" sz="2401" u="sng" dirty="0">
                 <a:solidFill>
                   <a:schemeClr val="tx1"/>
                 </a:solidFill>
@@ -55677,7 +55665,7 @@
               <a:t>Date</a:t>
             </a:r>
             <a:r>
-              <a:rPr lang="en-IN" sz="2400" dirty="0">
+              <a:rPr lang="en-IN" sz="2401" dirty="0">
                 <a:solidFill>
                   <a:schemeClr val="tx1"/>
                 </a:solidFill>
@@ -55686,7 +55674,7 @@
               <a:t>: Monday Jan. 24</a:t>
             </a:r>
             <a:r>
-              <a:rPr lang="en-IN" sz="2400" baseline="30000" dirty="0">
+              <a:rPr lang="en-IN" sz="2401" baseline="30000" dirty="0">
                 <a:solidFill>
                   <a:schemeClr val="tx1"/>
                 </a:solidFill>
@@ -55695,7 +55683,7 @@
               <a:t>th</a:t>
             </a:r>
             <a:r>
-              <a:rPr lang="en-IN" sz="2400" dirty="0">
+              <a:rPr lang="en-IN" sz="2401" dirty="0">
                 <a:solidFill>
                   <a:schemeClr val="tx1"/>
                 </a:solidFill>
@@ -55732,8 +55720,8 @@
         </p:blipFill>
         <p:spPr>
           <a:xfrm>
-            <a:off x="306237" y="224177"/>
-            <a:ext cx="1616710" cy="808355"/>
+            <a:off x="306317" y="223342"/>
+            <a:ext cx="1617131" cy="808566"/>
           </a:xfrm>
           <a:prstGeom prst="rect">
             <a:avLst/>
@@ -55804,8 +55792,8 @@
         </p:nvSpPr>
         <p:spPr>
           <a:xfrm>
-            <a:off x="5685146" y="1371600"/>
-            <a:ext cx="6124266" cy="609600"/>
+            <a:off x="5686628" y="1371064"/>
+            <a:ext cx="6125861" cy="609759"/>
           </a:xfrm>
         </p:spPr>
         <p:txBody>
@@ -55834,15 +55822,15 @@
         </p:nvSpPr>
         <p:spPr>
           <a:xfrm>
-            <a:off x="5691389" y="1752600"/>
-            <a:ext cx="6422823" cy="4756270"/>
+            <a:off x="5692873" y="1752163"/>
+            <a:ext cx="6424496" cy="4757509"/>
           </a:xfrm>
           <a:prstGeom prst="rect">
             <a:avLst/>
           </a:prstGeom>
         </p:spPr>
         <p:txBody>
-          <a:bodyPr vert="horz" lIns="0" tIns="60949" rIns="0" bIns="60949" rtlCol="0">
+          <a:bodyPr vert="horz" lIns="0" tIns="60965" rIns="0" bIns="60965" rtlCol="0">
             <a:noAutofit/>
           </a:bodyPr>
           <a:lstStyle>
@@ -55944,7 +55932,7 @@
             </a:lvl9pPr>
           </a:lstStyle>
           <a:p>
-            <a:pPr marL="285750" indent="-285750">
+            <a:pPr marL="285836" indent="-285836">
               <a:spcBef>
                 <a:spcPts val="300"/>
               </a:spcBef>
@@ -55952,12 +55940,12 @@
               <a:buChar char="•"/>
             </a:pPr>
             <a:r>
-              <a:rPr lang="en-GB" dirty="0"/>
+              <a:rPr lang="en-GB" sz="1801" dirty="0"/>
               <a:t>Use Trello for the project management (tasks description) </a:t>
             </a:r>
           </a:p>
           <a:p>
-            <a:pPr marL="285750" indent="-285750">
+            <a:pPr marL="285836" indent="-285836">
               <a:spcBef>
                 <a:spcPts val="300"/>
               </a:spcBef>
@@ -55965,12 +55953,12 @@
               <a:buChar char="•"/>
             </a:pPr>
             <a:r>
-              <a:rPr lang="en-GB" dirty="0"/>
+              <a:rPr lang="en-GB" sz="1801" dirty="0"/>
               <a:t>Examine the dataset</a:t>
             </a:r>
           </a:p>
           <a:p>
-            <a:pPr marL="285750" indent="-285750">
+            <a:pPr marL="285836" indent="-285836">
               <a:spcBef>
                 <a:spcPts val="300"/>
               </a:spcBef>
@@ -55978,12 +55966,12 @@
               <a:buChar char="•"/>
             </a:pPr>
             <a:r>
-              <a:rPr lang="en-GB" dirty="0"/>
+              <a:rPr lang="en-GB" sz="1801" dirty="0"/>
               <a:t>Develop the system of Key Performance Indicators :</a:t>
             </a:r>
           </a:p>
           <a:p>
-            <a:pPr marL="895244" lvl="1" indent="-285750">
+            <a:pPr marL="895513" lvl="1" indent="-285836">
               <a:spcBef>
                 <a:spcPts val="300"/>
               </a:spcBef>
@@ -55991,12 +55979,12 @@
               <a:buChar char="o"/>
             </a:pPr>
             <a:r>
-              <a:rPr lang="en-GB" dirty="0"/>
+              <a:rPr lang="en-GB" sz="1801" dirty="0"/>
               <a:t>Average time for transaction</a:t>
             </a:r>
           </a:p>
           <a:p>
-            <a:pPr marL="895244" lvl="1" indent="-285750">
+            <a:pPr marL="895513" lvl="1" indent="-285836">
               <a:spcBef>
                 <a:spcPts val="300"/>
               </a:spcBef>
@@ -56004,12 +55992,12 @@
               <a:buChar char="o"/>
             </a:pPr>
             <a:r>
-              <a:rPr lang="en-GB" dirty="0"/>
+              <a:rPr lang="en-GB" sz="1801" dirty="0"/>
               <a:t>Status of payment</a:t>
             </a:r>
           </a:p>
           <a:p>
-            <a:pPr marL="895244" lvl="1" indent="-285750">
+            <a:pPr marL="895513" lvl="1" indent="-285836">
               <a:spcBef>
                 <a:spcPts val="300"/>
               </a:spcBef>
@@ -56017,12 +56005,12 @@
               <a:buChar char="o"/>
             </a:pPr>
             <a:r>
-              <a:rPr lang="en-GB" dirty="0"/>
+              <a:rPr lang="en-GB" sz="1801" dirty="0"/>
               <a:t>Total charges per period</a:t>
             </a:r>
           </a:p>
           <a:p>
-            <a:pPr marL="895244" lvl="1" indent="-285750">
+            <a:pPr marL="895513" lvl="1" indent="-285836">
               <a:spcBef>
                 <a:spcPts val="300"/>
               </a:spcBef>
@@ -56030,12 +56018,12 @@
               <a:buChar char="o"/>
             </a:pPr>
             <a:r>
-              <a:rPr lang="en-GB" dirty="0"/>
+              <a:rPr lang="en-GB" sz="1801" dirty="0"/>
               <a:t>Payment status forecast</a:t>
             </a:r>
           </a:p>
           <a:p>
-            <a:pPr marL="895244" lvl="1" indent="-285750">
+            <a:pPr marL="895513" lvl="1" indent="-285836">
               <a:spcBef>
                 <a:spcPts val="300"/>
               </a:spcBef>
@@ -56043,12 +56031,12 @@
               <a:buChar char="o"/>
             </a:pPr>
             <a:r>
-              <a:rPr lang="en-GB" dirty="0"/>
+              <a:rPr lang="en-GB" sz="1801" dirty="0"/>
               <a:t>Issues in correspondence chain</a:t>
             </a:r>
           </a:p>
           <a:p>
-            <a:pPr marL="895244" lvl="1" indent="-285750">
+            <a:pPr marL="895513" lvl="1" indent="-285836">
               <a:spcBef>
                 <a:spcPts val="300"/>
               </a:spcBef>
@@ -56056,12 +56044,12 @@
               <a:buChar char="o"/>
             </a:pPr>
             <a:r>
-              <a:rPr lang="en-GB" dirty="0"/>
+              <a:rPr lang="en-GB" sz="1801" dirty="0"/>
               <a:t>Probability of delay</a:t>
             </a:r>
           </a:p>
           <a:p>
-            <a:pPr marL="895244" lvl="1" indent="-285750">
+            <a:pPr marL="895513" lvl="1" indent="-285836">
               <a:spcBef>
                 <a:spcPts val="300"/>
               </a:spcBef>
@@ -56069,12 +56057,12 @@
               <a:buChar char="o"/>
             </a:pPr>
             <a:r>
-              <a:rPr lang="en-GB" dirty="0"/>
+              <a:rPr lang="en-GB" sz="1801" dirty="0"/>
               <a:t>Troubles forecast</a:t>
             </a:r>
           </a:p>
           <a:p>
-            <a:pPr marL="285750" indent="-285750">
+            <a:pPr marL="285836" indent="-285836">
               <a:spcBef>
                 <a:spcPts val="300"/>
               </a:spcBef>
@@ -56082,12 +56070,12 @@
               <a:buChar char="•"/>
             </a:pPr>
             <a:r>
-              <a:rPr lang="en-GB" dirty="0"/>
+              <a:rPr lang="en-GB" sz="1801" dirty="0"/>
               <a:t>Create a User Story</a:t>
             </a:r>
           </a:p>
           <a:p>
-            <a:pPr marL="285750" indent="-285750">
+            <a:pPr marL="285836" indent="-285836">
               <a:spcBef>
                 <a:spcPts val="300"/>
               </a:spcBef>
@@ -56095,12 +56083,12 @@
               <a:buChar char="•"/>
             </a:pPr>
             <a:r>
-              <a:rPr lang="en-GB" dirty="0"/>
+              <a:rPr lang="en-GB" sz="1801" dirty="0"/>
               <a:t>Prepare 12 widgets describing our data</a:t>
             </a:r>
           </a:p>
           <a:p>
-            <a:pPr marL="285750" indent="-285750">
+            <a:pPr marL="285836" indent="-285836">
               <a:spcBef>
                 <a:spcPts val="300"/>
               </a:spcBef>
@@ -56108,12 +56096,12 @@
               <a:buChar char="•"/>
             </a:pPr>
             <a:r>
-              <a:rPr lang="en-GB" dirty="0"/>
+              <a:rPr lang="en-GB" sz="1801" dirty="0"/>
               <a:t>At least 3 widgets reflecting forecasted values</a:t>
             </a:r>
           </a:p>
           <a:p>
-            <a:pPr marL="285750" indent="-285750">
+            <a:pPr marL="285836" indent="-285836">
               <a:spcBef>
                 <a:spcPts val="300"/>
               </a:spcBef>
@@ -56121,7 +56109,7 @@
               <a:buChar char="•"/>
             </a:pPr>
             <a:r>
-              <a:rPr lang="en-GB" dirty="0"/>
+              <a:rPr lang="en-GB" sz="1801" dirty="0"/>
               <a:t>Prepare a readme file and upload all files to GitHub</a:t>
             </a:r>
           </a:p>
@@ -56141,8 +56129,8 @@
         </p:nvSpPr>
         <p:spPr>
           <a:xfrm>
-            <a:off x="531812" y="845403"/>
-            <a:ext cx="11430000" cy="830997"/>
+            <a:off x="531951" y="844731"/>
+            <a:ext cx="11432977" cy="831213"/>
           </a:xfrm>
           <a:prstGeom prst="rect">
             <a:avLst/>
@@ -56156,10 +56144,10 @@
           <a:lstStyle/>
           <a:p>
             <a:r>
-              <a:rPr lang="en-GB" dirty="0"/>
+              <a:rPr lang="en-GB" sz="2401" dirty="0"/>
               <a:t>Develop a dashboard in Tableau reflecting the descriptive &amp; predictive analysis of data and explain the state of the payments.</a:t>
             </a:r>
-            <a:endParaRPr lang="en-FR" dirty="0"/>
+            <a:endParaRPr lang="en-FR" sz="2401" dirty="0"/>
           </a:p>
         </p:txBody>
       </p:sp>
@@ -56192,8 +56180,8 @@
         </p:blipFill>
         <p:spPr bwMode="auto">
           <a:xfrm>
-            <a:off x="609441" y="2061624"/>
-            <a:ext cx="4341971" cy="4341971"/>
+            <a:off x="609601" y="2061268"/>
+            <a:ext cx="4343102" cy="4343102"/>
           </a:xfrm>
           <a:prstGeom prst="rect">
             <a:avLst/>
@@ -56244,8 +56232,8 @@
         </p:blipFill>
         <p:spPr bwMode="auto">
           <a:xfrm>
-            <a:off x="11622853" y="6384991"/>
-            <a:ext cx="464395" cy="464395"/>
+            <a:off x="11625882" y="6385761"/>
+            <a:ext cx="464516" cy="464516"/>
           </a:xfrm>
           <a:prstGeom prst="rect">
             <a:avLst/>
@@ -56280,8 +56268,8 @@
         </p:nvSpPr>
         <p:spPr>
           <a:xfrm>
-            <a:off x="8778794" y="6385720"/>
-            <a:ext cx="2844059" cy="365125"/>
+            <a:off x="8781082" y="6386491"/>
+            <a:ext cx="2844800" cy="365220"/>
           </a:xfrm>
         </p:spPr>
         <p:txBody>
@@ -56290,7 +56278,7 @@
           <a:p>
             <a:pPr algn="r"/>
             <a:fld id="{96E69268-9C8B-4EBF-A9EE-DC5DC2D48DC3}" type="slidenum">
-              <a:rPr lang="en-US" sz="1400" smtClean="0">
+              <a:rPr lang="en-US" sz="1400">
                 <a:solidFill>
                   <a:schemeClr val="tx1"/>
                 </a:solidFill>
@@ -56364,8 +56352,8 @@
         </p:blipFill>
         <p:spPr>
           <a:xfrm>
-            <a:off x="455613" y="994508"/>
-            <a:ext cx="11090749" cy="5588853"/>
+            <a:off x="455733" y="993874"/>
+            <a:ext cx="11093638" cy="5590309"/>
           </a:xfrm>
           <a:prstGeom prst="rect">
             <a:avLst/>
@@ -56423,8 +56411,8 @@
         </p:blipFill>
         <p:spPr bwMode="auto">
           <a:xfrm>
-            <a:off x="11622853" y="6384991"/>
-            <a:ext cx="464395" cy="464395"/>
+            <a:off x="11625882" y="6385761"/>
+            <a:ext cx="464516" cy="464516"/>
           </a:xfrm>
           <a:prstGeom prst="rect">
             <a:avLst/>
@@ -56459,8 +56447,8 @@
         </p:nvSpPr>
         <p:spPr>
           <a:xfrm>
-            <a:off x="8778794" y="6385720"/>
-            <a:ext cx="2844059" cy="365125"/>
+            <a:off x="8781082" y="6386491"/>
+            <a:ext cx="2844800" cy="365220"/>
           </a:xfrm>
         </p:spPr>
         <p:txBody>
@@ -56469,7 +56457,7 @@
           <a:p>
             <a:pPr algn="r"/>
             <a:fld id="{96E69268-9C8B-4EBF-A9EE-DC5DC2D48DC3}" type="slidenum">
-              <a:rPr lang="en-US" sz="1400" smtClean="0">
+              <a:rPr lang="en-US" sz="1400">
                 <a:solidFill>
                   <a:schemeClr val="bg1"/>
                 </a:solidFill>
@@ -56549,8 +56537,8 @@
         </p:nvSpPr>
         <p:spPr>
           <a:xfrm>
-            <a:off x="5791040" y="1541877"/>
-            <a:ext cx="5062152" cy="609600"/>
+            <a:off x="5792549" y="1541385"/>
+            <a:ext cx="5063471" cy="609759"/>
           </a:xfrm>
         </p:spPr>
         <p:txBody>
@@ -56576,8 +56564,8 @@
         </p:nvSpPr>
         <p:spPr>
           <a:xfrm>
-            <a:off x="5791040" y="2227677"/>
-            <a:ext cx="5943600" cy="3405776"/>
+            <a:off x="5792549" y="2227364"/>
+            <a:ext cx="5945148" cy="3406663"/>
           </a:xfrm>
         </p:spPr>
         <p:txBody>
@@ -56592,7 +56580,7 @@
               </a:lnSpc>
             </a:pPr>
             <a:r>
-              <a:rPr lang="en-US" sz="2400" kern="0" dirty="0"/>
+              <a:rPr lang="en-US" sz="2401" kern="0" dirty="0"/>
               <a:t>The dataset was relatively clean with minor changes in certain dates and numbers</a:t>
             </a:r>
           </a:p>
@@ -56603,7 +56591,7 @@
               </a:lnSpc>
             </a:pPr>
             <a:r>
-              <a:rPr lang="en-US" sz="2400" dirty="0">
+              <a:rPr lang="en-US" sz="2401" dirty="0">
                 <a:solidFill>
                   <a:schemeClr val="tx1">
                     <a:lumMod val="85000"/>
@@ -56614,7 +56602,7 @@
               </a:rPr>
               <a:t>The descriptive and predictive analysis of the Data were made on Python as we had to do several grouping and calculations to obtain the needed widgets and perform the required forecasts</a:t>
             </a:r>
-            <a:endParaRPr lang="en-US" sz="2400" i="1" dirty="0">
+            <a:endParaRPr lang="en-US" sz="2401" i="1" dirty="0">
               <a:solidFill>
                 <a:schemeClr val="accent3">
                   <a:lumMod val="75000"/>
@@ -56629,7 +56617,7 @@
                 <a:spcPct val="120000"/>
               </a:lnSpc>
             </a:pPr>
-            <a:endParaRPr lang="en-US" sz="2400" dirty="0"/>
+            <a:endParaRPr lang="en-US" sz="2401" dirty="0"/>
           </a:p>
         </p:txBody>
       </p:sp>
@@ -56661,8 +56649,8 @@
         </p:blipFill>
         <p:spPr>
           <a:xfrm>
-            <a:off x="609441" y="2362200"/>
-            <a:ext cx="4838700" cy="3251200"/>
+            <a:off x="609600" y="2361922"/>
+            <a:ext cx="4839960" cy="3252047"/>
           </a:xfrm>
           <a:prstGeom prst="rect">
             <a:avLst/>
@@ -56703,8 +56691,8 @@
         </p:blipFill>
         <p:spPr bwMode="auto">
           <a:xfrm>
-            <a:off x="11622853" y="6384991"/>
-            <a:ext cx="464395" cy="464395"/>
+            <a:off x="11625882" y="6385761"/>
+            <a:ext cx="464516" cy="464516"/>
           </a:xfrm>
           <a:prstGeom prst="rect">
             <a:avLst/>
@@ -56739,8 +56727,8 @@
         </p:nvSpPr>
         <p:spPr>
           <a:xfrm>
-            <a:off x="8778794" y="6385720"/>
-            <a:ext cx="2844059" cy="365125"/>
+            <a:off x="8781082" y="6386491"/>
+            <a:ext cx="2844800" cy="365220"/>
           </a:xfrm>
         </p:spPr>
         <p:txBody>
@@ -56749,7 +56737,7 @@
           <a:p>
             <a:pPr algn="r"/>
             <a:fld id="{96E69268-9C8B-4EBF-A9EE-DC5DC2D48DC3}" type="slidenum">
-              <a:rPr lang="en-US" sz="1400" smtClean="0">
+              <a:rPr lang="en-US" sz="1400">
                 <a:solidFill>
                   <a:schemeClr val="tx1"/>
                 </a:solidFill>
@@ -56813,8 +56801,8 @@
         </p:nvSpPr>
         <p:spPr>
           <a:xfrm>
-            <a:off x="609441" y="274639"/>
-            <a:ext cx="10969943" cy="711081"/>
+            <a:off x="609601" y="273818"/>
+            <a:ext cx="10972801" cy="711266"/>
           </a:xfrm>
         </p:spPr>
         <p:txBody>
@@ -56856,8 +56844,8 @@
         </p:blipFill>
         <p:spPr>
           <a:xfrm>
-            <a:off x="4341812" y="1048256"/>
-            <a:ext cx="3940310" cy="5352545"/>
+            <a:off x="4342944" y="1047636"/>
+            <a:ext cx="3941336" cy="5353939"/>
           </a:xfrm>
           <a:prstGeom prst="rect">
             <a:avLst/>
@@ -56885,6 +56873,14 @@
 <file path=ppt/slides/slide6.xml><?xml version="1.0" encoding="utf-8"?>
 <p:sld xmlns:a="http://schemas.openxmlformats.org/drawingml/2006/main" xmlns:r="http://schemas.openxmlformats.org/officeDocument/2006/relationships" xmlns:p="http://schemas.openxmlformats.org/presentationml/2006/main">
   <p:cSld>
+    <p:bg>
+      <p:bgPr>
+        <a:solidFill>
+          <a:srgbClr val="002855"/>
+        </a:solidFill>
+        <a:effectLst/>
+      </p:bgPr>
+    </p:bg>
     <p:spTree>
       <p:nvGrpSpPr>
         <p:cNvPr id="1" name=""/>
@@ -56901,10 +56897,10 @@
       </p:grpSpPr>
       <p:pic>
         <p:nvPicPr>
-          <p:cNvPr id="5" name="Picture 4">
+          <p:cNvPr id="5" name="slide2" descr="Dashboard 1">
             <a:extLst>
               <a:ext uri="{FF2B5EF4-FFF2-40B4-BE49-F238E27FC236}">
-                <a16:creationId xmlns:a16="http://schemas.microsoft.com/office/drawing/2014/main" id="{BD7FA499-47D2-A242-B43A-DB7DBFEA8543}"/>
+                <a16:creationId xmlns:a16="http://schemas.microsoft.com/office/drawing/2014/main" id="{2B1C900C-AA6E-4231-A4BC-BD4A4D920B1D}"/>
               </a:ext>
             </a:extLst>
           </p:cNvPr>
@@ -56914,10 +56910,10 @@
           <p:nvPr/>
         </p:nvPicPr>
         <p:blipFill>
-          <a:blip r:embed="rId2" cstate="email">
+          <a:blip r:embed="rId2" cstate="print">
             <a:extLst>
               <a:ext uri="{28A0092B-C50C-407E-A947-70E740481C1C}">
-                <a14:useLocalDpi xmlns:a14="http://schemas.microsoft.com/office/drawing/2010/main"/>
+                <a14:useLocalDpi xmlns:a14="http://schemas.microsoft.com/office/drawing/2010/main" val="0"/>
               </a:ext>
             </a:extLst>
           </a:blip>
@@ -56927,72 +56923,18 @@
         </p:blipFill>
         <p:spPr>
           <a:xfrm>
-            <a:off x="-1" y="75296"/>
-            <a:ext cx="12188825" cy="6707407"/>
+            <a:off x="3646714" y="0"/>
+            <a:ext cx="4898571" cy="6858000"/>
           </a:xfrm>
           <a:prstGeom prst="rect">
             <a:avLst/>
           </a:prstGeom>
         </p:spPr>
       </p:pic>
-      <p:sp>
-        <p:nvSpPr>
-          <p:cNvPr id="6" name="Title 1">
-            <a:extLst>
-              <a:ext uri="{FF2B5EF4-FFF2-40B4-BE49-F238E27FC236}">
-                <a16:creationId xmlns:a16="http://schemas.microsoft.com/office/drawing/2014/main" id="{67D88FEB-3953-B94B-9D06-983FFD6085FB}"/>
-              </a:ext>
-            </a:extLst>
-          </p:cNvPr>
-          <p:cNvSpPr>
-            <a:spLocks noGrp="1"/>
-          </p:cNvSpPr>
-          <p:nvPr>
-            <p:ph type="title"/>
-          </p:nvPr>
-        </p:nvSpPr>
-        <p:spPr>
-          <a:xfrm>
-            <a:off x="9675812" y="5943600"/>
-            <a:ext cx="2362200" cy="634881"/>
-          </a:xfrm>
-          <a:solidFill>
-            <a:schemeClr val="bg1"/>
-          </a:solidFill>
-          <a:scene3d>
-            <a:camera prst="orthographicFront"/>
-            <a:lightRig rig="threePt" dir="t"/>
-          </a:scene3d>
-          <a:sp3d contourW="12700" prstMaterial="dkEdge">
-            <a:bevelT prst="angle"/>
-            <a:contourClr>
-              <a:srgbClr val="FFFF00"/>
-            </a:contourClr>
-          </a:sp3d>
-        </p:spPr>
-        <p:txBody>
-          <a:bodyPr/>
-          <a:lstStyle/>
-          <a:p>
-            <a:pPr algn="ctr"/>
-            <a:r>
-              <a:rPr lang="en-US" sz="1400" dirty="0"/>
-              <a:t>Dashboard in Tableau </a:t>
-            </a:r>
-            <a:br>
-              <a:rPr lang="en-US" sz="1400" dirty="0"/>
-            </a:br>
-            <a:r>
-              <a:rPr lang="en-US" sz="1400" dirty="0"/>
-              <a:t>(Metrics)</a:t>
-            </a:r>
-          </a:p>
-        </p:txBody>
-      </p:sp>
     </p:spTree>
     <p:extLst>
       <p:ext uri="{BB962C8B-B14F-4D97-AF65-F5344CB8AC3E}">
-        <p14:creationId xmlns:p14="http://schemas.microsoft.com/office/powerpoint/2010/main" val="2589958478"/>
+        <p14:creationId xmlns:p14="http://schemas.microsoft.com/office/powerpoint/2010/main" val="685166447"/>
       </p:ext>
     </p:extLst>
   </p:cSld>
@@ -57052,8 +56994,8 @@
         </p:nvSpPr>
         <p:spPr>
           <a:xfrm>
-            <a:off x="258101" y="5554053"/>
-            <a:ext cx="1035712" cy="981745"/>
+            <a:off x="258169" y="5554607"/>
+            <a:ext cx="1035982" cy="461913"/>
           </a:xfrm>
           <a:prstGeom prst="rect">
             <a:avLst/>
@@ -57068,7 +57010,7 @@
           </a:bodyPr>
           <a:lstStyle/>
           <a:p>
-            <a:endParaRPr lang="en-FR" dirty="0"/>
+            <a:endParaRPr lang="en-FR" sz="2401" dirty="0"/>
           </a:p>
         </p:txBody>
       </p:sp>
@@ -57101,8 +57043,8 @@
         </p:blipFill>
         <p:spPr bwMode="auto">
           <a:xfrm>
-            <a:off x="258101" y="5517488"/>
-            <a:ext cx="1035712" cy="1035712"/>
+            <a:off x="258169" y="5518032"/>
+            <a:ext cx="1035982" cy="1035982"/>
           </a:xfrm>
           <a:prstGeom prst="rect">
             <a:avLst/>
@@ -57133,8 +57075,8 @@
         </p:nvSpPr>
         <p:spPr>
           <a:xfrm>
-            <a:off x="0" y="3167390"/>
-            <a:ext cx="3612444" cy="523220"/>
+            <a:off x="0" y="3167322"/>
+            <a:ext cx="3613385" cy="523356"/>
           </a:xfrm>
           <a:prstGeom prst="rect">
             <a:avLst/>
@@ -57149,7 +57091,7 @@
           <a:p>
             <a:pPr algn="ctr"/>
             <a:r>
-              <a:rPr lang="en-US" sz="2800" b="1" dirty="0">
+              <a:rPr lang="en-US" sz="2801" b="1" dirty="0">
                 <a:solidFill>
                   <a:schemeClr val="bg1"/>
                 </a:solidFill>
@@ -57191,8 +57133,8 @@
         </p:blipFill>
         <p:spPr bwMode="auto">
           <a:xfrm>
-            <a:off x="4494212" y="1457325"/>
-            <a:ext cx="7010400" cy="3943350"/>
+            <a:off x="4495383" y="1456812"/>
+            <a:ext cx="7012226" cy="3944377"/>
           </a:xfrm>
           <a:prstGeom prst="rect">
             <a:avLst/>
